--- a/project/presentation/ДомДарение.pptx
+++ b/project/presentation/ДомДарение.pptx
@@ -59,7 +59,7 @@
       </p:grpSpPr>
       <p:sp>
         <p:nvSpPr>
-          <p:cNvPr id="33" name="PlaceHolder 1"/>
+          <p:cNvPr id="30" name="PlaceHolder 1"/>
           <p:cNvSpPr>
             <a:spLocks noGrp="1"/>
           </p:cNvSpPr>
@@ -79,23 +79,24 @@
         <p:txBody>
           <a:bodyPr lIns="0" rIns="0" tIns="0" bIns="0" anchor="ctr"/>
           <a:p>
-            <a:endParaRPr b="0" lang="en-US" sz="1800" spc="-1" strike="noStrike">
-              <a:solidFill>
-                <a:srgbClr val="000000"/>
-              </a:solidFill>
-              <a:uFill>
-                <a:solidFill>
-                  <a:srgbClr val="ffffff"/>
-                </a:solidFill>
-              </a:uFill>
-              <a:latin typeface="Perpetua"/>
-            </a:endParaRPr>
-          </a:p>
-        </p:txBody>
-      </p:sp>
-      <p:sp>
-        <p:nvSpPr>
-          <p:cNvPr id="34" name="PlaceHolder 2"/>
+            <a:pPr algn="ctr"/>
+            <a:endParaRPr b="0" lang="en-US" sz="4400" spc="-1" strike="noStrike">
+              <a:solidFill>
+                <a:srgbClr val="000000"/>
+              </a:solidFill>
+              <a:uFill>
+                <a:solidFill>
+                  <a:srgbClr val="ffffff"/>
+                </a:solidFill>
+              </a:uFill>
+              <a:latin typeface="Arial"/>
+            </a:endParaRPr>
+          </a:p>
+        </p:txBody>
+      </p:sp>
+      <p:sp>
+        <p:nvSpPr>
+          <p:cNvPr id="31" name="PlaceHolder 2"/>
           <p:cNvSpPr>
             <a:spLocks noGrp="1"/>
           </p:cNvSpPr>
@@ -115,23 +116,23 @@
         <p:txBody>
           <a:bodyPr lIns="0" rIns="0" tIns="0" bIns="0"/>
           <a:p>
-            <a:endParaRPr b="0" lang="en-US" sz="2600" spc="-1" strike="noStrike">
-              <a:solidFill>
-                <a:srgbClr val="000000"/>
-              </a:solidFill>
-              <a:uFill>
-                <a:solidFill>
-                  <a:srgbClr val="ffffff"/>
-                </a:solidFill>
-              </a:uFill>
-              <a:latin typeface="Perpetua"/>
-            </a:endParaRPr>
-          </a:p>
-        </p:txBody>
-      </p:sp>
-      <p:sp>
-        <p:nvSpPr>
-          <p:cNvPr id="35" name="PlaceHolder 3"/>
+            <a:endParaRPr b="0" lang="en-US" sz="3200" spc="-1" strike="noStrike">
+              <a:solidFill>
+                <a:srgbClr val="000000"/>
+              </a:solidFill>
+              <a:uFill>
+                <a:solidFill>
+                  <a:srgbClr val="ffffff"/>
+                </a:solidFill>
+              </a:uFill>
+              <a:latin typeface="Arial"/>
+            </a:endParaRPr>
+          </a:p>
+        </p:txBody>
+      </p:sp>
+      <p:sp>
+        <p:nvSpPr>
+          <p:cNvPr id="32" name="PlaceHolder 3"/>
           <p:cNvSpPr>
             <a:spLocks noGrp="1"/>
           </p:cNvSpPr>
@@ -151,16 +152,16 @@
         <p:txBody>
           <a:bodyPr lIns="0" rIns="0" tIns="0" bIns="0"/>
           <a:p>
-            <a:endParaRPr b="0" lang="en-US" sz="2600" spc="-1" strike="noStrike">
-              <a:solidFill>
-                <a:srgbClr val="000000"/>
-              </a:solidFill>
-              <a:uFill>
-                <a:solidFill>
-                  <a:srgbClr val="ffffff"/>
-                </a:solidFill>
-              </a:uFill>
-              <a:latin typeface="Perpetua"/>
+            <a:endParaRPr b="0" lang="en-US" sz="3200" spc="-1" strike="noStrike">
+              <a:solidFill>
+                <a:srgbClr val="000000"/>
+              </a:solidFill>
+              <a:uFill>
+                <a:solidFill>
+                  <a:srgbClr val="ffffff"/>
+                </a:solidFill>
+              </a:uFill>
+              <a:latin typeface="Arial"/>
             </a:endParaRPr>
           </a:p>
         </p:txBody>
@@ -189,7 +190,7 @@
       </p:grpSpPr>
       <p:sp>
         <p:nvSpPr>
-          <p:cNvPr id="36" name="PlaceHolder 1"/>
+          <p:cNvPr id="33" name="PlaceHolder 1"/>
           <p:cNvSpPr>
             <a:spLocks noGrp="1"/>
           </p:cNvSpPr>
@@ -209,23 +210,24 @@
         <p:txBody>
           <a:bodyPr lIns="0" rIns="0" tIns="0" bIns="0" anchor="ctr"/>
           <a:p>
-            <a:endParaRPr b="0" lang="en-US" sz="1800" spc="-1" strike="noStrike">
-              <a:solidFill>
-                <a:srgbClr val="000000"/>
-              </a:solidFill>
-              <a:uFill>
-                <a:solidFill>
-                  <a:srgbClr val="ffffff"/>
-                </a:solidFill>
-              </a:uFill>
-              <a:latin typeface="Perpetua"/>
-            </a:endParaRPr>
-          </a:p>
-        </p:txBody>
-      </p:sp>
-      <p:sp>
-        <p:nvSpPr>
-          <p:cNvPr id="37" name="PlaceHolder 2"/>
+            <a:pPr algn="ctr"/>
+            <a:endParaRPr b="0" lang="en-US" sz="4400" spc="-1" strike="noStrike">
+              <a:solidFill>
+                <a:srgbClr val="000000"/>
+              </a:solidFill>
+              <a:uFill>
+                <a:solidFill>
+                  <a:srgbClr val="ffffff"/>
+                </a:solidFill>
+              </a:uFill>
+              <a:latin typeface="Arial"/>
+            </a:endParaRPr>
+          </a:p>
+        </p:txBody>
+      </p:sp>
+      <p:sp>
+        <p:nvSpPr>
+          <p:cNvPr id="34" name="PlaceHolder 2"/>
           <p:cNvSpPr>
             <a:spLocks noGrp="1"/>
           </p:cNvSpPr>
@@ -245,23 +247,23 @@
         <p:txBody>
           <a:bodyPr lIns="0" rIns="0" tIns="0" bIns="0"/>
           <a:p>
-            <a:endParaRPr b="0" lang="en-US" sz="2600" spc="-1" strike="noStrike">
-              <a:solidFill>
-                <a:srgbClr val="000000"/>
-              </a:solidFill>
-              <a:uFill>
-                <a:solidFill>
-                  <a:srgbClr val="ffffff"/>
-                </a:solidFill>
-              </a:uFill>
-              <a:latin typeface="Perpetua"/>
-            </a:endParaRPr>
-          </a:p>
-        </p:txBody>
-      </p:sp>
-      <p:sp>
-        <p:nvSpPr>
-          <p:cNvPr id="38" name="PlaceHolder 3"/>
+            <a:endParaRPr b="0" lang="en-US" sz="3200" spc="-1" strike="noStrike">
+              <a:solidFill>
+                <a:srgbClr val="000000"/>
+              </a:solidFill>
+              <a:uFill>
+                <a:solidFill>
+                  <a:srgbClr val="ffffff"/>
+                </a:solidFill>
+              </a:uFill>
+              <a:latin typeface="Arial"/>
+            </a:endParaRPr>
+          </a:p>
+        </p:txBody>
+      </p:sp>
+      <p:sp>
+        <p:nvSpPr>
+          <p:cNvPr id="35" name="PlaceHolder 3"/>
           <p:cNvSpPr>
             <a:spLocks noGrp="1"/>
           </p:cNvSpPr>
@@ -281,23 +283,23 @@
         <p:txBody>
           <a:bodyPr lIns="0" rIns="0" tIns="0" bIns="0"/>
           <a:p>
-            <a:endParaRPr b="0" lang="en-US" sz="2600" spc="-1" strike="noStrike">
-              <a:solidFill>
-                <a:srgbClr val="000000"/>
-              </a:solidFill>
-              <a:uFill>
-                <a:solidFill>
-                  <a:srgbClr val="ffffff"/>
-                </a:solidFill>
-              </a:uFill>
-              <a:latin typeface="Perpetua"/>
-            </a:endParaRPr>
-          </a:p>
-        </p:txBody>
-      </p:sp>
-      <p:sp>
-        <p:nvSpPr>
-          <p:cNvPr id="39" name="PlaceHolder 4"/>
+            <a:endParaRPr b="0" lang="en-US" sz="3200" spc="-1" strike="noStrike">
+              <a:solidFill>
+                <a:srgbClr val="000000"/>
+              </a:solidFill>
+              <a:uFill>
+                <a:solidFill>
+                  <a:srgbClr val="ffffff"/>
+                </a:solidFill>
+              </a:uFill>
+              <a:latin typeface="Arial"/>
+            </a:endParaRPr>
+          </a:p>
+        </p:txBody>
+      </p:sp>
+      <p:sp>
+        <p:nvSpPr>
+          <p:cNvPr id="36" name="PlaceHolder 4"/>
           <p:cNvSpPr>
             <a:spLocks noGrp="1"/>
           </p:cNvSpPr>
@@ -317,23 +319,23 @@
         <p:txBody>
           <a:bodyPr lIns="0" rIns="0" tIns="0" bIns="0"/>
           <a:p>
-            <a:endParaRPr b="0" lang="en-US" sz="2600" spc="-1" strike="noStrike">
-              <a:solidFill>
-                <a:srgbClr val="000000"/>
-              </a:solidFill>
-              <a:uFill>
-                <a:solidFill>
-                  <a:srgbClr val="ffffff"/>
-                </a:solidFill>
-              </a:uFill>
-              <a:latin typeface="Perpetua"/>
-            </a:endParaRPr>
-          </a:p>
-        </p:txBody>
-      </p:sp>
-      <p:sp>
-        <p:nvSpPr>
-          <p:cNvPr id="40" name="PlaceHolder 5"/>
+            <a:endParaRPr b="0" lang="en-US" sz="3200" spc="-1" strike="noStrike">
+              <a:solidFill>
+                <a:srgbClr val="000000"/>
+              </a:solidFill>
+              <a:uFill>
+                <a:solidFill>
+                  <a:srgbClr val="ffffff"/>
+                </a:solidFill>
+              </a:uFill>
+              <a:latin typeface="Arial"/>
+            </a:endParaRPr>
+          </a:p>
+        </p:txBody>
+      </p:sp>
+      <p:sp>
+        <p:nvSpPr>
+          <p:cNvPr id="37" name="PlaceHolder 5"/>
           <p:cNvSpPr>
             <a:spLocks noGrp="1"/>
           </p:cNvSpPr>
@@ -353,16 +355,16 @@
         <p:txBody>
           <a:bodyPr lIns="0" rIns="0" tIns="0" bIns="0"/>
           <a:p>
-            <a:endParaRPr b="0" lang="en-US" sz="2600" spc="-1" strike="noStrike">
-              <a:solidFill>
-                <a:srgbClr val="000000"/>
-              </a:solidFill>
-              <a:uFill>
-                <a:solidFill>
-                  <a:srgbClr val="ffffff"/>
-                </a:solidFill>
-              </a:uFill>
-              <a:latin typeface="Perpetua"/>
+            <a:endParaRPr b="0" lang="en-US" sz="3200" spc="-1" strike="noStrike">
+              <a:solidFill>
+                <a:srgbClr val="000000"/>
+              </a:solidFill>
+              <a:uFill>
+                <a:solidFill>
+                  <a:srgbClr val="ffffff"/>
+                </a:solidFill>
+              </a:uFill>
+              <a:latin typeface="Arial"/>
             </a:endParaRPr>
           </a:p>
         </p:txBody>
@@ -391,7 +393,7 @@
       </p:grpSpPr>
       <p:sp>
         <p:nvSpPr>
-          <p:cNvPr id="41" name="PlaceHolder 1"/>
+          <p:cNvPr id="38" name="PlaceHolder 1"/>
           <p:cNvSpPr>
             <a:spLocks noGrp="1"/>
           </p:cNvSpPr>
@@ -411,23 +413,24 @@
         <p:txBody>
           <a:bodyPr lIns="0" rIns="0" tIns="0" bIns="0" anchor="ctr"/>
           <a:p>
-            <a:endParaRPr b="0" lang="en-US" sz="1800" spc="-1" strike="noStrike">
-              <a:solidFill>
-                <a:srgbClr val="000000"/>
-              </a:solidFill>
-              <a:uFill>
-                <a:solidFill>
-                  <a:srgbClr val="ffffff"/>
-                </a:solidFill>
-              </a:uFill>
-              <a:latin typeface="Perpetua"/>
-            </a:endParaRPr>
-          </a:p>
-        </p:txBody>
-      </p:sp>
-      <p:sp>
-        <p:nvSpPr>
-          <p:cNvPr id="42" name="PlaceHolder 2"/>
+            <a:pPr algn="ctr"/>
+            <a:endParaRPr b="0" lang="en-US" sz="4400" spc="-1" strike="noStrike">
+              <a:solidFill>
+                <a:srgbClr val="000000"/>
+              </a:solidFill>
+              <a:uFill>
+                <a:solidFill>
+                  <a:srgbClr val="ffffff"/>
+                </a:solidFill>
+              </a:uFill>
+              <a:latin typeface="Arial"/>
+            </a:endParaRPr>
+          </a:p>
+        </p:txBody>
+      </p:sp>
+      <p:sp>
+        <p:nvSpPr>
+          <p:cNvPr id="39" name="PlaceHolder 2"/>
           <p:cNvSpPr>
             <a:spLocks noGrp="1"/>
           </p:cNvSpPr>
@@ -447,23 +450,23 @@
         <p:txBody>
           <a:bodyPr lIns="0" rIns="0" tIns="0" bIns="0"/>
           <a:p>
-            <a:endParaRPr b="0" lang="en-US" sz="2600" spc="-1" strike="noStrike">
-              <a:solidFill>
-                <a:srgbClr val="000000"/>
-              </a:solidFill>
-              <a:uFill>
-                <a:solidFill>
-                  <a:srgbClr val="ffffff"/>
-                </a:solidFill>
-              </a:uFill>
-              <a:latin typeface="Perpetua"/>
-            </a:endParaRPr>
-          </a:p>
-        </p:txBody>
-      </p:sp>
-      <p:sp>
-        <p:nvSpPr>
-          <p:cNvPr id="43" name="PlaceHolder 3"/>
+            <a:endParaRPr b="0" lang="en-US" sz="3200" spc="-1" strike="noStrike">
+              <a:solidFill>
+                <a:srgbClr val="000000"/>
+              </a:solidFill>
+              <a:uFill>
+                <a:solidFill>
+                  <a:srgbClr val="ffffff"/>
+                </a:solidFill>
+              </a:uFill>
+              <a:latin typeface="Arial"/>
+            </a:endParaRPr>
+          </a:p>
+        </p:txBody>
+      </p:sp>
+      <p:sp>
+        <p:nvSpPr>
+          <p:cNvPr id="40" name="PlaceHolder 3"/>
           <p:cNvSpPr>
             <a:spLocks noGrp="1"/>
           </p:cNvSpPr>
@@ -483,23 +486,23 @@
         <p:txBody>
           <a:bodyPr lIns="0" rIns="0" tIns="0" bIns="0"/>
           <a:p>
-            <a:endParaRPr b="0" lang="en-US" sz="2600" spc="-1" strike="noStrike">
-              <a:solidFill>
-                <a:srgbClr val="000000"/>
-              </a:solidFill>
-              <a:uFill>
-                <a:solidFill>
-                  <a:srgbClr val="ffffff"/>
-                </a:solidFill>
-              </a:uFill>
-              <a:latin typeface="Perpetua"/>
+            <a:endParaRPr b="0" lang="en-US" sz="3200" spc="-1" strike="noStrike">
+              <a:solidFill>
+                <a:srgbClr val="000000"/>
+              </a:solidFill>
+              <a:uFill>
+                <a:solidFill>
+                  <a:srgbClr val="ffffff"/>
+                </a:solidFill>
+              </a:uFill>
+              <a:latin typeface="Arial"/>
             </a:endParaRPr>
           </a:p>
         </p:txBody>
       </p:sp>
       <p:pic>
         <p:nvPicPr>
-          <p:cNvPr id="44" name="" descr=""/>
+          <p:cNvPr id="41" name="" descr=""/>
           <p:cNvPicPr/>
           <p:nvPr/>
         </p:nvPicPr>
@@ -522,7 +525,7 @@
       </p:pic>
       <p:pic>
         <p:nvPicPr>
-          <p:cNvPr id="45" name="" descr=""/>
+          <p:cNvPr id="42" name="" descr=""/>
           <p:cNvPicPr/>
           <p:nvPr/>
         </p:nvPicPr>
@@ -589,7 +592,7 @@
       </p:grpSpPr>
       <p:sp>
         <p:nvSpPr>
-          <p:cNvPr id="53" name="PlaceHolder 1"/>
+          <p:cNvPr id="47" name="PlaceHolder 1"/>
           <p:cNvSpPr>
             <a:spLocks noGrp="1"/>
           </p:cNvSpPr>
@@ -609,23 +612,24 @@
         <p:txBody>
           <a:bodyPr lIns="0" rIns="0" tIns="0" bIns="0" anchor="ctr"/>
           <a:p>
-            <a:endParaRPr b="0" lang="en-US" sz="1800" spc="-1" strike="noStrike">
-              <a:solidFill>
-                <a:srgbClr val="000000"/>
-              </a:solidFill>
-              <a:uFill>
-                <a:solidFill>
-                  <a:srgbClr val="ffffff"/>
-                </a:solidFill>
-              </a:uFill>
-              <a:latin typeface="Perpetua"/>
-            </a:endParaRPr>
-          </a:p>
-        </p:txBody>
-      </p:sp>
-      <p:sp>
-        <p:nvSpPr>
-          <p:cNvPr id="54" name="PlaceHolder 2"/>
+            <a:pPr algn="ctr"/>
+            <a:endParaRPr b="0" lang="en-US" sz="4400" spc="-1" strike="noStrike">
+              <a:solidFill>
+                <a:srgbClr val="000000"/>
+              </a:solidFill>
+              <a:uFill>
+                <a:solidFill>
+                  <a:srgbClr val="ffffff"/>
+                </a:solidFill>
+              </a:uFill>
+              <a:latin typeface="Arial"/>
+            </a:endParaRPr>
+          </a:p>
+        </p:txBody>
+      </p:sp>
+      <p:sp>
+        <p:nvSpPr>
+          <p:cNvPr id="48" name="PlaceHolder 2"/>
           <p:cNvSpPr>
             <a:spLocks noGrp="1"/>
           </p:cNvSpPr>
@@ -684,7 +688,7 @@
       </p:grpSpPr>
       <p:sp>
         <p:nvSpPr>
-          <p:cNvPr id="55" name="PlaceHolder 1"/>
+          <p:cNvPr id="49" name="PlaceHolder 1"/>
           <p:cNvSpPr>
             <a:spLocks noGrp="1"/>
           </p:cNvSpPr>
@@ -704,23 +708,24 @@
         <p:txBody>
           <a:bodyPr lIns="0" rIns="0" tIns="0" bIns="0" anchor="ctr"/>
           <a:p>
-            <a:endParaRPr b="0" lang="en-US" sz="1800" spc="-1" strike="noStrike">
-              <a:solidFill>
-                <a:srgbClr val="000000"/>
-              </a:solidFill>
-              <a:uFill>
-                <a:solidFill>
-                  <a:srgbClr val="ffffff"/>
-                </a:solidFill>
-              </a:uFill>
-              <a:latin typeface="Perpetua"/>
-            </a:endParaRPr>
-          </a:p>
-        </p:txBody>
-      </p:sp>
-      <p:sp>
-        <p:nvSpPr>
-          <p:cNvPr id="56" name="PlaceHolder 2"/>
+            <a:pPr algn="ctr"/>
+            <a:endParaRPr b="0" lang="en-US" sz="4400" spc="-1" strike="noStrike">
+              <a:solidFill>
+                <a:srgbClr val="000000"/>
+              </a:solidFill>
+              <a:uFill>
+                <a:solidFill>
+                  <a:srgbClr val="ffffff"/>
+                </a:solidFill>
+              </a:uFill>
+              <a:latin typeface="Arial"/>
+            </a:endParaRPr>
+          </a:p>
+        </p:txBody>
+      </p:sp>
+      <p:sp>
+        <p:nvSpPr>
+          <p:cNvPr id="50" name="PlaceHolder 2"/>
           <p:cNvSpPr>
             <a:spLocks noGrp="1"/>
           </p:cNvSpPr>
@@ -740,16 +745,16 @@
         <p:txBody>
           <a:bodyPr lIns="0" rIns="0" tIns="0" bIns="0"/>
           <a:p>
-            <a:endParaRPr b="0" lang="en-US" sz="2600" spc="-1" strike="noStrike">
-              <a:solidFill>
-                <a:srgbClr val="000000"/>
-              </a:solidFill>
-              <a:uFill>
-                <a:solidFill>
-                  <a:srgbClr val="ffffff"/>
-                </a:solidFill>
-              </a:uFill>
-              <a:latin typeface="Perpetua"/>
+            <a:endParaRPr b="0" lang="en-US" sz="3200" spc="-1" strike="noStrike">
+              <a:solidFill>
+                <a:srgbClr val="000000"/>
+              </a:solidFill>
+              <a:uFill>
+                <a:solidFill>
+                  <a:srgbClr val="ffffff"/>
+                </a:solidFill>
+              </a:uFill>
+              <a:latin typeface="Arial"/>
             </a:endParaRPr>
           </a:p>
         </p:txBody>
@@ -778,7 +783,7 @@
       </p:grpSpPr>
       <p:sp>
         <p:nvSpPr>
-          <p:cNvPr id="57" name="PlaceHolder 1"/>
+          <p:cNvPr id="51" name="PlaceHolder 1"/>
           <p:cNvSpPr>
             <a:spLocks noGrp="1"/>
           </p:cNvSpPr>
@@ -798,23 +803,24 @@
         <p:txBody>
           <a:bodyPr lIns="0" rIns="0" tIns="0" bIns="0" anchor="ctr"/>
           <a:p>
-            <a:endParaRPr b="0" lang="en-US" sz="1800" spc="-1" strike="noStrike">
-              <a:solidFill>
-                <a:srgbClr val="000000"/>
-              </a:solidFill>
-              <a:uFill>
-                <a:solidFill>
-                  <a:srgbClr val="ffffff"/>
-                </a:solidFill>
-              </a:uFill>
-              <a:latin typeface="Perpetua"/>
-            </a:endParaRPr>
-          </a:p>
-        </p:txBody>
-      </p:sp>
-      <p:sp>
-        <p:nvSpPr>
-          <p:cNvPr id="58" name="PlaceHolder 2"/>
+            <a:pPr algn="ctr"/>
+            <a:endParaRPr b="0" lang="en-US" sz="4400" spc="-1" strike="noStrike">
+              <a:solidFill>
+                <a:srgbClr val="000000"/>
+              </a:solidFill>
+              <a:uFill>
+                <a:solidFill>
+                  <a:srgbClr val="ffffff"/>
+                </a:solidFill>
+              </a:uFill>
+              <a:latin typeface="Arial"/>
+            </a:endParaRPr>
+          </a:p>
+        </p:txBody>
+      </p:sp>
+      <p:sp>
+        <p:nvSpPr>
+          <p:cNvPr id="52" name="PlaceHolder 2"/>
           <p:cNvSpPr>
             <a:spLocks noGrp="1"/>
           </p:cNvSpPr>
@@ -834,23 +840,23 @@
         <p:txBody>
           <a:bodyPr lIns="0" rIns="0" tIns="0" bIns="0"/>
           <a:p>
-            <a:endParaRPr b="0" lang="en-US" sz="2600" spc="-1" strike="noStrike">
-              <a:solidFill>
-                <a:srgbClr val="000000"/>
-              </a:solidFill>
-              <a:uFill>
-                <a:solidFill>
-                  <a:srgbClr val="ffffff"/>
-                </a:solidFill>
-              </a:uFill>
-              <a:latin typeface="Perpetua"/>
-            </a:endParaRPr>
-          </a:p>
-        </p:txBody>
-      </p:sp>
-      <p:sp>
-        <p:nvSpPr>
-          <p:cNvPr id="59" name="PlaceHolder 3"/>
+            <a:endParaRPr b="0" lang="en-US" sz="3200" spc="-1" strike="noStrike">
+              <a:solidFill>
+                <a:srgbClr val="000000"/>
+              </a:solidFill>
+              <a:uFill>
+                <a:solidFill>
+                  <a:srgbClr val="ffffff"/>
+                </a:solidFill>
+              </a:uFill>
+              <a:latin typeface="Arial"/>
+            </a:endParaRPr>
+          </a:p>
+        </p:txBody>
+      </p:sp>
+      <p:sp>
+        <p:nvSpPr>
+          <p:cNvPr id="53" name="PlaceHolder 3"/>
           <p:cNvSpPr>
             <a:spLocks noGrp="1"/>
           </p:cNvSpPr>
@@ -870,16 +876,16 @@
         <p:txBody>
           <a:bodyPr lIns="0" rIns="0" tIns="0" bIns="0"/>
           <a:p>
-            <a:endParaRPr b="0" lang="en-US" sz="2600" spc="-1" strike="noStrike">
-              <a:solidFill>
-                <a:srgbClr val="000000"/>
-              </a:solidFill>
-              <a:uFill>
-                <a:solidFill>
-                  <a:srgbClr val="ffffff"/>
-                </a:solidFill>
-              </a:uFill>
-              <a:latin typeface="Perpetua"/>
+            <a:endParaRPr b="0" lang="en-US" sz="3200" spc="-1" strike="noStrike">
+              <a:solidFill>
+                <a:srgbClr val="000000"/>
+              </a:solidFill>
+              <a:uFill>
+                <a:solidFill>
+                  <a:srgbClr val="ffffff"/>
+                </a:solidFill>
+              </a:uFill>
+              <a:latin typeface="Arial"/>
             </a:endParaRPr>
           </a:p>
         </p:txBody>
@@ -908,7 +914,7 @@
       </p:grpSpPr>
       <p:sp>
         <p:nvSpPr>
-          <p:cNvPr id="60" name="PlaceHolder 1"/>
+          <p:cNvPr id="54" name="PlaceHolder 1"/>
           <p:cNvSpPr>
             <a:spLocks noGrp="1"/>
           </p:cNvSpPr>
@@ -928,16 +934,17 @@
         <p:txBody>
           <a:bodyPr lIns="0" rIns="0" tIns="0" bIns="0" anchor="ctr"/>
           <a:p>
-            <a:endParaRPr b="0" lang="en-US" sz="1800" spc="-1" strike="noStrike">
-              <a:solidFill>
-                <a:srgbClr val="000000"/>
-              </a:solidFill>
-              <a:uFill>
-                <a:solidFill>
-                  <a:srgbClr val="ffffff"/>
-                </a:solidFill>
-              </a:uFill>
-              <a:latin typeface="Perpetua"/>
+            <a:pPr algn="ctr"/>
+            <a:endParaRPr b="0" lang="en-US" sz="4400" spc="-1" strike="noStrike">
+              <a:solidFill>
+                <a:srgbClr val="000000"/>
+              </a:solidFill>
+              <a:uFill>
+                <a:solidFill>
+                  <a:srgbClr val="ffffff"/>
+                </a:solidFill>
+              </a:uFill>
+              <a:latin typeface="Arial"/>
             </a:endParaRPr>
           </a:p>
         </p:txBody>
@@ -966,7 +973,7 @@
       </p:grpSpPr>
       <p:sp>
         <p:nvSpPr>
-          <p:cNvPr id="61" name="PlaceHolder 1"/>
+          <p:cNvPr id="55" name="PlaceHolder 1"/>
           <p:cNvSpPr>
             <a:spLocks noGrp="1"/>
           </p:cNvSpPr>
@@ -1025,7 +1032,7 @@
       </p:grpSpPr>
       <p:sp>
         <p:nvSpPr>
-          <p:cNvPr id="62" name="PlaceHolder 1"/>
+          <p:cNvPr id="56" name="PlaceHolder 1"/>
           <p:cNvSpPr>
             <a:spLocks noGrp="1"/>
           </p:cNvSpPr>
@@ -1045,23 +1052,24 @@
         <p:txBody>
           <a:bodyPr lIns="0" rIns="0" tIns="0" bIns="0" anchor="ctr"/>
           <a:p>
-            <a:endParaRPr b="0" lang="en-US" sz="1800" spc="-1" strike="noStrike">
-              <a:solidFill>
-                <a:srgbClr val="000000"/>
-              </a:solidFill>
-              <a:uFill>
-                <a:solidFill>
-                  <a:srgbClr val="ffffff"/>
-                </a:solidFill>
-              </a:uFill>
-              <a:latin typeface="Perpetua"/>
-            </a:endParaRPr>
-          </a:p>
-        </p:txBody>
-      </p:sp>
-      <p:sp>
-        <p:nvSpPr>
-          <p:cNvPr id="63" name="PlaceHolder 2"/>
+            <a:pPr algn="ctr"/>
+            <a:endParaRPr b="0" lang="en-US" sz="4400" spc="-1" strike="noStrike">
+              <a:solidFill>
+                <a:srgbClr val="000000"/>
+              </a:solidFill>
+              <a:uFill>
+                <a:solidFill>
+                  <a:srgbClr val="ffffff"/>
+                </a:solidFill>
+              </a:uFill>
+              <a:latin typeface="Arial"/>
+            </a:endParaRPr>
+          </a:p>
+        </p:txBody>
+      </p:sp>
+      <p:sp>
+        <p:nvSpPr>
+          <p:cNvPr id="57" name="PlaceHolder 2"/>
           <p:cNvSpPr>
             <a:spLocks noGrp="1"/>
           </p:cNvSpPr>
@@ -1081,23 +1089,23 @@
         <p:txBody>
           <a:bodyPr lIns="0" rIns="0" tIns="0" bIns="0"/>
           <a:p>
-            <a:endParaRPr b="0" lang="en-US" sz="2600" spc="-1" strike="noStrike">
-              <a:solidFill>
-                <a:srgbClr val="000000"/>
-              </a:solidFill>
-              <a:uFill>
-                <a:solidFill>
-                  <a:srgbClr val="ffffff"/>
-                </a:solidFill>
-              </a:uFill>
-              <a:latin typeface="Perpetua"/>
-            </a:endParaRPr>
-          </a:p>
-        </p:txBody>
-      </p:sp>
-      <p:sp>
-        <p:nvSpPr>
-          <p:cNvPr id="64" name="PlaceHolder 3"/>
+            <a:endParaRPr b="0" lang="en-US" sz="3200" spc="-1" strike="noStrike">
+              <a:solidFill>
+                <a:srgbClr val="000000"/>
+              </a:solidFill>
+              <a:uFill>
+                <a:solidFill>
+                  <a:srgbClr val="ffffff"/>
+                </a:solidFill>
+              </a:uFill>
+              <a:latin typeface="Arial"/>
+            </a:endParaRPr>
+          </a:p>
+        </p:txBody>
+      </p:sp>
+      <p:sp>
+        <p:nvSpPr>
+          <p:cNvPr id="58" name="PlaceHolder 3"/>
           <p:cNvSpPr>
             <a:spLocks noGrp="1"/>
           </p:cNvSpPr>
@@ -1117,23 +1125,23 @@
         <p:txBody>
           <a:bodyPr lIns="0" rIns="0" tIns="0" bIns="0"/>
           <a:p>
-            <a:endParaRPr b="0" lang="en-US" sz="2600" spc="-1" strike="noStrike">
-              <a:solidFill>
-                <a:srgbClr val="000000"/>
-              </a:solidFill>
-              <a:uFill>
-                <a:solidFill>
-                  <a:srgbClr val="ffffff"/>
-                </a:solidFill>
-              </a:uFill>
-              <a:latin typeface="Perpetua"/>
-            </a:endParaRPr>
-          </a:p>
-        </p:txBody>
-      </p:sp>
-      <p:sp>
-        <p:nvSpPr>
-          <p:cNvPr id="65" name="PlaceHolder 4"/>
+            <a:endParaRPr b="0" lang="en-US" sz="3200" spc="-1" strike="noStrike">
+              <a:solidFill>
+                <a:srgbClr val="000000"/>
+              </a:solidFill>
+              <a:uFill>
+                <a:solidFill>
+                  <a:srgbClr val="ffffff"/>
+                </a:solidFill>
+              </a:uFill>
+              <a:latin typeface="Arial"/>
+            </a:endParaRPr>
+          </a:p>
+        </p:txBody>
+      </p:sp>
+      <p:sp>
+        <p:nvSpPr>
+          <p:cNvPr id="59" name="PlaceHolder 4"/>
           <p:cNvSpPr>
             <a:spLocks noGrp="1"/>
           </p:cNvSpPr>
@@ -1153,16 +1161,16 @@
         <p:txBody>
           <a:bodyPr lIns="0" rIns="0" tIns="0" bIns="0"/>
           <a:p>
-            <a:endParaRPr b="0" lang="en-US" sz="2600" spc="-1" strike="noStrike">
-              <a:solidFill>
-                <a:srgbClr val="000000"/>
-              </a:solidFill>
-              <a:uFill>
-                <a:solidFill>
-                  <a:srgbClr val="ffffff"/>
-                </a:solidFill>
-              </a:uFill>
-              <a:latin typeface="Perpetua"/>
+            <a:endParaRPr b="0" lang="en-US" sz="3200" spc="-1" strike="noStrike">
+              <a:solidFill>
+                <a:srgbClr val="000000"/>
+              </a:solidFill>
+              <a:uFill>
+                <a:solidFill>
+                  <a:srgbClr val="ffffff"/>
+                </a:solidFill>
+              </a:uFill>
+              <a:latin typeface="Arial"/>
             </a:endParaRPr>
           </a:p>
         </p:txBody>
@@ -1191,7 +1199,7 @@
       </p:grpSpPr>
       <p:sp>
         <p:nvSpPr>
-          <p:cNvPr id="12" name="PlaceHolder 1"/>
+          <p:cNvPr id="9" name="PlaceHolder 1"/>
           <p:cNvSpPr>
             <a:spLocks noGrp="1"/>
           </p:cNvSpPr>
@@ -1211,23 +1219,24 @@
         <p:txBody>
           <a:bodyPr lIns="0" rIns="0" tIns="0" bIns="0" anchor="ctr"/>
           <a:p>
-            <a:endParaRPr b="0" lang="en-US" sz="1800" spc="-1" strike="noStrike">
-              <a:solidFill>
-                <a:srgbClr val="000000"/>
-              </a:solidFill>
-              <a:uFill>
-                <a:solidFill>
-                  <a:srgbClr val="ffffff"/>
-                </a:solidFill>
-              </a:uFill>
-              <a:latin typeface="Perpetua"/>
-            </a:endParaRPr>
-          </a:p>
-        </p:txBody>
-      </p:sp>
-      <p:sp>
-        <p:nvSpPr>
-          <p:cNvPr id="13" name="PlaceHolder 2"/>
+            <a:pPr algn="ctr"/>
+            <a:endParaRPr b="0" lang="en-US" sz="4400" spc="-1" strike="noStrike">
+              <a:solidFill>
+                <a:srgbClr val="000000"/>
+              </a:solidFill>
+              <a:uFill>
+                <a:solidFill>
+                  <a:srgbClr val="ffffff"/>
+                </a:solidFill>
+              </a:uFill>
+              <a:latin typeface="Arial"/>
+            </a:endParaRPr>
+          </a:p>
+        </p:txBody>
+      </p:sp>
+      <p:sp>
+        <p:nvSpPr>
+          <p:cNvPr id="10" name="PlaceHolder 2"/>
           <p:cNvSpPr>
             <a:spLocks noGrp="1"/>
           </p:cNvSpPr>
@@ -1286,7 +1295,7 @@
       </p:grpSpPr>
       <p:sp>
         <p:nvSpPr>
-          <p:cNvPr id="66" name="PlaceHolder 1"/>
+          <p:cNvPr id="60" name="PlaceHolder 1"/>
           <p:cNvSpPr>
             <a:spLocks noGrp="1"/>
           </p:cNvSpPr>
@@ -1306,23 +1315,24 @@
         <p:txBody>
           <a:bodyPr lIns="0" rIns="0" tIns="0" bIns="0" anchor="ctr"/>
           <a:p>
-            <a:endParaRPr b="0" lang="en-US" sz="1800" spc="-1" strike="noStrike">
-              <a:solidFill>
-                <a:srgbClr val="000000"/>
-              </a:solidFill>
-              <a:uFill>
-                <a:solidFill>
-                  <a:srgbClr val="ffffff"/>
-                </a:solidFill>
-              </a:uFill>
-              <a:latin typeface="Perpetua"/>
-            </a:endParaRPr>
-          </a:p>
-        </p:txBody>
-      </p:sp>
-      <p:sp>
-        <p:nvSpPr>
-          <p:cNvPr id="67" name="PlaceHolder 2"/>
+            <a:pPr algn="ctr"/>
+            <a:endParaRPr b="0" lang="en-US" sz="4400" spc="-1" strike="noStrike">
+              <a:solidFill>
+                <a:srgbClr val="000000"/>
+              </a:solidFill>
+              <a:uFill>
+                <a:solidFill>
+                  <a:srgbClr val="ffffff"/>
+                </a:solidFill>
+              </a:uFill>
+              <a:latin typeface="Arial"/>
+            </a:endParaRPr>
+          </a:p>
+        </p:txBody>
+      </p:sp>
+      <p:sp>
+        <p:nvSpPr>
+          <p:cNvPr id="61" name="PlaceHolder 2"/>
           <p:cNvSpPr>
             <a:spLocks noGrp="1"/>
           </p:cNvSpPr>
@@ -1342,23 +1352,23 @@
         <p:txBody>
           <a:bodyPr lIns="0" rIns="0" tIns="0" bIns="0"/>
           <a:p>
-            <a:endParaRPr b="0" lang="en-US" sz="2600" spc="-1" strike="noStrike">
-              <a:solidFill>
-                <a:srgbClr val="000000"/>
-              </a:solidFill>
-              <a:uFill>
-                <a:solidFill>
-                  <a:srgbClr val="ffffff"/>
-                </a:solidFill>
-              </a:uFill>
-              <a:latin typeface="Perpetua"/>
-            </a:endParaRPr>
-          </a:p>
-        </p:txBody>
-      </p:sp>
-      <p:sp>
-        <p:nvSpPr>
-          <p:cNvPr id="68" name="PlaceHolder 3"/>
+            <a:endParaRPr b="0" lang="en-US" sz="3200" spc="-1" strike="noStrike">
+              <a:solidFill>
+                <a:srgbClr val="000000"/>
+              </a:solidFill>
+              <a:uFill>
+                <a:solidFill>
+                  <a:srgbClr val="ffffff"/>
+                </a:solidFill>
+              </a:uFill>
+              <a:latin typeface="Arial"/>
+            </a:endParaRPr>
+          </a:p>
+        </p:txBody>
+      </p:sp>
+      <p:sp>
+        <p:nvSpPr>
+          <p:cNvPr id="62" name="PlaceHolder 3"/>
           <p:cNvSpPr>
             <a:spLocks noGrp="1"/>
           </p:cNvSpPr>
@@ -1378,23 +1388,23 @@
         <p:txBody>
           <a:bodyPr lIns="0" rIns="0" tIns="0" bIns="0"/>
           <a:p>
-            <a:endParaRPr b="0" lang="en-US" sz="2600" spc="-1" strike="noStrike">
-              <a:solidFill>
-                <a:srgbClr val="000000"/>
-              </a:solidFill>
-              <a:uFill>
-                <a:solidFill>
-                  <a:srgbClr val="ffffff"/>
-                </a:solidFill>
-              </a:uFill>
-              <a:latin typeface="Perpetua"/>
-            </a:endParaRPr>
-          </a:p>
-        </p:txBody>
-      </p:sp>
-      <p:sp>
-        <p:nvSpPr>
-          <p:cNvPr id="69" name="PlaceHolder 4"/>
+            <a:endParaRPr b="0" lang="en-US" sz="3200" spc="-1" strike="noStrike">
+              <a:solidFill>
+                <a:srgbClr val="000000"/>
+              </a:solidFill>
+              <a:uFill>
+                <a:solidFill>
+                  <a:srgbClr val="ffffff"/>
+                </a:solidFill>
+              </a:uFill>
+              <a:latin typeface="Arial"/>
+            </a:endParaRPr>
+          </a:p>
+        </p:txBody>
+      </p:sp>
+      <p:sp>
+        <p:nvSpPr>
+          <p:cNvPr id="63" name="PlaceHolder 4"/>
           <p:cNvSpPr>
             <a:spLocks noGrp="1"/>
           </p:cNvSpPr>
@@ -1414,16 +1424,16 @@
         <p:txBody>
           <a:bodyPr lIns="0" rIns="0" tIns="0" bIns="0"/>
           <a:p>
-            <a:endParaRPr b="0" lang="en-US" sz="2600" spc="-1" strike="noStrike">
-              <a:solidFill>
-                <a:srgbClr val="000000"/>
-              </a:solidFill>
-              <a:uFill>
-                <a:solidFill>
-                  <a:srgbClr val="ffffff"/>
-                </a:solidFill>
-              </a:uFill>
-              <a:latin typeface="Perpetua"/>
+            <a:endParaRPr b="0" lang="en-US" sz="3200" spc="-1" strike="noStrike">
+              <a:solidFill>
+                <a:srgbClr val="000000"/>
+              </a:solidFill>
+              <a:uFill>
+                <a:solidFill>
+                  <a:srgbClr val="ffffff"/>
+                </a:solidFill>
+              </a:uFill>
+              <a:latin typeface="Arial"/>
             </a:endParaRPr>
           </a:p>
         </p:txBody>
@@ -1452,7 +1462,7 @@
       </p:grpSpPr>
       <p:sp>
         <p:nvSpPr>
-          <p:cNvPr id="70" name="PlaceHolder 1"/>
+          <p:cNvPr id="64" name="PlaceHolder 1"/>
           <p:cNvSpPr>
             <a:spLocks noGrp="1"/>
           </p:cNvSpPr>
@@ -1472,23 +1482,24 @@
         <p:txBody>
           <a:bodyPr lIns="0" rIns="0" tIns="0" bIns="0" anchor="ctr"/>
           <a:p>
-            <a:endParaRPr b="0" lang="en-US" sz="1800" spc="-1" strike="noStrike">
-              <a:solidFill>
-                <a:srgbClr val="000000"/>
-              </a:solidFill>
-              <a:uFill>
-                <a:solidFill>
-                  <a:srgbClr val="ffffff"/>
-                </a:solidFill>
-              </a:uFill>
-              <a:latin typeface="Perpetua"/>
-            </a:endParaRPr>
-          </a:p>
-        </p:txBody>
-      </p:sp>
-      <p:sp>
-        <p:nvSpPr>
-          <p:cNvPr id="71" name="PlaceHolder 2"/>
+            <a:pPr algn="ctr"/>
+            <a:endParaRPr b="0" lang="en-US" sz="4400" spc="-1" strike="noStrike">
+              <a:solidFill>
+                <a:srgbClr val="000000"/>
+              </a:solidFill>
+              <a:uFill>
+                <a:solidFill>
+                  <a:srgbClr val="ffffff"/>
+                </a:solidFill>
+              </a:uFill>
+              <a:latin typeface="Arial"/>
+            </a:endParaRPr>
+          </a:p>
+        </p:txBody>
+      </p:sp>
+      <p:sp>
+        <p:nvSpPr>
+          <p:cNvPr id="65" name="PlaceHolder 2"/>
           <p:cNvSpPr>
             <a:spLocks noGrp="1"/>
           </p:cNvSpPr>
@@ -1508,23 +1519,23 @@
         <p:txBody>
           <a:bodyPr lIns="0" rIns="0" tIns="0" bIns="0"/>
           <a:p>
-            <a:endParaRPr b="0" lang="en-US" sz="2600" spc="-1" strike="noStrike">
-              <a:solidFill>
-                <a:srgbClr val="000000"/>
-              </a:solidFill>
-              <a:uFill>
-                <a:solidFill>
-                  <a:srgbClr val="ffffff"/>
-                </a:solidFill>
-              </a:uFill>
-              <a:latin typeface="Perpetua"/>
-            </a:endParaRPr>
-          </a:p>
-        </p:txBody>
-      </p:sp>
-      <p:sp>
-        <p:nvSpPr>
-          <p:cNvPr id="72" name="PlaceHolder 3"/>
+            <a:endParaRPr b="0" lang="en-US" sz="3200" spc="-1" strike="noStrike">
+              <a:solidFill>
+                <a:srgbClr val="000000"/>
+              </a:solidFill>
+              <a:uFill>
+                <a:solidFill>
+                  <a:srgbClr val="ffffff"/>
+                </a:solidFill>
+              </a:uFill>
+              <a:latin typeface="Arial"/>
+            </a:endParaRPr>
+          </a:p>
+        </p:txBody>
+      </p:sp>
+      <p:sp>
+        <p:nvSpPr>
+          <p:cNvPr id="66" name="PlaceHolder 3"/>
           <p:cNvSpPr>
             <a:spLocks noGrp="1"/>
           </p:cNvSpPr>
@@ -1544,23 +1555,23 @@
         <p:txBody>
           <a:bodyPr lIns="0" rIns="0" tIns="0" bIns="0"/>
           <a:p>
-            <a:endParaRPr b="0" lang="en-US" sz="2600" spc="-1" strike="noStrike">
-              <a:solidFill>
-                <a:srgbClr val="000000"/>
-              </a:solidFill>
-              <a:uFill>
-                <a:solidFill>
-                  <a:srgbClr val="ffffff"/>
-                </a:solidFill>
-              </a:uFill>
-              <a:latin typeface="Perpetua"/>
-            </a:endParaRPr>
-          </a:p>
-        </p:txBody>
-      </p:sp>
-      <p:sp>
-        <p:nvSpPr>
-          <p:cNvPr id="73" name="PlaceHolder 4"/>
+            <a:endParaRPr b="0" lang="en-US" sz="3200" spc="-1" strike="noStrike">
+              <a:solidFill>
+                <a:srgbClr val="000000"/>
+              </a:solidFill>
+              <a:uFill>
+                <a:solidFill>
+                  <a:srgbClr val="ffffff"/>
+                </a:solidFill>
+              </a:uFill>
+              <a:latin typeface="Arial"/>
+            </a:endParaRPr>
+          </a:p>
+        </p:txBody>
+      </p:sp>
+      <p:sp>
+        <p:nvSpPr>
+          <p:cNvPr id="67" name="PlaceHolder 4"/>
           <p:cNvSpPr>
             <a:spLocks noGrp="1"/>
           </p:cNvSpPr>
@@ -1580,16 +1591,16 @@
         <p:txBody>
           <a:bodyPr lIns="0" rIns="0" tIns="0" bIns="0"/>
           <a:p>
-            <a:endParaRPr b="0" lang="en-US" sz="2600" spc="-1" strike="noStrike">
-              <a:solidFill>
-                <a:srgbClr val="000000"/>
-              </a:solidFill>
-              <a:uFill>
-                <a:solidFill>
-                  <a:srgbClr val="ffffff"/>
-                </a:solidFill>
-              </a:uFill>
-              <a:latin typeface="Perpetua"/>
+            <a:endParaRPr b="0" lang="en-US" sz="3200" spc="-1" strike="noStrike">
+              <a:solidFill>
+                <a:srgbClr val="000000"/>
+              </a:solidFill>
+              <a:uFill>
+                <a:solidFill>
+                  <a:srgbClr val="ffffff"/>
+                </a:solidFill>
+              </a:uFill>
+              <a:latin typeface="Arial"/>
             </a:endParaRPr>
           </a:p>
         </p:txBody>
@@ -1618,7 +1629,7 @@
       </p:grpSpPr>
       <p:sp>
         <p:nvSpPr>
-          <p:cNvPr id="74" name="PlaceHolder 1"/>
+          <p:cNvPr id="68" name="PlaceHolder 1"/>
           <p:cNvSpPr>
             <a:spLocks noGrp="1"/>
           </p:cNvSpPr>
@@ -1638,23 +1649,24 @@
         <p:txBody>
           <a:bodyPr lIns="0" rIns="0" tIns="0" bIns="0" anchor="ctr"/>
           <a:p>
-            <a:endParaRPr b="0" lang="en-US" sz="1800" spc="-1" strike="noStrike">
-              <a:solidFill>
-                <a:srgbClr val="000000"/>
-              </a:solidFill>
-              <a:uFill>
-                <a:solidFill>
-                  <a:srgbClr val="ffffff"/>
-                </a:solidFill>
-              </a:uFill>
-              <a:latin typeface="Perpetua"/>
-            </a:endParaRPr>
-          </a:p>
-        </p:txBody>
-      </p:sp>
-      <p:sp>
-        <p:nvSpPr>
-          <p:cNvPr id="75" name="PlaceHolder 2"/>
+            <a:pPr algn="ctr"/>
+            <a:endParaRPr b="0" lang="en-US" sz="4400" spc="-1" strike="noStrike">
+              <a:solidFill>
+                <a:srgbClr val="000000"/>
+              </a:solidFill>
+              <a:uFill>
+                <a:solidFill>
+                  <a:srgbClr val="ffffff"/>
+                </a:solidFill>
+              </a:uFill>
+              <a:latin typeface="Arial"/>
+            </a:endParaRPr>
+          </a:p>
+        </p:txBody>
+      </p:sp>
+      <p:sp>
+        <p:nvSpPr>
+          <p:cNvPr id="69" name="PlaceHolder 2"/>
           <p:cNvSpPr>
             <a:spLocks noGrp="1"/>
           </p:cNvSpPr>
@@ -1674,23 +1686,23 @@
         <p:txBody>
           <a:bodyPr lIns="0" rIns="0" tIns="0" bIns="0"/>
           <a:p>
-            <a:endParaRPr b="0" lang="en-US" sz="2600" spc="-1" strike="noStrike">
-              <a:solidFill>
-                <a:srgbClr val="000000"/>
-              </a:solidFill>
-              <a:uFill>
-                <a:solidFill>
-                  <a:srgbClr val="ffffff"/>
-                </a:solidFill>
-              </a:uFill>
-              <a:latin typeface="Perpetua"/>
-            </a:endParaRPr>
-          </a:p>
-        </p:txBody>
-      </p:sp>
-      <p:sp>
-        <p:nvSpPr>
-          <p:cNvPr id="76" name="PlaceHolder 3"/>
+            <a:endParaRPr b="0" lang="en-US" sz="3200" spc="-1" strike="noStrike">
+              <a:solidFill>
+                <a:srgbClr val="000000"/>
+              </a:solidFill>
+              <a:uFill>
+                <a:solidFill>
+                  <a:srgbClr val="ffffff"/>
+                </a:solidFill>
+              </a:uFill>
+              <a:latin typeface="Arial"/>
+            </a:endParaRPr>
+          </a:p>
+        </p:txBody>
+      </p:sp>
+      <p:sp>
+        <p:nvSpPr>
+          <p:cNvPr id="70" name="PlaceHolder 3"/>
           <p:cNvSpPr>
             <a:spLocks noGrp="1"/>
           </p:cNvSpPr>
@@ -1710,16 +1722,16 @@
         <p:txBody>
           <a:bodyPr lIns="0" rIns="0" tIns="0" bIns="0"/>
           <a:p>
-            <a:endParaRPr b="0" lang="en-US" sz="2600" spc="-1" strike="noStrike">
-              <a:solidFill>
-                <a:srgbClr val="000000"/>
-              </a:solidFill>
-              <a:uFill>
-                <a:solidFill>
-                  <a:srgbClr val="ffffff"/>
-                </a:solidFill>
-              </a:uFill>
-              <a:latin typeface="Perpetua"/>
+            <a:endParaRPr b="0" lang="en-US" sz="3200" spc="-1" strike="noStrike">
+              <a:solidFill>
+                <a:srgbClr val="000000"/>
+              </a:solidFill>
+              <a:uFill>
+                <a:solidFill>
+                  <a:srgbClr val="ffffff"/>
+                </a:solidFill>
+              </a:uFill>
+              <a:latin typeface="Arial"/>
             </a:endParaRPr>
           </a:p>
         </p:txBody>
@@ -1748,7 +1760,7 @@
       </p:grpSpPr>
       <p:sp>
         <p:nvSpPr>
-          <p:cNvPr id="77" name="PlaceHolder 1"/>
+          <p:cNvPr id="71" name="PlaceHolder 1"/>
           <p:cNvSpPr>
             <a:spLocks noGrp="1"/>
           </p:cNvSpPr>
@@ -1768,23 +1780,24 @@
         <p:txBody>
           <a:bodyPr lIns="0" rIns="0" tIns="0" bIns="0" anchor="ctr"/>
           <a:p>
-            <a:endParaRPr b="0" lang="en-US" sz="1800" spc="-1" strike="noStrike">
-              <a:solidFill>
-                <a:srgbClr val="000000"/>
-              </a:solidFill>
-              <a:uFill>
-                <a:solidFill>
-                  <a:srgbClr val="ffffff"/>
-                </a:solidFill>
-              </a:uFill>
-              <a:latin typeface="Perpetua"/>
-            </a:endParaRPr>
-          </a:p>
-        </p:txBody>
-      </p:sp>
-      <p:sp>
-        <p:nvSpPr>
-          <p:cNvPr id="78" name="PlaceHolder 2"/>
+            <a:pPr algn="ctr"/>
+            <a:endParaRPr b="0" lang="en-US" sz="4400" spc="-1" strike="noStrike">
+              <a:solidFill>
+                <a:srgbClr val="000000"/>
+              </a:solidFill>
+              <a:uFill>
+                <a:solidFill>
+                  <a:srgbClr val="ffffff"/>
+                </a:solidFill>
+              </a:uFill>
+              <a:latin typeface="Arial"/>
+            </a:endParaRPr>
+          </a:p>
+        </p:txBody>
+      </p:sp>
+      <p:sp>
+        <p:nvSpPr>
+          <p:cNvPr id="72" name="PlaceHolder 2"/>
           <p:cNvSpPr>
             <a:spLocks noGrp="1"/>
           </p:cNvSpPr>
@@ -1804,23 +1817,23 @@
         <p:txBody>
           <a:bodyPr lIns="0" rIns="0" tIns="0" bIns="0"/>
           <a:p>
-            <a:endParaRPr b="0" lang="en-US" sz="2600" spc="-1" strike="noStrike">
-              <a:solidFill>
-                <a:srgbClr val="000000"/>
-              </a:solidFill>
-              <a:uFill>
-                <a:solidFill>
-                  <a:srgbClr val="ffffff"/>
-                </a:solidFill>
-              </a:uFill>
-              <a:latin typeface="Perpetua"/>
-            </a:endParaRPr>
-          </a:p>
-        </p:txBody>
-      </p:sp>
-      <p:sp>
-        <p:nvSpPr>
-          <p:cNvPr id="79" name="PlaceHolder 3"/>
+            <a:endParaRPr b="0" lang="en-US" sz="3200" spc="-1" strike="noStrike">
+              <a:solidFill>
+                <a:srgbClr val="000000"/>
+              </a:solidFill>
+              <a:uFill>
+                <a:solidFill>
+                  <a:srgbClr val="ffffff"/>
+                </a:solidFill>
+              </a:uFill>
+              <a:latin typeface="Arial"/>
+            </a:endParaRPr>
+          </a:p>
+        </p:txBody>
+      </p:sp>
+      <p:sp>
+        <p:nvSpPr>
+          <p:cNvPr id="73" name="PlaceHolder 3"/>
           <p:cNvSpPr>
             <a:spLocks noGrp="1"/>
           </p:cNvSpPr>
@@ -1840,23 +1853,23 @@
         <p:txBody>
           <a:bodyPr lIns="0" rIns="0" tIns="0" bIns="0"/>
           <a:p>
-            <a:endParaRPr b="0" lang="en-US" sz="2600" spc="-1" strike="noStrike">
-              <a:solidFill>
-                <a:srgbClr val="000000"/>
-              </a:solidFill>
-              <a:uFill>
-                <a:solidFill>
-                  <a:srgbClr val="ffffff"/>
-                </a:solidFill>
-              </a:uFill>
-              <a:latin typeface="Perpetua"/>
-            </a:endParaRPr>
-          </a:p>
-        </p:txBody>
-      </p:sp>
-      <p:sp>
-        <p:nvSpPr>
-          <p:cNvPr id="80" name="PlaceHolder 4"/>
+            <a:endParaRPr b="0" lang="en-US" sz="3200" spc="-1" strike="noStrike">
+              <a:solidFill>
+                <a:srgbClr val="000000"/>
+              </a:solidFill>
+              <a:uFill>
+                <a:solidFill>
+                  <a:srgbClr val="ffffff"/>
+                </a:solidFill>
+              </a:uFill>
+              <a:latin typeface="Arial"/>
+            </a:endParaRPr>
+          </a:p>
+        </p:txBody>
+      </p:sp>
+      <p:sp>
+        <p:nvSpPr>
+          <p:cNvPr id="74" name="PlaceHolder 4"/>
           <p:cNvSpPr>
             <a:spLocks noGrp="1"/>
           </p:cNvSpPr>
@@ -1876,23 +1889,23 @@
         <p:txBody>
           <a:bodyPr lIns="0" rIns="0" tIns="0" bIns="0"/>
           <a:p>
-            <a:endParaRPr b="0" lang="en-US" sz="2600" spc="-1" strike="noStrike">
-              <a:solidFill>
-                <a:srgbClr val="000000"/>
-              </a:solidFill>
-              <a:uFill>
-                <a:solidFill>
-                  <a:srgbClr val="ffffff"/>
-                </a:solidFill>
-              </a:uFill>
-              <a:latin typeface="Perpetua"/>
-            </a:endParaRPr>
-          </a:p>
-        </p:txBody>
-      </p:sp>
-      <p:sp>
-        <p:nvSpPr>
-          <p:cNvPr id="81" name="PlaceHolder 5"/>
+            <a:endParaRPr b="0" lang="en-US" sz="3200" spc="-1" strike="noStrike">
+              <a:solidFill>
+                <a:srgbClr val="000000"/>
+              </a:solidFill>
+              <a:uFill>
+                <a:solidFill>
+                  <a:srgbClr val="ffffff"/>
+                </a:solidFill>
+              </a:uFill>
+              <a:latin typeface="Arial"/>
+            </a:endParaRPr>
+          </a:p>
+        </p:txBody>
+      </p:sp>
+      <p:sp>
+        <p:nvSpPr>
+          <p:cNvPr id="75" name="PlaceHolder 5"/>
           <p:cNvSpPr>
             <a:spLocks noGrp="1"/>
           </p:cNvSpPr>
@@ -1912,16 +1925,16 @@
         <p:txBody>
           <a:bodyPr lIns="0" rIns="0" tIns="0" bIns="0"/>
           <a:p>
-            <a:endParaRPr b="0" lang="en-US" sz="2600" spc="-1" strike="noStrike">
-              <a:solidFill>
-                <a:srgbClr val="000000"/>
-              </a:solidFill>
-              <a:uFill>
-                <a:solidFill>
-                  <a:srgbClr val="ffffff"/>
-                </a:solidFill>
-              </a:uFill>
-              <a:latin typeface="Perpetua"/>
+            <a:endParaRPr b="0" lang="en-US" sz="3200" spc="-1" strike="noStrike">
+              <a:solidFill>
+                <a:srgbClr val="000000"/>
+              </a:solidFill>
+              <a:uFill>
+                <a:solidFill>
+                  <a:srgbClr val="ffffff"/>
+                </a:solidFill>
+              </a:uFill>
+              <a:latin typeface="Arial"/>
             </a:endParaRPr>
           </a:p>
         </p:txBody>
@@ -1950,7 +1963,7 @@
       </p:grpSpPr>
       <p:sp>
         <p:nvSpPr>
-          <p:cNvPr id="82" name="PlaceHolder 1"/>
+          <p:cNvPr id="76" name="PlaceHolder 1"/>
           <p:cNvSpPr>
             <a:spLocks noGrp="1"/>
           </p:cNvSpPr>
@@ -1970,23 +1983,24 @@
         <p:txBody>
           <a:bodyPr lIns="0" rIns="0" tIns="0" bIns="0" anchor="ctr"/>
           <a:p>
-            <a:endParaRPr b="0" lang="en-US" sz="1800" spc="-1" strike="noStrike">
-              <a:solidFill>
-                <a:srgbClr val="000000"/>
-              </a:solidFill>
-              <a:uFill>
-                <a:solidFill>
-                  <a:srgbClr val="ffffff"/>
-                </a:solidFill>
-              </a:uFill>
-              <a:latin typeface="Perpetua"/>
-            </a:endParaRPr>
-          </a:p>
-        </p:txBody>
-      </p:sp>
-      <p:sp>
-        <p:nvSpPr>
-          <p:cNvPr id="83" name="PlaceHolder 2"/>
+            <a:pPr algn="ctr"/>
+            <a:endParaRPr b="0" lang="en-US" sz="4400" spc="-1" strike="noStrike">
+              <a:solidFill>
+                <a:srgbClr val="000000"/>
+              </a:solidFill>
+              <a:uFill>
+                <a:solidFill>
+                  <a:srgbClr val="ffffff"/>
+                </a:solidFill>
+              </a:uFill>
+              <a:latin typeface="Arial"/>
+            </a:endParaRPr>
+          </a:p>
+        </p:txBody>
+      </p:sp>
+      <p:sp>
+        <p:nvSpPr>
+          <p:cNvPr id="77" name="PlaceHolder 2"/>
           <p:cNvSpPr>
             <a:spLocks noGrp="1"/>
           </p:cNvSpPr>
@@ -2006,23 +2020,23 @@
         <p:txBody>
           <a:bodyPr lIns="0" rIns="0" tIns="0" bIns="0"/>
           <a:p>
-            <a:endParaRPr b="0" lang="en-US" sz="2600" spc="-1" strike="noStrike">
-              <a:solidFill>
-                <a:srgbClr val="000000"/>
-              </a:solidFill>
-              <a:uFill>
-                <a:solidFill>
-                  <a:srgbClr val="ffffff"/>
-                </a:solidFill>
-              </a:uFill>
-              <a:latin typeface="Perpetua"/>
-            </a:endParaRPr>
-          </a:p>
-        </p:txBody>
-      </p:sp>
-      <p:sp>
-        <p:nvSpPr>
-          <p:cNvPr id="84" name="PlaceHolder 3"/>
+            <a:endParaRPr b="0" lang="en-US" sz="3200" spc="-1" strike="noStrike">
+              <a:solidFill>
+                <a:srgbClr val="000000"/>
+              </a:solidFill>
+              <a:uFill>
+                <a:solidFill>
+                  <a:srgbClr val="ffffff"/>
+                </a:solidFill>
+              </a:uFill>
+              <a:latin typeface="Arial"/>
+            </a:endParaRPr>
+          </a:p>
+        </p:txBody>
+      </p:sp>
+      <p:sp>
+        <p:nvSpPr>
+          <p:cNvPr id="78" name="PlaceHolder 3"/>
           <p:cNvSpPr>
             <a:spLocks noGrp="1"/>
           </p:cNvSpPr>
@@ -2042,23 +2056,23 @@
         <p:txBody>
           <a:bodyPr lIns="0" rIns="0" tIns="0" bIns="0"/>
           <a:p>
-            <a:endParaRPr b="0" lang="en-US" sz="2600" spc="-1" strike="noStrike">
-              <a:solidFill>
-                <a:srgbClr val="000000"/>
-              </a:solidFill>
-              <a:uFill>
-                <a:solidFill>
-                  <a:srgbClr val="ffffff"/>
-                </a:solidFill>
-              </a:uFill>
-              <a:latin typeface="Perpetua"/>
+            <a:endParaRPr b="0" lang="en-US" sz="3200" spc="-1" strike="noStrike">
+              <a:solidFill>
+                <a:srgbClr val="000000"/>
+              </a:solidFill>
+              <a:uFill>
+                <a:solidFill>
+                  <a:srgbClr val="ffffff"/>
+                </a:solidFill>
+              </a:uFill>
+              <a:latin typeface="Arial"/>
             </a:endParaRPr>
           </a:p>
         </p:txBody>
       </p:sp>
       <p:pic>
         <p:nvPicPr>
-          <p:cNvPr id="85" name="" descr=""/>
+          <p:cNvPr id="79" name="" descr=""/>
           <p:cNvPicPr/>
           <p:nvPr/>
         </p:nvPicPr>
@@ -2081,7 +2095,7 @@
       </p:pic>
       <p:pic>
         <p:nvPicPr>
-          <p:cNvPr id="86" name="" descr=""/>
+          <p:cNvPr id="80" name="" descr=""/>
           <p:cNvPicPr/>
           <p:nvPr/>
         </p:nvPicPr>
@@ -2148,7 +2162,7 @@
       </p:grpSpPr>
       <p:sp>
         <p:nvSpPr>
-          <p:cNvPr id="94" name="PlaceHolder 1"/>
+          <p:cNvPr id="85" name="PlaceHolder 1"/>
           <p:cNvSpPr>
             <a:spLocks noGrp="1"/>
           </p:cNvSpPr>
@@ -2168,23 +2182,24 @@
         <p:txBody>
           <a:bodyPr lIns="0" rIns="0" tIns="0" bIns="0" anchor="ctr"/>
           <a:p>
-            <a:endParaRPr b="0" lang="en-US" sz="1800" spc="-1" strike="noStrike">
-              <a:solidFill>
-                <a:srgbClr val="000000"/>
-              </a:solidFill>
-              <a:uFill>
-                <a:solidFill>
-                  <a:srgbClr val="ffffff"/>
-                </a:solidFill>
-              </a:uFill>
-              <a:latin typeface="Perpetua"/>
-            </a:endParaRPr>
-          </a:p>
-        </p:txBody>
-      </p:sp>
-      <p:sp>
-        <p:nvSpPr>
-          <p:cNvPr id="95" name="PlaceHolder 2"/>
+            <a:pPr algn="ctr"/>
+            <a:endParaRPr b="0" lang="en-US" sz="4400" spc="-1" strike="noStrike">
+              <a:solidFill>
+                <a:srgbClr val="000000"/>
+              </a:solidFill>
+              <a:uFill>
+                <a:solidFill>
+                  <a:srgbClr val="ffffff"/>
+                </a:solidFill>
+              </a:uFill>
+              <a:latin typeface="Arial"/>
+            </a:endParaRPr>
+          </a:p>
+        </p:txBody>
+      </p:sp>
+      <p:sp>
+        <p:nvSpPr>
+          <p:cNvPr id="86" name="PlaceHolder 2"/>
           <p:cNvSpPr>
             <a:spLocks noGrp="1"/>
           </p:cNvSpPr>
@@ -2243,7 +2258,7 @@
       </p:grpSpPr>
       <p:sp>
         <p:nvSpPr>
-          <p:cNvPr id="96" name="PlaceHolder 1"/>
+          <p:cNvPr id="87" name="PlaceHolder 1"/>
           <p:cNvSpPr>
             <a:spLocks noGrp="1"/>
           </p:cNvSpPr>
@@ -2263,23 +2278,24 @@
         <p:txBody>
           <a:bodyPr lIns="0" rIns="0" tIns="0" bIns="0" anchor="ctr"/>
           <a:p>
-            <a:endParaRPr b="0" lang="en-US" sz="1800" spc="-1" strike="noStrike">
-              <a:solidFill>
-                <a:srgbClr val="000000"/>
-              </a:solidFill>
-              <a:uFill>
-                <a:solidFill>
-                  <a:srgbClr val="ffffff"/>
-                </a:solidFill>
-              </a:uFill>
-              <a:latin typeface="Perpetua"/>
-            </a:endParaRPr>
-          </a:p>
-        </p:txBody>
-      </p:sp>
-      <p:sp>
-        <p:nvSpPr>
-          <p:cNvPr id="97" name="PlaceHolder 2"/>
+            <a:pPr algn="ctr"/>
+            <a:endParaRPr b="0" lang="en-US" sz="4400" spc="-1" strike="noStrike">
+              <a:solidFill>
+                <a:srgbClr val="000000"/>
+              </a:solidFill>
+              <a:uFill>
+                <a:solidFill>
+                  <a:srgbClr val="ffffff"/>
+                </a:solidFill>
+              </a:uFill>
+              <a:latin typeface="Arial"/>
+            </a:endParaRPr>
+          </a:p>
+        </p:txBody>
+      </p:sp>
+      <p:sp>
+        <p:nvSpPr>
+          <p:cNvPr id="88" name="PlaceHolder 2"/>
           <p:cNvSpPr>
             <a:spLocks noGrp="1"/>
           </p:cNvSpPr>
@@ -2299,16 +2315,16 @@
         <p:txBody>
           <a:bodyPr lIns="0" rIns="0" tIns="0" bIns="0"/>
           <a:p>
-            <a:endParaRPr b="0" lang="en-US" sz="2600" spc="-1" strike="noStrike">
-              <a:solidFill>
-                <a:srgbClr val="000000"/>
-              </a:solidFill>
-              <a:uFill>
-                <a:solidFill>
-                  <a:srgbClr val="ffffff"/>
-                </a:solidFill>
-              </a:uFill>
-              <a:latin typeface="Perpetua"/>
+            <a:endParaRPr b="0" lang="en-US" sz="3200" spc="-1" strike="noStrike">
+              <a:solidFill>
+                <a:srgbClr val="000000"/>
+              </a:solidFill>
+              <a:uFill>
+                <a:solidFill>
+                  <a:srgbClr val="ffffff"/>
+                </a:solidFill>
+              </a:uFill>
+              <a:latin typeface="Arial"/>
             </a:endParaRPr>
           </a:p>
         </p:txBody>
@@ -2337,7 +2353,7 @@
       </p:grpSpPr>
       <p:sp>
         <p:nvSpPr>
-          <p:cNvPr id="98" name="PlaceHolder 1"/>
+          <p:cNvPr id="89" name="PlaceHolder 1"/>
           <p:cNvSpPr>
             <a:spLocks noGrp="1"/>
           </p:cNvSpPr>
@@ -2357,23 +2373,24 @@
         <p:txBody>
           <a:bodyPr lIns="0" rIns="0" tIns="0" bIns="0" anchor="ctr"/>
           <a:p>
-            <a:endParaRPr b="0" lang="en-US" sz="1800" spc="-1" strike="noStrike">
-              <a:solidFill>
-                <a:srgbClr val="000000"/>
-              </a:solidFill>
-              <a:uFill>
-                <a:solidFill>
-                  <a:srgbClr val="ffffff"/>
-                </a:solidFill>
-              </a:uFill>
-              <a:latin typeface="Perpetua"/>
-            </a:endParaRPr>
-          </a:p>
-        </p:txBody>
-      </p:sp>
-      <p:sp>
-        <p:nvSpPr>
-          <p:cNvPr id="99" name="PlaceHolder 2"/>
+            <a:pPr algn="ctr"/>
+            <a:endParaRPr b="0" lang="en-US" sz="4400" spc="-1" strike="noStrike">
+              <a:solidFill>
+                <a:srgbClr val="000000"/>
+              </a:solidFill>
+              <a:uFill>
+                <a:solidFill>
+                  <a:srgbClr val="ffffff"/>
+                </a:solidFill>
+              </a:uFill>
+              <a:latin typeface="Arial"/>
+            </a:endParaRPr>
+          </a:p>
+        </p:txBody>
+      </p:sp>
+      <p:sp>
+        <p:nvSpPr>
+          <p:cNvPr id="90" name="PlaceHolder 2"/>
           <p:cNvSpPr>
             <a:spLocks noGrp="1"/>
           </p:cNvSpPr>
@@ -2393,23 +2410,23 @@
         <p:txBody>
           <a:bodyPr lIns="0" rIns="0" tIns="0" bIns="0"/>
           <a:p>
-            <a:endParaRPr b="0" lang="en-US" sz="2600" spc="-1" strike="noStrike">
-              <a:solidFill>
-                <a:srgbClr val="000000"/>
-              </a:solidFill>
-              <a:uFill>
-                <a:solidFill>
-                  <a:srgbClr val="ffffff"/>
-                </a:solidFill>
-              </a:uFill>
-              <a:latin typeface="Perpetua"/>
-            </a:endParaRPr>
-          </a:p>
-        </p:txBody>
-      </p:sp>
-      <p:sp>
-        <p:nvSpPr>
-          <p:cNvPr id="100" name="PlaceHolder 3"/>
+            <a:endParaRPr b="0" lang="en-US" sz="3200" spc="-1" strike="noStrike">
+              <a:solidFill>
+                <a:srgbClr val="000000"/>
+              </a:solidFill>
+              <a:uFill>
+                <a:solidFill>
+                  <a:srgbClr val="ffffff"/>
+                </a:solidFill>
+              </a:uFill>
+              <a:latin typeface="Arial"/>
+            </a:endParaRPr>
+          </a:p>
+        </p:txBody>
+      </p:sp>
+      <p:sp>
+        <p:nvSpPr>
+          <p:cNvPr id="91" name="PlaceHolder 3"/>
           <p:cNvSpPr>
             <a:spLocks noGrp="1"/>
           </p:cNvSpPr>
@@ -2429,16 +2446,16 @@
         <p:txBody>
           <a:bodyPr lIns="0" rIns="0" tIns="0" bIns="0"/>
           <a:p>
-            <a:endParaRPr b="0" lang="en-US" sz="2600" spc="-1" strike="noStrike">
-              <a:solidFill>
-                <a:srgbClr val="000000"/>
-              </a:solidFill>
-              <a:uFill>
-                <a:solidFill>
-                  <a:srgbClr val="ffffff"/>
-                </a:solidFill>
-              </a:uFill>
-              <a:latin typeface="Perpetua"/>
+            <a:endParaRPr b="0" lang="en-US" sz="3200" spc="-1" strike="noStrike">
+              <a:solidFill>
+                <a:srgbClr val="000000"/>
+              </a:solidFill>
+              <a:uFill>
+                <a:solidFill>
+                  <a:srgbClr val="ffffff"/>
+                </a:solidFill>
+              </a:uFill>
+              <a:latin typeface="Arial"/>
             </a:endParaRPr>
           </a:p>
         </p:txBody>
@@ -2467,7 +2484,7 @@
       </p:grpSpPr>
       <p:sp>
         <p:nvSpPr>
-          <p:cNvPr id="101" name="PlaceHolder 1"/>
+          <p:cNvPr id="92" name="PlaceHolder 1"/>
           <p:cNvSpPr>
             <a:spLocks noGrp="1"/>
           </p:cNvSpPr>
@@ -2487,16 +2504,17 @@
         <p:txBody>
           <a:bodyPr lIns="0" rIns="0" tIns="0" bIns="0" anchor="ctr"/>
           <a:p>
-            <a:endParaRPr b="0" lang="en-US" sz="1800" spc="-1" strike="noStrike">
-              <a:solidFill>
-                <a:srgbClr val="000000"/>
-              </a:solidFill>
-              <a:uFill>
-                <a:solidFill>
-                  <a:srgbClr val="ffffff"/>
-                </a:solidFill>
-              </a:uFill>
-              <a:latin typeface="Perpetua"/>
+            <a:pPr algn="ctr"/>
+            <a:endParaRPr b="0" lang="en-US" sz="4400" spc="-1" strike="noStrike">
+              <a:solidFill>
+                <a:srgbClr val="000000"/>
+              </a:solidFill>
+              <a:uFill>
+                <a:solidFill>
+                  <a:srgbClr val="ffffff"/>
+                </a:solidFill>
+              </a:uFill>
+              <a:latin typeface="Arial"/>
             </a:endParaRPr>
           </a:p>
         </p:txBody>
@@ -2525,7 +2543,7 @@
       </p:grpSpPr>
       <p:sp>
         <p:nvSpPr>
-          <p:cNvPr id="14" name="PlaceHolder 1"/>
+          <p:cNvPr id="11" name="PlaceHolder 1"/>
           <p:cNvSpPr>
             <a:spLocks noGrp="1"/>
           </p:cNvSpPr>
@@ -2545,23 +2563,24 @@
         <p:txBody>
           <a:bodyPr lIns="0" rIns="0" tIns="0" bIns="0" anchor="ctr"/>
           <a:p>
-            <a:endParaRPr b="0" lang="en-US" sz="1800" spc="-1" strike="noStrike">
-              <a:solidFill>
-                <a:srgbClr val="000000"/>
-              </a:solidFill>
-              <a:uFill>
-                <a:solidFill>
-                  <a:srgbClr val="ffffff"/>
-                </a:solidFill>
-              </a:uFill>
-              <a:latin typeface="Perpetua"/>
-            </a:endParaRPr>
-          </a:p>
-        </p:txBody>
-      </p:sp>
-      <p:sp>
-        <p:nvSpPr>
-          <p:cNvPr id="15" name="PlaceHolder 2"/>
+            <a:pPr algn="ctr"/>
+            <a:endParaRPr b="0" lang="en-US" sz="4400" spc="-1" strike="noStrike">
+              <a:solidFill>
+                <a:srgbClr val="000000"/>
+              </a:solidFill>
+              <a:uFill>
+                <a:solidFill>
+                  <a:srgbClr val="ffffff"/>
+                </a:solidFill>
+              </a:uFill>
+              <a:latin typeface="Arial"/>
+            </a:endParaRPr>
+          </a:p>
+        </p:txBody>
+      </p:sp>
+      <p:sp>
+        <p:nvSpPr>
+          <p:cNvPr id="12" name="PlaceHolder 2"/>
           <p:cNvSpPr>
             <a:spLocks noGrp="1"/>
           </p:cNvSpPr>
@@ -2581,16 +2600,16 @@
         <p:txBody>
           <a:bodyPr lIns="0" rIns="0" tIns="0" bIns="0"/>
           <a:p>
-            <a:endParaRPr b="0" lang="en-US" sz="2600" spc="-1" strike="noStrike">
-              <a:solidFill>
-                <a:srgbClr val="000000"/>
-              </a:solidFill>
-              <a:uFill>
-                <a:solidFill>
-                  <a:srgbClr val="ffffff"/>
-                </a:solidFill>
-              </a:uFill>
-              <a:latin typeface="Perpetua"/>
+            <a:endParaRPr b="0" lang="en-US" sz="3200" spc="-1" strike="noStrike">
+              <a:solidFill>
+                <a:srgbClr val="000000"/>
+              </a:solidFill>
+              <a:uFill>
+                <a:solidFill>
+                  <a:srgbClr val="ffffff"/>
+                </a:solidFill>
+              </a:uFill>
+              <a:latin typeface="Arial"/>
             </a:endParaRPr>
           </a:p>
         </p:txBody>
@@ -2619,7 +2638,7 @@
       </p:grpSpPr>
       <p:sp>
         <p:nvSpPr>
-          <p:cNvPr id="102" name="PlaceHolder 1"/>
+          <p:cNvPr id="93" name="PlaceHolder 1"/>
           <p:cNvSpPr>
             <a:spLocks noGrp="1"/>
           </p:cNvSpPr>
@@ -2678,7 +2697,7 @@
       </p:grpSpPr>
       <p:sp>
         <p:nvSpPr>
-          <p:cNvPr id="103" name="PlaceHolder 1"/>
+          <p:cNvPr id="94" name="PlaceHolder 1"/>
           <p:cNvSpPr>
             <a:spLocks noGrp="1"/>
           </p:cNvSpPr>
@@ -2698,23 +2717,24 @@
         <p:txBody>
           <a:bodyPr lIns="0" rIns="0" tIns="0" bIns="0" anchor="ctr"/>
           <a:p>
-            <a:endParaRPr b="0" lang="en-US" sz="1800" spc="-1" strike="noStrike">
-              <a:solidFill>
-                <a:srgbClr val="000000"/>
-              </a:solidFill>
-              <a:uFill>
-                <a:solidFill>
-                  <a:srgbClr val="ffffff"/>
-                </a:solidFill>
-              </a:uFill>
-              <a:latin typeface="Perpetua"/>
-            </a:endParaRPr>
-          </a:p>
-        </p:txBody>
-      </p:sp>
-      <p:sp>
-        <p:nvSpPr>
-          <p:cNvPr id="104" name="PlaceHolder 2"/>
+            <a:pPr algn="ctr"/>
+            <a:endParaRPr b="0" lang="en-US" sz="4400" spc="-1" strike="noStrike">
+              <a:solidFill>
+                <a:srgbClr val="000000"/>
+              </a:solidFill>
+              <a:uFill>
+                <a:solidFill>
+                  <a:srgbClr val="ffffff"/>
+                </a:solidFill>
+              </a:uFill>
+              <a:latin typeface="Arial"/>
+            </a:endParaRPr>
+          </a:p>
+        </p:txBody>
+      </p:sp>
+      <p:sp>
+        <p:nvSpPr>
+          <p:cNvPr id="95" name="PlaceHolder 2"/>
           <p:cNvSpPr>
             <a:spLocks noGrp="1"/>
           </p:cNvSpPr>
@@ -2734,23 +2754,23 @@
         <p:txBody>
           <a:bodyPr lIns="0" rIns="0" tIns="0" bIns="0"/>
           <a:p>
-            <a:endParaRPr b="0" lang="en-US" sz="2600" spc="-1" strike="noStrike">
-              <a:solidFill>
-                <a:srgbClr val="000000"/>
-              </a:solidFill>
-              <a:uFill>
-                <a:solidFill>
-                  <a:srgbClr val="ffffff"/>
-                </a:solidFill>
-              </a:uFill>
-              <a:latin typeface="Perpetua"/>
-            </a:endParaRPr>
-          </a:p>
-        </p:txBody>
-      </p:sp>
-      <p:sp>
-        <p:nvSpPr>
-          <p:cNvPr id="105" name="PlaceHolder 3"/>
+            <a:endParaRPr b="0" lang="en-US" sz="3200" spc="-1" strike="noStrike">
+              <a:solidFill>
+                <a:srgbClr val="000000"/>
+              </a:solidFill>
+              <a:uFill>
+                <a:solidFill>
+                  <a:srgbClr val="ffffff"/>
+                </a:solidFill>
+              </a:uFill>
+              <a:latin typeface="Arial"/>
+            </a:endParaRPr>
+          </a:p>
+        </p:txBody>
+      </p:sp>
+      <p:sp>
+        <p:nvSpPr>
+          <p:cNvPr id="96" name="PlaceHolder 3"/>
           <p:cNvSpPr>
             <a:spLocks noGrp="1"/>
           </p:cNvSpPr>
@@ -2770,23 +2790,23 @@
         <p:txBody>
           <a:bodyPr lIns="0" rIns="0" tIns="0" bIns="0"/>
           <a:p>
-            <a:endParaRPr b="0" lang="en-US" sz="2600" spc="-1" strike="noStrike">
-              <a:solidFill>
-                <a:srgbClr val="000000"/>
-              </a:solidFill>
-              <a:uFill>
-                <a:solidFill>
-                  <a:srgbClr val="ffffff"/>
-                </a:solidFill>
-              </a:uFill>
-              <a:latin typeface="Perpetua"/>
-            </a:endParaRPr>
-          </a:p>
-        </p:txBody>
-      </p:sp>
-      <p:sp>
-        <p:nvSpPr>
-          <p:cNvPr id="106" name="PlaceHolder 4"/>
+            <a:endParaRPr b="0" lang="en-US" sz="3200" spc="-1" strike="noStrike">
+              <a:solidFill>
+                <a:srgbClr val="000000"/>
+              </a:solidFill>
+              <a:uFill>
+                <a:solidFill>
+                  <a:srgbClr val="ffffff"/>
+                </a:solidFill>
+              </a:uFill>
+              <a:latin typeface="Arial"/>
+            </a:endParaRPr>
+          </a:p>
+        </p:txBody>
+      </p:sp>
+      <p:sp>
+        <p:nvSpPr>
+          <p:cNvPr id="97" name="PlaceHolder 4"/>
           <p:cNvSpPr>
             <a:spLocks noGrp="1"/>
           </p:cNvSpPr>
@@ -2806,16 +2826,16 @@
         <p:txBody>
           <a:bodyPr lIns="0" rIns="0" tIns="0" bIns="0"/>
           <a:p>
-            <a:endParaRPr b="0" lang="en-US" sz="2600" spc="-1" strike="noStrike">
-              <a:solidFill>
-                <a:srgbClr val="000000"/>
-              </a:solidFill>
-              <a:uFill>
-                <a:solidFill>
-                  <a:srgbClr val="ffffff"/>
-                </a:solidFill>
-              </a:uFill>
-              <a:latin typeface="Perpetua"/>
+            <a:endParaRPr b="0" lang="en-US" sz="3200" spc="-1" strike="noStrike">
+              <a:solidFill>
+                <a:srgbClr val="000000"/>
+              </a:solidFill>
+              <a:uFill>
+                <a:solidFill>
+                  <a:srgbClr val="ffffff"/>
+                </a:solidFill>
+              </a:uFill>
+              <a:latin typeface="Arial"/>
             </a:endParaRPr>
           </a:p>
         </p:txBody>
@@ -2844,7 +2864,7 @@
       </p:grpSpPr>
       <p:sp>
         <p:nvSpPr>
-          <p:cNvPr id="107" name="PlaceHolder 1"/>
+          <p:cNvPr id="98" name="PlaceHolder 1"/>
           <p:cNvSpPr>
             <a:spLocks noGrp="1"/>
           </p:cNvSpPr>
@@ -2864,23 +2884,24 @@
         <p:txBody>
           <a:bodyPr lIns="0" rIns="0" tIns="0" bIns="0" anchor="ctr"/>
           <a:p>
-            <a:endParaRPr b="0" lang="en-US" sz="1800" spc="-1" strike="noStrike">
-              <a:solidFill>
-                <a:srgbClr val="000000"/>
-              </a:solidFill>
-              <a:uFill>
-                <a:solidFill>
-                  <a:srgbClr val="ffffff"/>
-                </a:solidFill>
-              </a:uFill>
-              <a:latin typeface="Perpetua"/>
-            </a:endParaRPr>
-          </a:p>
-        </p:txBody>
-      </p:sp>
-      <p:sp>
-        <p:nvSpPr>
-          <p:cNvPr id="108" name="PlaceHolder 2"/>
+            <a:pPr algn="ctr"/>
+            <a:endParaRPr b="0" lang="en-US" sz="4400" spc="-1" strike="noStrike">
+              <a:solidFill>
+                <a:srgbClr val="000000"/>
+              </a:solidFill>
+              <a:uFill>
+                <a:solidFill>
+                  <a:srgbClr val="ffffff"/>
+                </a:solidFill>
+              </a:uFill>
+              <a:latin typeface="Arial"/>
+            </a:endParaRPr>
+          </a:p>
+        </p:txBody>
+      </p:sp>
+      <p:sp>
+        <p:nvSpPr>
+          <p:cNvPr id="99" name="PlaceHolder 2"/>
           <p:cNvSpPr>
             <a:spLocks noGrp="1"/>
           </p:cNvSpPr>
@@ -2900,23 +2921,23 @@
         <p:txBody>
           <a:bodyPr lIns="0" rIns="0" tIns="0" bIns="0"/>
           <a:p>
-            <a:endParaRPr b="0" lang="en-US" sz="2600" spc="-1" strike="noStrike">
-              <a:solidFill>
-                <a:srgbClr val="000000"/>
-              </a:solidFill>
-              <a:uFill>
-                <a:solidFill>
-                  <a:srgbClr val="ffffff"/>
-                </a:solidFill>
-              </a:uFill>
-              <a:latin typeface="Perpetua"/>
-            </a:endParaRPr>
-          </a:p>
-        </p:txBody>
-      </p:sp>
-      <p:sp>
-        <p:nvSpPr>
-          <p:cNvPr id="109" name="PlaceHolder 3"/>
+            <a:endParaRPr b="0" lang="en-US" sz="3200" spc="-1" strike="noStrike">
+              <a:solidFill>
+                <a:srgbClr val="000000"/>
+              </a:solidFill>
+              <a:uFill>
+                <a:solidFill>
+                  <a:srgbClr val="ffffff"/>
+                </a:solidFill>
+              </a:uFill>
+              <a:latin typeface="Arial"/>
+            </a:endParaRPr>
+          </a:p>
+        </p:txBody>
+      </p:sp>
+      <p:sp>
+        <p:nvSpPr>
+          <p:cNvPr id="100" name="PlaceHolder 3"/>
           <p:cNvSpPr>
             <a:spLocks noGrp="1"/>
           </p:cNvSpPr>
@@ -2936,23 +2957,23 @@
         <p:txBody>
           <a:bodyPr lIns="0" rIns="0" tIns="0" bIns="0"/>
           <a:p>
-            <a:endParaRPr b="0" lang="en-US" sz="2600" spc="-1" strike="noStrike">
-              <a:solidFill>
-                <a:srgbClr val="000000"/>
-              </a:solidFill>
-              <a:uFill>
-                <a:solidFill>
-                  <a:srgbClr val="ffffff"/>
-                </a:solidFill>
-              </a:uFill>
-              <a:latin typeface="Perpetua"/>
-            </a:endParaRPr>
-          </a:p>
-        </p:txBody>
-      </p:sp>
-      <p:sp>
-        <p:nvSpPr>
-          <p:cNvPr id="110" name="PlaceHolder 4"/>
+            <a:endParaRPr b="0" lang="en-US" sz="3200" spc="-1" strike="noStrike">
+              <a:solidFill>
+                <a:srgbClr val="000000"/>
+              </a:solidFill>
+              <a:uFill>
+                <a:solidFill>
+                  <a:srgbClr val="ffffff"/>
+                </a:solidFill>
+              </a:uFill>
+              <a:latin typeface="Arial"/>
+            </a:endParaRPr>
+          </a:p>
+        </p:txBody>
+      </p:sp>
+      <p:sp>
+        <p:nvSpPr>
+          <p:cNvPr id="101" name="PlaceHolder 4"/>
           <p:cNvSpPr>
             <a:spLocks noGrp="1"/>
           </p:cNvSpPr>
@@ -2972,16 +2993,16 @@
         <p:txBody>
           <a:bodyPr lIns="0" rIns="0" tIns="0" bIns="0"/>
           <a:p>
-            <a:endParaRPr b="0" lang="en-US" sz="2600" spc="-1" strike="noStrike">
-              <a:solidFill>
-                <a:srgbClr val="000000"/>
-              </a:solidFill>
-              <a:uFill>
-                <a:solidFill>
-                  <a:srgbClr val="ffffff"/>
-                </a:solidFill>
-              </a:uFill>
-              <a:latin typeface="Perpetua"/>
+            <a:endParaRPr b="0" lang="en-US" sz="3200" spc="-1" strike="noStrike">
+              <a:solidFill>
+                <a:srgbClr val="000000"/>
+              </a:solidFill>
+              <a:uFill>
+                <a:solidFill>
+                  <a:srgbClr val="ffffff"/>
+                </a:solidFill>
+              </a:uFill>
+              <a:latin typeface="Arial"/>
             </a:endParaRPr>
           </a:p>
         </p:txBody>
@@ -3010,7 +3031,7 @@
       </p:grpSpPr>
       <p:sp>
         <p:nvSpPr>
-          <p:cNvPr id="111" name="PlaceHolder 1"/>
+          <p:cNvPr id="102" name="PlaceHolder 1"/>
           <p:cNvSpPr>
             <a:spLocks noGrp="1"/>
           </p:cNvSpPr>
@@ -3030,23 +3051,24 @@
         <p:txBody>
           <a:bodyPr lIns="0" rIns="0" tIns="0" bIns="0" anchor="ctr"/>
           <a:p>
-            <a:endParaRPr b="0" lang="en-US" sz="1800" spc="-1" strike="noStrike">
-              <a:solidFill>
-                <a:srgbClr val="000000"/>
-              </a:solidFill>
-              <a:uFill>
-                <a:solidFill>
-                  <a:srgbClr val="ffffff"/>
-                </a:solidFill>
-              </a:uFill>
-              <a:latin typeface="Perpetua"/>
-            </a:endParaRPr>
-          </a:p>
-        </p:txBody>
-      </p:sp>
-      <p:sp>
-        <p:nvSpPr>
-          <p:cNvPr id="112" name="PlaceHolder 2"/>
+            <a:pPr algn="ctr"/>
+            <a:endParaRPr b="0" lang="en-US" sz="4400" spc="-1" strike="noStrike">
+              <a:solidFill>
+                <a:srgbClr val="000000"/>
+              </a:solidFill>
+              <a:uFill>
+                <a:solidFill>
+                  <a:srgbClr val="ffffff"/>
+                </a:solidFill>
+              </a:uFill>
+              <a:latin typeface="Arial"/>
+            </a:endParaRPr>
+          </a:p>
+        </p:txBody>
+      </p:sp>
+      <p:sp>
+        <p:nvSpPr>
+          <p:cNvPr id="103" name="PlaceHolder 2"/>
           <p:cNvSpPr>
             <a:spLocks noGrp="1"/>
           </p:cNvSpPr>
@@ -3066,23 +3088,23 @@
         <p:txBody>
           <a:bodyPr lIns="0" rIns="0" tIns="0" bIns="0"/>
           <a:p>
-            <a:endParaRPr b="0" lang="en-US" sz="2600" spc="-1" strike="noStrike">
-              <a:solidFill>
-                <a:srgbClr val="000000"/>
-              </a:solidFill>
-              <a:uFill>
-                <a:solidFill>
-                  <a:srgbClr val="ffffff"/>
-                </a:solidFill>
-              </a:uFill>
-              <a:latin typeface="Perpetua"/>
-            </a:endParaRPr>
-          </a:p>
-        </p:txBody>
-      </p:sp>
-      <p:sp>
-        <p:nvSpPr>
-          <p:cNvPr id="113" name="PlaceHolder 3"/>
+            <a:endParaRPr b="0" lang="en-US" sz="3200" spc="-1" strike="noStrike">
+              <a:solidFill>
+                <a:srgbClr val="000000"/>
+              </a:solidFill>
+              <a:uFill>
+                <a:solidFill>
+                  <a:srgbClr val="ffffff"/>
+                </a:solidFill>
+              </a:uFill>
+              <a:latin typeface="Arial"/>
+            </a:endParaRPr>
+          </a:p>
+        </p:txBody>
+      </p:sp>
+      <p:sp>
+        <p:nvSpPr>
+          <p:cNvPr id="104" name="PlaceHolder 3"/>
           <p:cNvSpPr>
             <a:spLocks noGrp="1"/>
           </p:cNvSpPr>
@@ -3102,23 +3124,23 @@
         <p:txBody>
           <a:bodyPr lIns="0" rIns="0" tIns="0" bIns="0"/>
           <a:p>
-            <a:endParaRPr b="0" lang="en-US" sz="2600" spc="-1" strike="noStrike">
-              <a:solidFill>
-                <a:srgbClr val="000000"/>
-              </a:solidFill>
-              <a:uFill>
-                <a:solidFill>
-                  <a:srgbClr val="ffffff"/>
-                </a:solidFill>
-              </a:uFill>
-              <a:latin typeface="Perpetua"/>
-            </a:endParaRPr>
-          </a:p>
-        </p:txBody>
-      </p:sp>
-      <p:sp>
-        <p:nvSpPr>
-          <p:cNvPr id="114" name="PlaceHolder 4"/>
+            <a:endParaRPr b="0" lang="en-US" sz="3200" spc="-1" strike="noStrike">
+              <a:solidFill>
+                <a:srgbClr val="000000"/>
+              </a:solidFill>
+              <a:uFill>
+                <a:solidFill>
+                  <a:srgbClr val="ffffff"/>
+                </a:solidFill>
+              </a:uFill>
+              <a:latin typeface="Arial"/>
+            </a:endParaRPr>
+          </a:p>
+        </p:txBody>
+      </p:sp>
+      <p:sp>
+        <p:nvSpPr>
+          <p:cNvPr id="105" name="PlaceHolder 4"/>
           <p:cNvSpPr>
             <a:spLocks noGrp="1"/>
           </p:cNvSpPr>
@@ -3138,16 +3160,16 @@
         <p:txBody>
           <a:bodyPr lIns="0" rIns="0" tIns="0" bIns="0"/>
           <a:p>
-            <a:endParaRPr b="0" lang="en-US" sz="2600" spc="-1" strike="noStrike">
-              <a:solidFill>
-                <a:srgbClr val="000000"/>
-              </a:solidFill>
-              <a:uFill>
-                <a:solidFill>
-                  <a:srgbClr val="ffffff"/>
-                </a:solidFill>
-              </a:uFill>
-              <a:latin typeface="Perpetua"/>
+            <a:endParaRPr b="0" lang="en-US" sz="3200" spc="-1" strike="noStrike">
+              <a:solidFill>
+                <a:srgbClr val="000000"/>
+              </a:solidFill>
+              <a:uFill>
+                <a:solidFill>
+                  <a:srgbClr val="ffffff"/>
+                </a:solidFill>
+              </a:uFill>
+              <a:latin typeface="Arial"/>
             </a:endParaRPr>
           </a:p>
         </p:txBody>
@@ -3176,7 +3198,7 @@
       </p:grpSpPr>
       <p:sp>
         <p:nvSpPr>
-          <p:cNvPr id="115" name="PlaceHolder 1"/>
+          <p:cNvPr id="106" name="PlaceHolder 1"/>
           <p:cNvSpPr>
             <a:spLocks noGrp="1"/>
           </p:cNvSpPr>
@@ -3196,23 +3218,24 @@
         <p:txBody>
           <a:bodyPr lIns="0" rIns="0" tIns="0" bIns="0" anchor="ctr"/>
           <a:p>
-            <a:endParaRPr b="0" lang="en-US" sz="1800" spc="-1" strike="noStrike">
-              <a:solidFill>
-                <a:srgbClr val="000000"/>
-              </a:solidFill>
-              <a:uFill>
-                <a:solidFill>
-                  <a:srgbClr val="ffffff"/>
-                </a:solidFill>
-              </a:uFill>
-              <a:latin typeface="Perpetua"/>
-            </a:endParaRPr>
-          </a:p>
-        </p:txBody>
-      </p:sp>
-      <p:sp>
-        <p:nvSpPr>
-          <p:cNvPr id="116" name="PlaceHolder 2"/>
+            <a:pPr algn="ctr"/>
+            <a:endParaRPr b="0" lang="en-US" sz="4400" spc="-1" strike="noStrike">
+              <a:solidFill>
+                <a:srgbClr val="000000"/>
+              </a:solidFill>
+              <a:uFill>
+                <a:solidFill>
+                  <a:srgbClr val="ffffff"/>
+                </a:solidFill>
+              </a:uFill>
+              <a:latin typeface="Arial"/>
+            </a:endParaRPr>
+          </a:p>
+        </p:txBody>
+      </p:sp>
+      <p:sp>
+        <p:nvSpPr>
+          <p:cNvPr id="107" name="PlaceHolder 2"/>
           <p:cNvSpPr>
             <a:spLocks noGrp="1"/>
           </p:cNvSpPr>
@@ -3232,23 +3255,23 @@
         <p:txBody>
           <a:bodyPr lIns="0" rIns="0" tIns="0" bIns="0"/>
           <a:p>
-            <a:endParaRPr b="0" lang="en-US" sz="2600" spc="-1" strike="noStrike">
-              <a:solidFill>
-                <a:srgbClr val="000000"/>
-              </a:solidFill>
-              <a:uFill>
-                <a:solidFill>
-                  <a:srgbClr val="ffffff"/>
-                </a:solidFill>
-              </a:uFill>
-              <a:latin typeface="Perpetua"/>
-            </a:endParaRPr>
-          </a:p>
-        </p:txBody>
-      </p:sp>
-      <p:sp>
-        <p:nvSpPr>
-          <p:cNvPr id="117" name="PlaceHolder 3"/>
+            <a:endParaRPr b="0" lang="en-US" sz="3200" spc="-1" strike="noStrike">
+              <a:solidFill>
+                <a:srgbClr val="000000"/>
+              </a:solidFill>
+              <a:uFill>
+                <a:solidFill>
+                  <a:srgbClr val="ffffff"/>
+                </a:solidFill>
+              </a:uFill>
+              <a:latin typeface="Arial"/>
+            </a:endParaRPr>
+          </a:p>
+        </p:txBody>
+      </p:sp>
+      <p:sp>
+        <p:nvSpPr>
+          <p:cNvPr id="108" name="PlaceHolder 3"/>
           <p:cNvSpPr>
             <a:spLocks noGrp="1"/>
           </p:cNvSpPr>
@@ -3268,16 +3291,16 @@
         <p:txBody>
           <a:bodyPr lIns="0" rIns="0" tIns="0" bIns="0"/>
           <a:p>
-            <a:endParaRPr b="0" lang="en-US" sz="2600" spc="-1" strike="noStrike">
-              <a:solidFill>
-                <a:srgbClr val="000000"/>
-              </a:solidFill>
-              <a:uFill>
-                <a:solidFill>
-                  <a:srgbClr val="ffffff"/>
-                </a:solidFill>
-              </a:uFill>
-              <a:latin typeface="Perpetua"/>
+            <a:endParaRPr b="0" lang="en-US" sz="3200" spc="-1" strike="noStrike">
+              <a:solidFill>
+                <a:srgbClr val="000000"/>
+              </a:solidFill>
+              <a:uFill>
+                <a:solidFill>
+                  <a:srgbClr val="ffffff"/>
+                </a:solidFill>
+              </a:uFill>
+              <a:latin typeface="Arial"/>
             </a:endParaRPr>
           </a:p>
         </p:txBody>
@@ -3306,7 +3329,7 @@
       </p:grpSpPr>
       <p:sp>
         <p:nvSpPr>
-          <p:cNvPr id="118" name="PlaceHolder 1"/>
+          <p:cNvPr id="109" name="PlaceHolder 1"/>
           <p:cNvSpPr>
             <a:spLocks noGrp="1"/>
           </p:cNvSpPr>
@@ -3326,23 +3349,24 @@
         <p:txBody>
           <a:bodyPr lIns="0" rIns="0" tIns="0" bIns="0" anchor="ctr"/>
           <a:p>
-            <a:endParaRPr b="0" lang="en-US" sz="1800" spc="-1" strike="noStrike">
-              <a:solidFill>
-                <a:srgbClr val="000000"/>
-              </a:solidFill>
-              <a:uFill>
-                <a:solidFill>
-                  <a:srgbClr val="ffffff"/>
-                </a:solidFill>
-              </a:uFill>
-              <a:latin typeface="Perpetua"/>
-            </a:endParaRPr>
-          </a:p>
-        </p:txBody>
-      </p:sp>
-      <p:sp>
-        <p:nvSpPr>
-          <p:cNvPr id="119" name="PlaceHolder 2"/>
+            <a:pPr algn="ctr"/>
+            <a:endParaRPr b="0" lang="en-US" sz="4400" spc="-1" strike="noStrike">
+              <a:solidFill>
+                <a:srgbClr val="000000"/>
+              </a:solidFill>
+              <a:uFill>
+                <a:solidFill>
+                  <a:srgbClr val="ffffff"/>
+                </a:solidFill>
+              </a:uFill>
+              <a:latin typeface="Arial"/>
+            </a:endParaRPr>
+          </a:p>
+        </p:txBody>
+      </p:sp>
+      <p:sp>
+        <p:nvSpPr>
+          <p:cNvPr id="110" name="PlaceHolder 2"/>
           <p:cNvSpPr>
             <a:spLocks noGrp="1"/>
           </p:cNvSpPr>
@@ -3362,23 +3386,23 @@
         <p:txBody>
           <a:bodyPr lIns="0" rIns="0" tIns="0" bIns="0"/>
           <a:p>
-            <a:endParaRPr b="0" lang="en-US" sz="2600" spc="-1" strike="noStrike">
-              <a:solidFill>
-                <a:srgbClr val="000000"/>
-              </a:solidFill>
-              <a:uFill>
-                <a:solidFill>
-                  <a:srgbClr val="ffffff"/>
-                </a:solidFill>
-              </a:uFill>
-              <a:latin typeface="Perpetua"/>
-            </a:endParaRPr>
-          </a:p>
-        </p:txBody>
-      </p:sp>
-      <p:sp>
-        <p:nvSpPr>
-          <p:cNvPr id="120" name="PlaceHolder 3"/>
+            <a:endParaRPr b="0" lang="en-US" sz="3200" spc="-1" strike="noStrike">
+              <a:solidFill>
+                <a:srgbClr val="000000"/>
+              </a:solidFill>
+              <a:uFill>
+                <a:solidFill>
+                  <a:srgbClr val="ffffff"/>
+                </a:solidFill>
+              </a:uFill>
+              <a:latin typeface="Arial"/>
+            </a:endParaRPr>
+          </a:p>
+        </p:txBody>
+      </p:sp>
+      <p:sp>
+        <p:nvSpPr>
+          <p:cNvPr id="111" name="PlaceHolder 3"/>
           <p:cNvSpPr>
             <a:spLocks noGrp="1"/>
           </p:cNvSpPr>
@@ -3398,23 +3422,23 @@
         <p:txBody>
           <a:bodyPr lIns="0" rIns="0" tIns="0" bIns="0"/>
           <a:p>
-            <a:endParaRPr b="0" lang="en-US" sz="2600" spc="-1" strike="noStrike">
-              <a:solidFill>
-                <a:srgbClr val="000000"/>
-              </a:solidFill>
-              <a:uFill>
-                <a:solidFill>
-                  <a:srgbClr val="ffffff"/>
-                </a:solidFill>
-              </a:uFill>
-              <a:latin typeface="Perpetua"/>
-            </a:endParaRPr>
-          </a:p>
-        </p:txBody>
-      </p:sp>
-      <p:sp>
-        <p:nvSpPr>
-          <p:cNvPr id="121" name="PlaceHolder 4"/>
+            <a:endParaRPr b="0" lang="en-US" sz="3200" spc="-1" strike="noStrike">
+              <a:solidFill>
+                <a:srgbClr val="000000"/>
+              </a:solidFill>
+              <a:uFill>
+                <a:solidFill>
+                  <a:srgbClr val="ffffff"/>
+                </a:solidFill>
+              </a:uFill>
+              <a:latin typeface="Arial"/>
+            </a:endParaRPr>
+          </a:p>
+        </p:txBody>
+      </p:sp>
+      <p:sp>
+        <p:nvSpPr>
+          <p:cNvPr id="112" name="PlaceHolder 4"/>
           <p:cNvSpPr>
             <a:spLocks noGrp="1"/>
           </p:cNvSpPr>
@@ -3434,23 +3458,23 @@
         <p:txBody>
           <a:bodyPr lIns="0" rIns="0" tIns="0" bIns="0"/>
           <a:p>
-            <a:endParaRPr b="0" lang="en-US" sz="2600" spc="-1" strike="noStrike">
-              <a:solidFill>
-                <a:srgbClr val="000000"/>
-              </a:solidFill>
-              <a:uFill>
-                <a:solidFill>
-                  <a:srgbClr val="ffffff"/>
-                </a:solidFill>
-              </a:uFill>
-              <a:latin typeface="Perpetua"/>
-            </a:endParaRPr>
-          </a:p>
-        </p:txBody>
-      </p:sp>
-      <p:sp>
-        <p:nvSpPr>
-          <p:cNvPr id="122" name="PlaceHolder 5"/>
+            <a:endParaRPr b="0" lang="en-US" sz="3200" spc="-1" strike="noStrike">
+              <a:solidFill>
+                <a:srgbClr val="000000"/>
+              </a:solidFill>
+              <a:uFill>
+                <a:solidFill>
+                  <a:srgbClr val="ffffff"/>
+                </a:solidFill>
+              </a:uFill>
+              <a:latin typeface="Arial"/>
+            </a:endParaRPr>
+          </a:p>
+        </p:txBody>
+      </p:sp>
+      <p:sp>
+        <p:nvSpPr>
+          <p:cNvPr id="113" name="PlaceHolder 5"/>
           <p:cNvSpPr>
             <a:spLocks noGrp="1"/>
           </p:cNvSpPr>
@@ -3470,16 +3494,16 @@
         <p:txBody>
           <a:bodyPr lIns="0" rIns="0" tIns="0" bIns="0"/>
           <a:p>
-            <a:endParaRPr b="0" lang="en-US" sz="2600" spc="-1" strike="noStrike">
-              <a:solidFill>
-                <a:srgbClr val="000000"/>
-              </a:solidFill>
-              <a:uFill>
-                <a:solidFill>
-                  <a:srgbClr val="ffffff"/>
-                </a:solidFill>
-              </a:uFill>
-              <a:latin typeface="Perpetua"/>
+            <a:endParaRPr b="0" lang="en-US" sz="3200" spc="-1" strike="noStrike">
+              <a:solidFill>
+                <a:srgbClr val="000000"/>
+              </a:solidFill>
+              <a:uFill>
+                <a:solidFill>
+                  <a:srgbClr val="ffffff"/>
+                </a:solidFill>
+              </a:uFill>
+              <a:latin typeface="Arial"/>
             </a:endParaRPr>
           </a:p>
         </p:txBody>
@@ -3508,7 +3532,7 @@
       </p:grpSpPr>
       <p:sp>
         <p:nvSpPr>
-          <p:cNvPr id="123" name="PlaceHolder 1"/>
+          <p:cNvPr id="114" name="PlaceHolder 1"/>
           <p:cNvSpPr>
             <a:spLocks noGrp="1"/>
           </p:cNvSpPr>
@@ -3528,23 +3552,24 @@
         <p:txBody>
           <a:bodyPr lIns="0" rIns="0" tIns="0" bIns="0" anchor="ctr"/>
           <a:p>
-            <a:endParaRPr b="0" lang="en-US" sz="1800" spc="-1" strike="noStrike">
-              <a:solidFill>
-                <a:srgbClr val="000000"/>
-              </a:solidFill>
-              <a:uFill>
-                <a:solidFill>
-                  <a:srgbClr val="ffffff"/>
-                </a:solidFill>
-              </a:uFill>
-              <a:latin typeface="Perpetua"/>
-            </a:endParaRPr>
-          </a:p>
-        </p:txBody>
-      </p:sp>
-      <p:sp>
-        <p:nvSpPr>
-          <p:cNvPr id="124" name="PlaceHolder 2"/>
+            <a:pPr algn="ctr"/>
+            <a:endParaRPr b="0" lang="en-US" sz="4400" spc="-1" strike="noStrike">
+              <a:solidFill>
+                <a:srgbClr val="000000"/>
+              </a:solidFill>
+              <a:uFill>
+                <a:solidFill>
+                  <a:srgbClr val="ffffff"/>
+                </a:solidFill>
+              </a:uFill>
+              <a:latin typeface="Arial"/>
+            </a:endParaRPr>
+          </a:p>
+        </p:txBody>
+      </p:sp>
+      <p:sp>
+        <p:nvSpPr>
+          <p:cNvPr id="115" name="PlaceHolder 2"/>
           <p:cNvSpPr>
             <a:spLocks noGrp="1"/>
           </p:cNvSpPr>
@@ -3564,23 +3589,23 @@
         <p:txBody>
           <a:bodyPr lIns="0" rIns="0" tIns="0" bIns="0"/>
           <a:p>
-            <a:endParaRPr b="0" lang="en-US" sz="2600" spc="-1" strike="noStrike">
-              <a:solidFill>
-                <a:srgbClr val="000000"/>
-              </a:solidFill>
-              <a:uFill>
-                <a:solidFill>
-                  <a:srgbClr val="ffffff"/>
-                </a:solidFill>
-              </a:uFill>
-              <a:latin typeface="Perpetua"/>
-            </a:endParaRPr>
-          </a:p>
-        </p:txBody>
-      </p:sp>
-      <p:sp>
-        <p:nvSpPr>
-          <p:cNvPr id="125" name="PlaceHolder 3"/>
+            <a:endParaRPr b="0" lang="en-US" sz="3200" spc="-1" strike="noStrike">
+              <a:solidFill>
+                <a:srgbClr val="000000"/>
+              </a:solidFill>
+              <a:uFill>
+                <a:solidFill>
+                  <a:srgbClr val="ffffff"/>
+                </a:solidFill>
+              </a:uFill>
+              <a:latin typeface="Arial"/>
+            </a:endParaRPr>
+          </a:p>
+        </p:txBody>
+      </p:sp>
+      <p:sp>
+        <p:nvSpPr>
+          <p:cNvPr id="116" name="PlaceHolder 3"/>
           <p:cNvSpPr>
             <a:spLocks noGrp="1"/>
           </p:cNvSpPr>
@@ -3600,23 +3625,23 @@
         <p:txBody>
           <a:bodyPr lIns="0" rIns="0" tIns="0" bIns="0"/>
           <a:p>
-            <a:endParaRPr b="0" lang="en-US" sz="2600" spc="-1" strike="noStrike">
-              <a:solidFill>
-                <a:srgbClr val="000000"/>
-              </a:solidFill>
-              <a:uFill>
-                <a:solidFill>
-                  <a:srgbClr val="ffffff"/>
-                </a:solidFill>
-              </a:uFill>
-              <a:latin typeface="Perpetua"/>
+            <a:endParaRPr b="0" lang="en-US" sz="3200" spc="-1" strike="noStrike">
+              <a:solidFill>
+                <a:srgbClr val="000000"/>
+              </a:solidFill>
+              <a:uFill>
+                <a:solidFill>
+                  <a:srgbClr val="ffffff"/>
+                </a:solidFill>
+              </a:uFill>
+              <a:latin typeface="Arial"/>
             </a:endParaRPr>
           </a:p>
         </p:txBody>
       </p:sp>
       <p:pic>
         <p:nvPicPr>
-          <p:cNvPr id="126" name="" descr=""/>
+          <p:cNvPr id="117" name="" descr=""/>
           <p:cNvPicPr/>
           <p:nvPr/>
         </p:nvPicPr>
@@ -3639,7 +3664,7 @@
       </p:pic>
       <p:pic>
         <p:nvPicPr>
-          <p:cNvPr id="127" name="" descr=""/>
+          <p:cNvPr id="118" name="" descr=""/>
           <p:cNvPicPr/>
           <p:nvPr/>
         </p:nvPicPr>
@@ -3684,7 +3709,7 @@
       </p:grpSpPr>
       <p:sp>
         <p:nvSpPr>
-          <p:cNvPr id="16" name="PlaceHolder 1"/>
+          <p:cNvPr id="13" name="PlaceHolder 1"/>
           <p:cNvSpPr>
             <a:spLocks noGrp="1"/>
           </p:cNvSpPr>
@@ -3704,23 +3729,24 @@
         <p:txBody>
           <a:bodyPr lIns="0" rIns="0" tIns="0" bIns="0" anchor="ctr"/>
           <a:p>
-            <a:endParaRPr b="0" lang="en-US" sz="1800" spc="-1" strike="noStrike">
-              <a:solidFill>
-                <a:srgbClr val="000000"/>
-              </a:solidFill>
-              <a:uFill>
-                <a:solidFill>
-                  <a:srgbClr val="ffffff"/>
-                </a:solidFill>
-              </a:uFill>
-              <a:latin typeface="Perpetua"/>
-            </a:endParaRPr>
-          </a:p>
-        </p:txBody>
-      </p:sp>
-      <p:sp>
-        <p:nvSpPr>
-          <p:cNvPr id="17" name="PlaceHolder 2"/>
+            <a:pPr algn="ctr"/>
+            <a:endParaRPr b="0" lang="en-US" sz="4400" spc="-1" strike="noStrike">
+              <a:solidFill>
+                <a:srgbClr val="000000"/>
+              </a:solidFill>
+              <a:uFill>
+                <a:solidFill>
+                  <a:srgbClr val="ffffff"/>
+                </a:solidFill>
+              </a:uFill>
+              <a:latin typeface="Arial"/>
+            </a:endParaRPr>
+          </a:p>
+        </p:txBody>
+      </p:sp>
+      <p:sp>
+        <p:nvSpPr>
+          <p:cNvPr id="14" name="PlaceHolder 2"/>
           <p:cNvSpPr>
             <a:spLocks noGrp="1"/>
           </p:cNvSpPr>
@@ -3740,23 +3766,23 @@
         <p:txBody>
           <a:bodyPr lIns="0" rIns="0" tIns="0" bIns="0"/>
           <a:p>
-            <a:endParaRPr b="0" lang="en-US" sz="2600" spc="-1" strike="noStrike">
-              <a:solidFill>
-                <a:srgbClr val="000000"/>
-              </a:solidFill>
-              <a:uFill>
-                <a:solidFill>
-                  <a:srgbClr val="ffffff"/>
-                </a:solidFill>
-              </a:uFill>
-              <a:latin typeface="Perpetua"/>
-            </a:endParaRPr>
-          </a:p>
-        </p:txBody>
-      </p:sp>
-      <p:sp>
-        <p:nvSpPr>
-          <p:cNvPr id="18" name="PlaceHolder 3"/>
+            <a:endParaRPr b="0" lang="en-US" sz="3200" spc="-1" strike="noStrike">
+              <a:solidFill>
+                <a:srgbClr val="000000"/>
+              </a:solidFill>
+              <a:uFill>
+                <a:solidFill>
+                  <a:srgbClr val="ffffff"/>
+                </a:solidFill>
+              </a:uFill>
+              <a:latin typeface="Arial"/>
+            </a:endParaRPr>
+          </a:p>
+        </p:txBody>
+      </p:sp>
+      <p:sp>
+        <p:nvSpPr>
+          <p:cNvPr id="15" name="PlaceHolder 3"/>
           <p:cNvSpPr>
             <a:spLocks noGrp="1"/>
           </p:cNvSpPr>
@@ -3776,16 +3802,16 @@
         <p:txBody>
           <a:bodyPr lIns="0" rIns="0" tIns="0" bIns="0"/>
           <a:p>
-            <a:endParaRPr b="0" lang="en-US" sz="2600" spc="-1" strike="noStrike">
-              <a:solidFill>
-                <a:srgbClr val="000000"/>
-              </a:solidFill>
-              <a:uFill>
-                <a:solidFill>
-                  <a:srgbClr val="ffffff"/>
-                </a:solidFill>
-              </a:uFill>
-              <a:latin typeface="Perpetua"/>
+            <a:endParaRPr b="0" lang="en-US" sz="3200" spc="-1" strike="noStrike">
+              <a:solidFill>
+                <a:srgbClr val="000000"/>
+              </a:solidFill>
+              <a:uFill>
+                <a:solidFill>
+                  <a:srgbClr val="ffffff"/>
+                </a:solidFill>
+              </a:uFill>
+              <a:latin typeface="Arial"/>
             </a:endParaRPr>
           </a:p>
         </p:txBody>
@@ -3814,7 +3840,7 @@
       </p:grpSpPr>
       <p:sp>
         <p:nvSpPr>
-          <p:cNvPr id="19" name="PlaceHolder 1"/>
+          <p:cNvPr id="16" name="PlaceHolder 1"/>
           <p:cNvSpPr>
             <a:spLocks noGrp="1"/>
           </p:cNvSpPr>
@@ -3834,16 +3860,17 @@
         <p:txBody>
           <a:bodyPr lIns="0" rIns="0" tIns="0" bIns="0" anchor="ctr"/>
           <a:p>
-            <a:endParaRPr b="0" lang="en-US" sz="1800" spc="-1" strike="noStrike">
-              <a:solidFill>
-                <a:srgbClr val="000000"/>
-              </a:solidFill>
-              <a:uFill>
-                <a:solidFill>
-                  <a:srgbClr val="ffffff"/>
-                </a:solidFill>
-              </a:uFill>
-              <a:latin typeface="Perpetua"/>
+            <a:pPr algn="ctr"/>
+            <a:endParaRPr b="0" lang="en-US" sz="4400" spc="-1" strike="noStrike">
+              <a:solidFill>
+                <a:srgbClr val="000000"/>
+              </a:solidFill>
+              <a:uFill>
+                <a:solidFill>
+                  <a:srgbClr val="ffffff"/>
+                </a:solidFill>
+              </a:uFill>
+              <a:latin typeface="Arial"/>
             </a:endParaRPr>
           </a:p>
         </p:txBody>
@@ -3872,7 +3899,7 @@
       </p:grpSpPr>
       <p:sp>
         <p:nvSpPr>
-          <p:cNvPr id="20" name="PlaceHolder 1"/>
+          <p:cNvPr id="17" name="PlaceHolder 1"/>
           <p:cNvSpPr>
             <a:spLocks noGrp="1"/>
           </p:cNvSpPr>
@@ -3931,7 +3958,7 @@
       </p:grpSpPr>
       <p:sp>
         <p:nvSpPr>
-          <p:cNvPr id="21" name="PlaceHolder 1"/>
+          <p:cNvPr id="18" name="PlaceHolder 1"/>
           <p:cNvSpPr>
             <a:spLocks noGrp="1"/>
           </p:cNvSpPr>
@@ -3951,23 +3978,24 @@
         <p:txBody>
           <a:bodyPr lIns="0" rIns="0" tIns="0" bIns="0" anchor="ctr"/>
           <a:p>
-            <a:endParaRPr b="0" lang="en-US" sz="1800" spc="-1" strike="noStrike">
-              <a:solidFill>
-                <a:srgbClr val="000000"/>
-              </a:solidFill>
-              <a:uFill>
-                <a:solidFill>
-                  <a:srgbClr val="ffffff"/>
-                </a:solidFill>
-              </a:uFill>
-              <a:latin typeface="Perpetua"/>
-            </a:endParaRPr>
-          </a:p>
-        </p:txBody>
-      </p:sp>
-      <p:sp>
-        <p:nvSpPr>
-          <p:cNvPr id="22" name="PlaceHolder 2"/>
+            <a:pPr algn="ctr"/>
+            <a:endParaRPr b="0" lang="en-US" sz="4400" spc="-1" strike="noStrike">
+              <a:solidFill>
+                <a:srgbClr val="000000"/>
+              </a:solidFill>
+              <a:uFill>
+                <a:solidFill>
+                  <a:srgbClr val="ffffff"/>
+                </a:solidFill>
+              </a:uFill>
+              <a:latin typeface="Arial"/>
+            </a:endParaRPr>
+          </a:p>
+        </p:txBody>
+      </p:sp>
+      <p:sp>
+        <p:nvSpPr>
+          <p:cNvPr id="19" name="PlaceHolder 2"/>
           <p:cNvSpPr>
             <a:spLocks noGrp="1"/>
           </p:cNvSpPr>
@@ -3987,23 +4015,23 @@
         <p:txBody>
           <a:bodyPr lIns="0" rIns="0" tIns="0" bIns="0"/>
           <a:p>
-            <a:endParaRPr b="0" lang="en-US" sz="2600" spc="-1" strike="noStrike">
-              <a:solidFill>
-                <a:srgbClr val="000000"/>
-              </a:solidFill>
-              <a:uFill>
-                <a:solidFill>
-                  <a:srgbClr val="ffffff"/>
-                </a:solidFill>
-              </a:uFill>
-              <a:latin typeface="Perpetua"/>
-            </a:endParaRPr>
-          </a:p>
-        </p:txBody>
-      </p:sp>
-      <p:sp>
-        <p:nvSpPr>
-          <p:cNvPr id="23" name="PlaceHolder 3"/>
+            <a:endParaRPr b="0" lang="en-US" sz="3200" spc="-1" strike="noStrike">
+              <a:solidFill>
+                <a:srgbClr val="000000"/>
+              </a:solidFill>
+              <a:uFill>
+                <a:solidFill>
+                  <a:srgbClr val="ffffff"/>
+                </a:solidFill>
+              </a:uFill>
+              <a:latin typeface="Arial"/>
+            </a:endParaRPr>
+          </a:p>
+        </p:txBody>
+      </p:sp>
+      <p:sp>
+        <p:nvSpPr>
+          <p:cNvPr id="20" name="PlaceHolder 3"/>
           <p:cNvSpPr>
             <a:spLocks noGrp="1"/>
           </p:cNvSpPr>
@@ -4023,23 +4051,23 @@
         <p:txBody>
           <a:bodyPr lIns="0" rIns="0" tIns="0" bIns="0"/>
           <a:p>
-            <a:endParaRPr b="0" lang="en-US" sz="2600" spc="-1" strike="noStrike">
-              <a:solidFill>
-                <a:srgbClr val="000000"/>
-              </a:solidFill>
-              <a:uFill>
-                <a:solidFill>
-                  <a:srgbClr val="ffffff"/>
-                </a:solidFill>
-              </a:uFill>
-              <a:latin typeface="Perpetua"/>
-            </a:endParaRPr>
-          </a:p>
-        </p:txBody>
-      </p:sp>
-      <p:sp>
-        <p:nvSpPr>
-          <p:cNvPr id="24" name="PlaceHolder 4"/>
+            <a:endParaRPr b="0" lang="en-US" sz="3200" spc="-1" strike="noStrike">
+              <a:solidFill>
+                <a:srgbClr val="000000"/>
+              </a:solidFill>
+              <a:uFill>
+                <a:solidFill>
+                  <a:srgbClr val="ffffff"/>
+                </a:solidFill>
+              </a:uFill>
+              <a:latin typeface="Arial"/>
+            </a:endParaRPr>
+          </a:p>
+        </p:txBody>
+      </p:sp>
+      <p:sp>
+        <p:nvSpPr>
+          <p:cNvPr id="21" name="PlaceHolder 4"/>
           <p:cNvSpPr>
             <a:spLocks noGrp="1"/>
           </p:cNvSpPr>
@@ -4059,16 +4087,16 @@
         <p:txBody>
           <a:bodyPr lIns="0" rIns="0" tIns="0" bIns="0"/>
           <a:p>
-            <a:endParaRPr b="0" lang="en-US" sz="2600" spc="-1" strike="noStrike">
-              <a:solidFill>
-                <a:srgbClr val="000000"/>
-              </a:solidFill>
-              <a:uFill>
-                <a:solidFill>
-                  <a:srgbClr val="ffffff"/>
-                </a:solidFill>
-              </a:uFill>
-              <a:latin typeface="Perpetua"/>
+            <a:endParaRPr b="0" lang="en-US" sz="3200" spc="-1" strike="noStrike">
+              <a:solidFill>
+                <a:srgbClr val="000000"/>
+              </a:solidFill>
+              <a:uFill>
+                <a:solidFill>
+                  <a:srgbClr val="ffffff"/>
+                </a:solidFill>
+              </a:uFill>
+              <a:latin typeface="Arial"/>
             </a:endParaRPr>
           </a:p>
         </p:txBody>
@@ -4097,7 +4125,7 @@
       </p:grpSpPr>
       <p:sp>
         <p:nvSpPr>
-          <p:cNvPr id="25" name="PlaceHolder 1"/>
+          <p:cNvPr id="22" name="PlaceHolder 1"/>
           <p:cNvSpPr>
             <a:spLocks noGrp="1"/>
           </p:cNvSpPr>
@@ -4117,23 +4145,24 @@
         <p:txBody>
           <a:bodyPr lIns="0" rIns="0" tIns="0" bIns="0" anchor="ctr"/>
           <a:p>
-            <a:endParaRPr b="0" lang="en-US" sz="1800" spc="-1" strike="noStrike">
-              <a:solidFill>
-                <a:srgbClr val="000000"/>
-              </a:solidFill>
-              <a:uFill>
-                <a:solidFill>
-                  <a:srgbClr val="ffffff"/>
-                </a:solidFill>
-              </a:uFill>
-              <a:latin typeface="Perpetua"/>
-            </a:endParaRPr>
-          </a:p>
-        </p:txBody>
-      </p:sp>
-      <p:sp>
-        <p:nvSpPr>
-          <p:cNvPr id="26" name="PlaceHolder 2"/>
+            <a:pPr algn="ctr"/>
+            <a:endParaRPr b="0" lang="en-US" sz="4400" spc="-1" strike="noStrike">
+              <a:solidFill>
+                <a:srgbClr val="000000"/>
+              </a:solidFill>
+              <a:uFill>
+                <a:solidFill>
+                  <a:srgbClr val="ffffff"/>
+                </a:solidFill>
+              </a:uFill>
+              <a:latin typeface="Arial"/>
+            </a:endParaRPr>
+          </a:p>
+        </p:txBody>
+      </p:sp>
+      <p:sp>
+        <p:nvSpPr>
+          <p:cNvPr id="23" name="PlaceHolder 2"/>
           <p:cNvSpPr>
             <a:spLocks noGrp="1"/>
           </p:cNvSpPr>
@@ -4153,23 +4182,23 @@
         <p:txBody>
           <a:bodyPr lIns="0" rIns="0" tIns="0" bIns="0"/>
           <a:p>
-            <a:endParaRPr b="0" lang="en-US" sz="2600" spc="-1" strike="noStrike">
-              <a:solidFill>
-                <a:srgbClr val="000000"/>
-              </a:solidFill>
-              <a:uFill>
-                <a:solidFill>
-                  <a:srgbClr val="ffffff"/>
-                </a:solidFill>
-              </a:uFill>
-              <a:latin typeface="Perpetua"/>
-            </a:endParaRPr>
-          </a:p>
-        </p:txBody>
-      </p:sp>
-      <p:sp>
-        <p:nvSpPr>
-          <p:cNvPr id="27" name="PlaceHolder 3"/>
+            <a:endParaRPr b="0" lang="en-US" sz="3200" spc="-1" strike="noStrike">
+              <a:solidFill>
+                <a:srgbClr val="000000"/>
+              </a:solidFill>
+              <a:uFill>
+                <a:solidFill>
+                  <a:srgbClr val="ffffff"/>
+                </a:solidFill>
+              </a:uFill>
+              <a:latin typeface="Arial"/>
+            </a:endParaRPr>
+          </a:p>
+        </p:txBody>
+      </p:sp>
+      <p:sp>
+        <p:nvSpPr>
+          <p:cNvPr id="24" name="PlaceHolder 3"/>
           <p:cNvSpPr>
             <a:spLocks noGrp="1"/>
           </p:cNvSpPr>
@@ -4189,23 +4218,23 @@
         <p:txBody>
           <a:bodyPr lIns="0" rIns="0" tIns="0" bIns="0"/>
           <a:p>
-            <a:endParaRPr b="0" lang="en-US" sz="2600" spc="-1" strike="noStrike">
-              <a:solidFill>
-                <a:srgbClr val="000000"/>
-              </a:solidFill>
-              <a:uFill>
-                <a:solidFill>
-                  <a:srgbClr val="ffffff"/>
-                </a:solidFill>
-              </a:uFill>
-              <a:latin typeface="Perpetua"/>
-            </a:endParaRPr>
-          </a:p>
-        </p:txBody>
-      </p:sp>
-      <p:sp>
-        <p:nvSpPr>
-          <p:cNvPr id="28" name="PlaceHolder 4"/>
+            <a:endParaRPr b="0" lang="en-US" sz="3200" spc="-1" strike="noStrike">
+              <a:solidFill>
+                <a:srgbClr val="000000"/>
+              </a:solidFill>
+              <a:uFill>
+                <a:solidFill>
+                  <a:srgbClr val="ffffff"/>
+                </a:solidFill>
+              </a:uFill>
+              <a:latin typeface="Arial"/>
+            </a:endParaRPr>
+          </a:p>
+        </p:txBody>
+      </p:sp>
+      <p:sp>
+        <p:nvSpPr>
+          <p:cNvPr id="25" name="PlaceHolder 4"/>
           <p:cNvSpPr>
             <a:spLocks noGrp="1"/>
           </p:cNvSpPr>
@@ -4225,16 +4254,16 @@
         <p:txBody>
           <a:bodyPr lIns="0" rIns="0" tIns="0" bIns="0"/>
           <a:p>
-            <a:endParaRPr b="0" lang="en-US" sz="2600" spc="-1" strike="noStrike">
-              <a:solidFill>
-                <a:srgbClr val="000000"/>
-              </a:solidFill>
-              <a:uFill>
-                <a:solidFill>
-                  <a:srgbClr val="ffffff"/>
-                </a:solidFill>
-              </a:uFill>
-              <a:latin typeface="Perpetua"/>
+            <a:endParaRPr b="0" lang="en-US" sz="3200" spc="-1" strike="noStrike">
+              <a:solidFill>
+                <a:srgbClr val="000000"/>
+              </a:solidFill>
+              <a:uFill>
+                <a:solidFill>
+                  <a:srgbClr val="ffffff"/>
+                </a:solidFill>
+              </a:uFill>
+              <a:latin typeface="Arial"/>
             </a:endParaRPr>
           </a:p>
         </p:txBody>
@@ -4263,7 +4292,7 @@
       </p:grpSpPr>
       <p:sp>
         <p:nvSpPr>
-          <p:cNvPr id="29" name="PlaceHolder 1"/>
+          <p:cNvPr id="26" name="PlaceHolder 1"/>
           <p:cNvSpPr>
             <a:spLocks noGrp="1"/>
           </p:cNvSpPr>
@@ -4283,23 +4312,24 @@
         <p:txBody>
           <a:bodyPr lIns="0" rIns="0" tIns="0" bIns="0" anchor="ctr"/>
           <a:p>
-            <a:endParaRPr b="0" lang="en-US" sz="1800" spc="-1" strike="noStrike">
-              <a:solidFill>
-                <a:srgbClr val="000000"/>
-              </a:solidFill>
-              <a:uFill>
-                <a:solidFill>
-                  <a:srgbClr val="ffffff"/>
-                </a:solidFill>
-              </a:uFill>
-              <a:latin typeface="Perpetua"/>
-            </a:endParaRPr>
-          </a:p>
-        </p:txBody>
-      </p:sp>
-      <p:sp>
-        <p:nvSpPr>
-          <p:cNvPr id="30" name="PlaceHolder 2"/>
+            <a:pPr algn="ctr"/>
+            <a:endParaRPr b="0" lang="en-US" sz="4400" spc="-1" strike="noStrike">
+              <a:solidFill>
+                <a:srgbClr val="000000"/>
+              </a:solidFill>
+              <a:uFill>
+                <a:solidFill>
+                  <a:srgbClr val="ffffff"/>
+                </a:solidFill>
+              </a:uFill>
+              <a:latin typeface="Arial"/>
+            </a:endParaRPr>
+          </a:p>
+        </p:txBody>
+      </p:sp>
+      <p:sp>
+        <p:nvSpPr>
+          <p:cNvPr id="27" name="PlaceHolder 2"/>
           <p:cNvSpPr>
             <a:spLocks noGrp="1"/>
           </p:cNvSpPr>
@@ -4319,23 +4349,23 @@
         <p:txBody>
           <a:bodyPr lIns="0" rIns="0" tIns="0" bIns="0"/>
           <a:p>
-            <a:endParaRPr b="0" lang="en-US" sz="2600" spc="-1" strike="noStrike">
-              <a:solidFill>
-                <a:srgbClr val="000000"/>
-              </a:solidFill>
-              <a:uFill>
-                <a:solidFill>
-                  <a:srgbClr val="ffffff"/>
-                </a:solidFill>
-              </a:uFill>
-              <a:latin typeface="Perpetua"/>
-            </a:endParaRPr>
-          </a:p>
-        </p:txBody>
-      </p:sp>
-      <p:sp>
-        <p:nvSpPr>
-          <p:cNvPr id="31" name="PlaceHolder 3"/>
+            <a:endParaRPr b="0" lang="en-US" sz="3200" spc="-1" strike="noStrike">
+              <a:solidFill>
+                <a:srgbClr val="000000"/>
+              </a:solidFill>
+              <a:uFill>
+                <a:solidFill>
+                  <a:srgbClr val="ffffff"/>
+                </a:solidFill>
+              </a:uFill>
+              <a:latin typeface="Arial"/>
+            </a:endParaRPr>
+          </a:p>
+        </p:txBody>
+      </p:sp>
+      <p:sp>
+        <p:nvSpPr>
+          <p:cNvPr id="28" name="PlaceHolder 3"/>
           <p:cNvSpPr>
             <a:spLocks noGrp="1"/>
           </p:cNvSpPr>
@@ -4355,23 +4385,23 @@
         <p:txBody>
           <a:bodyPr lIns="0" rIns="0" tIns="0" bIns="0"/>
           <a:p>
-            <a:endParaRPr b="0" lang="en-US" sz="2600" spc="-1" strike="noStrike">
-              <a:solidFill>
-                <a:srgbClr val="000000"/>
-              </a:solidFill>
-              <a:uFill>
-                <a:solidFill>
-                  <a:srgbClr val="ffffff"/>
-                </a:solidFill>
-              </a:uFill>
-              <a:latin typeface="Perpetua"/>
-            </a:endParaRPr>
-          </a:p>
-        </p:txBody>
-      </p:sp>
-      <p:sp>
-        <p:nvSpPr>
-          <p:cNvPr id="32" name="PlaceHolder 4"/>
+            <a:endParaRPr b="0" lang="en-US" sz="3200" spc="-1" strike="noStrike">
+              <a:solidFill>
+                <a:srgbClr val="000000"/>
+              </a:solidFill>
+              <a:uFill>
+                <a:solidFill>
+                  <a:srgbClr val="ffffff"/>
+                </a:solidFill>
+              </a:uFill>
+              <a:latin typeface="Arial"/>
+            </a:endParaRPr>
+          </a:p>
+        </p:txBody>
+      </p:sp>
+      <p:sp>
+        <p:nvSpPr>
+          <p:cNvPr id="29" name="PlaceHolder 4"/>
           <p:cNvSpPr>
             <a:spLocks noGrp="1"/>
           </p:cNvSpPr>
@@ -4391,16 +4421,16 @@
         <p:txBody>
           <a:bodyPr lIns="0" rIns="0" tIns="0" bIns="0"/>
           <a:p>
-            <a:endParaRPr b="0" lang="en-US" sz="2600" spc="-1" strike="noStrike">
-              <a:solidFill>
-                <a:srgbClr val="000000"/>
-              </a:solidFill>
-              <a:uFill>
-                <a:solidFill>
-                  <a:srgbClr val="ffffff"/>
-                </a:solidFill>
-              </a:uFill>
-              <a:latin typeface="Perpetua"/>
+            <a:endParaRPr b="0" lang="en-US" sz="3200" spc="-1" strike="noStrike">
+              <a:solidFill>
+                <a:srgbClr val="000000"/>
+              </a:solidFill>
+              <a:uFill>
+                <a:solidFill>
+                  <a:srgbClr val="ffffff"/>
+                </a:solidFill>
+              </a:uFill>
+              <a:latin typeface="Arial"/>
             </a:endParaRPr>
           </a:p>
         </p:txBody>
@@ -4444,7 +4474,7 @@
         <p:spPr>
           <a:xfrm>
             <a:off x="0" y="0"/>
-            <a:ext cx="9143640" cy="6857640"/>
+            <a:ext cx="9143280" cy="6857280"/>
           </a:xfrm>
           <a:prstGeom prst="rect">
             <a:avLst/>
@@ -4478,7 +4508,7 @@
         <p:spPr>
           <a:xfrm>
             <a:off x="64080" y="69840"/>
-            <a:ext cx="9012960" cy="6693120"/>
+            <a:ext cx="9012600" cy="6692760"/>
           </a:xfrm>
           <a:prstGeom prst="roundRect">
             <a:avLst>
@@ -4523,7 +4553,7 @@
         <p:spPr>
           <a:xfrm>
             <a:off x="0" y="0"/>
-            <a:ext cx="9143640" cy="6857640"/>
+            <a:ext cx="9143280" cy="6857280"/>
           </a:xfrm>
           <a:prstGeom prst="rect">
             <a:avLst/>
@@ -4557,7 +4587,7 @@
         <p:spPr>
           <a:xfrm>
             <a:off x="65160" y="69840"/>
-            <a:ext cx="9012960" cy="6691680"/>
+            <a:ext cx="9012600" cy="6691320"/>
           </a:xfrm>
           <a:prstGeom prst="roundRect">
             <a:avLst>
@@ -4595,160 +4625,14 @@
       </p:sp>
       <p:sp>
         <p:nvSpPr>
-          <p:cNvPr id="4" name="PlaceHolder 5"/>
-          <p:cNvSpPr>
-            <a:spLocks noGrp="1"/>
-          </p:cNvSpPr>
-          <p:nvPr>
-            <p:ph type="dt"/>
-          </p:nvPr>
-        </p:nvSpPr>
-        <p:spPr>
-          <a:xfrm>
-            <a:off x="6172200" y="6191280"/>
-            <a:ext cx="2476080" cy="475920"/>
-          </a:xfrm>
-          <a:prstGeom prst="rect">
-            <a:avLst/>
-          </a:prstGeom>
-        </p:spPr>
-        <p:txBody>
-          <a:bodyPr lIns="90000" rIns="90000" tIns="45000" bIns="45000" anchor="ctr"/>
-          <a:p>
-            <a:pPr algn="r">
-              <a:lnSpc>
-                <a:spcPct val="100000"/>
-              </a:lnSpc>
-            </a:pPr>
-            <a:r>
-              <a:rPr b="0" lang="en-US" sz="1400" spc="-1" strike="noStrike">
-                <a:solidFill>
-                  <a:srgbClr val="696464"/>
-                </a:solidFill>
-                <a:uFill>
-                  <a:solidFill>
-                    <a:srgbClr val="ffffff"/>
-                  </a:solidFill>
-                </a:uFill>
-                <a:latin typeface="Perpetua"/>
-              </a:rPr>
-              <a:t>3/17/19</a:t>
-            </a:r>
-            <a:endParaRPr b="0" lang="en-US" sz="1400" spc="-1" strike="noStrike">
-              <a:solidFill>
-                <a:srgbClr val="000000"/>
-              </a:solidFill>
-              <a:uFill>
-                <a:solidFill>
-                  <a:srgbClr val="ffffff"/>
-                </a:solidFill>
-              </a:uFill>
-              <a:latin typeface="Times New Roman"/>
-            </a:endParaRPr>
-          </a:p>
-        </p:txBody>
-      </p:sp>
-      <p:sp>
-        <p:nvSpPr>
-          <p:cNvPr id="5" name="PlaceHolder 6"/>
-          <p:cNvSpPr>
-            <a:spLocks noGrp="1"/>
-          </p:cNvSpPr>
-          <p:nvPr>
-            <p:ph type="ftr"/>
-          </p:nvPr>
-        </p:nvSpPr>
-        <p:spPr>
-          <a:xfrm>
-            <a:off x="914400" y="6172200"/>
-            <a:ext cx="3962160" cy="456840"/>
-          </a:xfrm>
-          <a:prstGeom prst="rect">
-            <a:avLst/>
-          </a:prstGeom>
-        </p:spPr>
-        <p:txBody>
-          <a:bodyPr lIns="90000" rIns="90000" tIns="45000" bIns="45000" anchor="ctr"/>
-          <a:p>
-            <a:endParaRPr b="0" lang="en-US" sz="2400" spc="-1" strike="noStrike">
-              <a:solidFill>
-                <a:srgbClr val="000000"/>
-              </a:solidFill>
-              <a:uFill>
-                <a:solidFill>
-                  <a:srgbClr val="ffffff"/>
-                </a:solidFill>
-              </a:uFill>
-              <a:latin typeface="Times New Roman"/>
-            </a:endParaRPr>
-          </a:p>
-        </p:txBody>
-      </p:sp>
-      <p:sp>
-        <p:nvSpPr>
-          <p:cNvPr id="6" name="PlaceHolder 7"/>
-          <p:cNvSpPr>
-            <a:spLocks noGrp="1"/>
-          </p:cNvSpPr>
-          <p:nvPr>
-            <p:ph type="sldNum"/>
-          </p:nvPr>
-        </p:nvSpPr>
-        <p:spPr>
-          <a:xfrm>
-            <a:off x="146160" y="6210360"/>
-            <a:ext cx="456840" cy="456840"/>
-          </a:xfrm>
-          <a:prstGeom prst="rect">
-            <a:avLst/>
-          </a:prstGeom>
-        </p:spPr>
-        <p:txBody>
-          <a:bodyPr lIns="0" rIns="0" tIns="0" bIns="0" anchor="ctr" anchorCtr="1"/>
-          <a:p>
-            <a:pPr algn="ctr">
-              <a:lnSpc>
-                <a:spcPct val="100000"/>
-              </a:lnSpc>
-            </a:pPr>
-            <a:fld id="{AE0EB8B1-1F61-4FC2-B4D1-D15AB9C82E04}" type="slidenum">
-              <a:rPr b="0" lang="en-US" sz="1400" spc="-1" strike="noStrike">
-                <a:solidFill>
-                  <a:srgbClr val="ffffff"/>
-                </a:solidFill>
-                <a:uFill>
-                  <a:solidFill>
-                    <a:srgbClr val="ffffff"/>
-                  </a:solidFill>
-                </a:uFill>
-                <a:latin typeface="Franklin Gothic Book"/>
-              </a:rPr>
-              <a:t>&lt;number&gt;</a:t>
-            </a:fld>
-            <a:endParaRPr b="0" lang="en-US" sz="1400" spc="-1" strike="noStrike">
-              <a:solidFill>
-                <a:srgbClr val="000000"/>
-              </a:solidFill>
-              <a:uFill>
-                <a:solidFill>
-                  <a:srgbClr val="ffffff"/>
-                </a:solidFill>
-              </a:uFill>
-              <a:latin typeface="Times New Roman"/>
-            </a:endParaRPr>
-          </a:p>
-        </p:txBody>
-      </p:sp>
-      <p:sp>
-        <p:nvSpPr>
-          <p:cNvPr id="7" name="CustomShape 8"/>
+          <p:cNvPr id="4" name="CustomShape 5"/>
           <p:cNvSpPr/>
           <p:nvPr/>
         </p:nvSpPr>
         <p:spPr>
           <a:xfrm>
             <a:off x="63000" y="1449360"/>
-            <a:ext cx="9021240" cy="1527120"/>
+            <a:ext cx="9020880" cy="1526760"/>
           </a:xfrm>
           <a:prstGeom prst="rect">
             <a:avLst/>
@@ -4784,14 +4668,14 @@
       </p:sp>
       <p:sp>
         <p:nvSpPr>
-          <p:cNvPr id="8" name="CustomShape 9"/>
+          <p:cNvPr id="5" name="CustomShape 6"/>
           <p:cNvSpPr/>
           <p:nvPr/>
         </p:nvSpPr>
         <p:spPr>
           <a:xfrm>
             <a:off x="63000" y="1396800"/>
-            <a:ext cx="9021240" cy="120240"/>
+            <a:ext cx="9020880" cy="119880"/>
           </a:xfrm>
           <a:prstGeom prst="rect">
             <a:avLst/>
@@ -4827,14 +4711,14 @@
       </p:sp>
       <p:sp>
         <p:nvSpPr>
-          <p:cNvPr id="9" name="CustomShape 10"/>
+          <p:cNvPr id="6" name="CustomShape 7"/>
           <p:cNvSpPr/>
           <p:nvPr/>
         </p:nvSpPr>
         <p:spPr>
           <a:xfrm>
             <a:off x="63000" y="2976480"/>
-            <a:ext cx="9021240" cy="110160"/>
+            <a:ext cx="9020880" cy="109800"/>
           </a:xfrm>
           <a:prstGeom prst="rect">
             <a:avLst/>
@@ -4868,7 +4752,7 @@
       </p:sp>
       <p:sp>
         <p:nvSpPr>
-          <p:cNvPr id="10" name="PlaceHolder 11"/>
+          <p:cNvPr id="7" name="PlaceHolder 8"/>
           <p:cNvSpPr>
             <a:spLocks noGrp="1"/>
           </p:cNvSpPr>
@@ -4878,52 +4762,34 @@
         </p:nvSpPr>
         <p:spPr>
           <a:xfrm>
-            <a:off x="457200" y="1505880"/>
-            <a:ext cx="8229240" cy="1469520"/>
-          </a:xfrm>
-          <a:prstGeom prst="rect">
-            <a:avLst/>
-          </a:prstGeom>
-        </p:spPr>
-        <p:txBody>
-          <a:bodyPr lIns="90000" rIns="90000" tIns="45000" bIns="91440" anchor="ctr"/>
-          <a:p>
-            <a:pPr algn="ctr">
-              <a:lnSpc>
-                <a:spcPct val="100000"/>
-              </a:lnSpc>
-            </a:pPr>
-            <a:r>
-              <a:rPr b="0" lang="en-US" sz="4000" spc="-1" strike="noStrike">
-                <a:solidFill>
-                  <a:srgbClr val="ffffff"/>
-                </a:solidFill>
-                <a:uFill>
-                  <a:solidFill>
-                    <a:srgbClr val="ffffff"/>
-                  </a:solidFill>
-                </a:uFill>
-                <a:latin typeface="Franklin Gothic Book"/>
-              </a:rPr>
-              <a:t>Click to edit Master title style</a:t>
-            </a:r>
-            <a:endParaRPr b="0" lang="en-US" sz="1800" spc="-1" strike="noStrike">
-              <a:solidFill>
-                <a:srgbClr val="000000"/>
-              </a:solidFill>
-              <a:uFill>
-                <a:solidFill>
-                  <a:srgbClr val="ffffff"/>
-                </a:solidFill>
-              </a:uFill>
-              <a:latin typeface="Perpetua"/>
-            </a:endParaRPr>
-          </a:p>
-        </p:txBody>
-      </p:sp>
-      <p:sp>
-        <p:nvSpPr>
-          <p:cNvPr id="11" name="PlaceHolder 12"/>
+            <a:off x="457200" y="273600"/>
+            <a:ext cx="8228880" cy="1144440"/>
+          </a:xfrm>
+          <a:prstGeom prst="rect">
+            <a:avLst/>
+          </a:prstGeom>
+        </p:spPr>
+        <p:txBody>
+          <a:bodyPr lIns="0" rIns="0" tIns="0" bIns="0" anchor="ctr"/>
+          <a:p>
+            <a:pPr algn="ctr"/>
+            <a:endParaRPr b="0" lang="en-US" sz="4400" spc="-1" strike="noStrike">
+              <a:solidFill>
+                <a:srgbClr val="000000"/>
+              </a:solidFill>
+              <a:uFill>
+                <a:solidFill>
+                  <a:srgbClr val="ffffff"/>
+                </a:solidFill>
+              </a:uFill>
+              <a:latin typeface="Arial"/>
+            </a:endParaRPr>
+          </a:p>
+        </p:txBody>
+      </p:sp>
+      <p:sp>
+        <p:nvSpPr>
+          <p:cNvPr id="8" name="PlaceHolder 9"/>
           <p:cNvSpPr>
             <a:spLocks noGrp="1"/>
           </p:cNvSpPr>
@@ -4952,7 +4818,7 @@
               <a:buChar char=""/>
             </a:pPr>
             <a:r>
-              <a:rPr b="0" lang="en-US" sz="2600" spc="-1" strike="noStrike">
+              <a:rPr b="0" lang="en-US" sz="3200" spc="-1" strike="noStrike">
                 <a:solidFill>
                   <a:srgbClr val="000000"/>
                 </a:solidFill>
@@ -4961,24 +4827,94 @@
                     <a:srgbClr val="ffffff"/>
                   </a:solidFill>
                 </a:uFill>
-                <a:latin typeface="Perpetua"/>
+                <a:latin typeface="Arial"/>
               </a:rPr>
               <a:t>Click to edit the outline text format</a:t>
             </a:r>
-            <a:endParaRPr b="0" lang="en-US" sz="2600" spc="-1" strike="noStrike">
-              <a:solidFill>
-                <a:srgbClr val="000000"/>
-              </a:solidFill>
-              <a:uFill>
-                <a:solidFill>
-                  <a:srgbClr val="ffffff"/>
-                </a:solidFill>
-              </a:uFill>
-              <a:latin typeface="Perpetua"/>
+            <a:endParaRPr b="0" lang="en-US" sz="3200" spc="-1" strike="noStrike">
+              <a:solidFill>
+                <a:srgbClr val="000000"/>
+              </a:solidFill>
+              <a:uFill>
+                <a:solidFill>
+                  <a:srgbClr val="ffffff"/>
+                </a:solidFill>
+              </a:uFill>
+              <a:latin typeface="Arial"/>
             </a:endParaRPr>
           </a:p>
           <a:p>
             <a:pPr lvl="1" marL="864000" indent="-324000">
+              <a:buClr>
+                <a:srgbClr val="000000"/>
+              </a:buClr>
+              <a:buSzPct val="75000"/>
+              <a:buFont typeface="Symbol" charset="2"/>
+              <a:buChar char=""/>
+            </a:pPr>
+            <a:r>
+              <a:rPr b="0" lang="en-US" sz="2800" spc="-1" strike="noStrike">
+                <a:solidFill>
+                  <a:srgbClr val="000000"/>
+                </a:solidFill>
+                <a:uFill>
+                  <a:solidFill>
+                    <a:srgbClr val="ffffff"/>
+                  </a:solidFill>
+                </a:uFill>
+                <a:latin typeface="Arial"/>
+              </a:rPr>
+              <a:t>Second Outline Level</a:t>
+            </a:r>
+            <a:endParaRPr b="0" lang="en-US" sz="2800" spc="-1" strike="noStrike">
+              <a:solidFill>
+                <a:srgbClr val="000000"/>
+              </a:solidFill>
+              <a:uFill>
+                <a:solidFill>
+                  <a:srgbClr val="ffffff"/>
+                </a:solidFill>
+              </a:uFill>
+              <a:latin typeface="Arial"/>
+            </a:endParaRPr>
+          </a:p>
+          <a:p>
+            <a:pPr lvl="2" marL="1296000" indent="-288000">
+              <a:buClr>
+                <a:srgbClr val="000000"/>
+              </a:buClr>
+              <a:buSzPct val="45000"/>
+              <a:buFont typeface="Wingdings" charset="2"/>
+              <a:buChar char=""/>
+            </a:pPr>
+            <a:r>
+              <a:rPr b="0" lang="en-US" sz="2400" spc="-1" strike="noStrike">
+                <a:solidFill>
+                  <a:srgbClr val="000000"/>
+                </a:solidFill>
+                <a:uFill>
+                  <a:solidFill>
+                    <a:srgbClr val="ffffff"/>
+                  </a:solidFill>
+                </a:uFill>
+                <a:latin typeface="Arial"/>
+              </a:rPr>
+              <a:t>Third Outline Level</a:t>
+            </a:r>
+            <a:endParaRPr b="0" lang="en-US" sz="2400" spc="-1" strike="noStrike">
+              <a:solidFill>
+                <a:srgbClr val="000000"/>
+              </a:solidFill>
+              <a:uFill>
+                <a:solidFill>
+                  <a:srgbClr val="ffffff"/>
+                </a:solidFill>
+              </a:uFill>
+              <a:latin typeface="Arial"/>
+            </a:endParaRPr>
+          </a:p>
+          <a:p>
+            <a:pPr lvl="3" marL="1728000" indent="-216000">
               <a:buClr>
                 <a:srgbClr val="000000"/>
               </a:buClr>
@@ -4996,9 +4932,9 @@
                     <a:srgbClr val="ffffff"/>
                   </a:solidFill>
                 </a:uFill>
-                <a:latin typeface="Perpetua"/>
+                <a:latin typeface="Arial"/>
               </a:rPr>
-              <a:t>Second Outline Level</a:t>
+              <a:t>Fourth Outline Level</a:t>
             </a:r>
             <a:endParaRPr b="0" lang="en-US" sz="2000" spc="-1" strike="noStrike">
               <a:solidFill>
@@ -5009,11 +4945,11 @@
                   <a:srgbClr val="ffffff"/>
                 </a:solidFill>
               </a:uFill>
-              <a:latin typeface="Perpetua"/>
-            </a:endParaRPr>
-          </a:p>
-          <a:p>
-            <a:pPr lvl="2" marL="1296000" indent="-288000">
+              <a:latin typeface="Arial"/>
+            </a:endParaRPr>
+          </a:p>
+          <a:p>
+            <a:pPr lvl="4" marL="2160000" indent="-216000">
               <a:buClr>
                 <a:srgbClr val="000000"/>
               </a:buClr>
@@ -5031,9 +4967,9 @@
                     <a:srgbClr val="ffffff"/>
                   </a:solidFill>
                 </a:uFill>
-                <a:latin typeface="Perpetua"/>
+                <a:latin typeface="Arial"/>
               </a:rPr>
-              <a:t>Third Outline Level</a:t>
+              <a:t>Fifth Outline Level</a:t>
             </a:r>
             <a:endParaRPr b="0" lang="en-US" sz="2000" spc="-1" strike="noStrike">
               <a:solidFill>
@@ -5044,46 +4980,11 @@
                   <a:srgbClr val="ffffff"/>
                 </a:solidFill>
               </a:uFill>
-              <a:latin typeface="Perpetua"/>
-            </a:endParaRPr>
-          </a:p>
-          <a:p>
-            <a:pPr lvl="3" marL="1728000" indent="-216000">
-              <a:buClr>
-                <a:srgbClr val="000000"/>
-              </a:buClr>
-              <a:buSzPct val="75000"/>
-              <a:buFont typeface="Symbol" charset="2"/>
-              <a:buChar char=""/>
-            </a:pPr>
-            <a:r>
-              <a:rPr b="0" lang="en-US" sz="2000" spc="-1" strike="noStrike">
-                <a:solidFill>
-                  <a:srgbClr val="000000"/>
-                </a:solidFill>
-                <a:uFill>
-                  <a:solidFill>
-                    <a:srgbClr val="ffffff"/>
-                  </a:solidFill>
-                </a:uFill>
-                <a:latin typeface="Perpetua"/>
-              </a:rPr>
-              <a:t>Fourth Outline Level</a:t>
-            </a:r>
-            <a:endParaRPr b="0" lang="en-US" sz="2000" spc="-1" strike="noStrike">
-              <a:solidFill>
-                <a:srgbClr val="000000"/>
-              </a:solidFill>
-              <a:uFill>
-                <a:solidFill>
-                  <a:srgbClr val="ffffff"/>
-                </a:solidFill>
-              </a:uFill>
-              <a:latin typeface="Perpetua"/>
-            </a:endParaRPr>
-          </a:p>
-          <a:p>
-            <a:pPr lvl="4" marL="2160000" indent="-216000">
+              <a:latin typeface="Arial"/>
+            </a:endParaRPr>
+          </a:p>
+          <a:p>
+            <a:pPr lvl="5" marL="2592000" indent="-216000">
               <a:buClr>
                 <a:srgbClr val="000000"/>
               </a:buClr>
@@ -5101,9 +5002,9 @@
                     <a:srgbClr val="ffffff"/>
                   </a:solidFill>
                 </a:uFill>
-                <a:latin typeface="Perpetua"/>
+                <a:latin typeface="Arial"/>
               </a:rPr>
-              <a:t>Fifth Outline Level</a:t>
+              <a:t>Sixth Outline Level</a:t>
             </a:r>
             <a:endParaRPr b="0" lang="en-US" sz="2000" spc="-1" strike="noStrike">
               <a:solidFill>
@@ -5114,11 +5015,11 @@
                   <a:srgbClr val="ffffff"/>
                 </a:solidFill>
               </a:uFill>
-              <a:latin typeface="Perpetua"/>
-            </a:endParaRPr>
-          </a:p>
-          <a:p>
-            <a:pPr lvl="5" marL="2592000" indent="-216000">
+              <a:latin typeface="Arial"/>
+            </a:endParaRPr>
+          </a:p>
+          <a:p>
+            <a:pPr lvl="6" marL="3024000" indent="-216000">
               <a:buClr>
                 <a:srgbClr val="000000"/>
               </a:buClr>
@@ -5136,42 +5037,7 @@
                     <a:srgbClr val="ffffff"/>
                   </a:solidFill>
                 </a:uFill>
-                <a:latin typeface="Perpetua"/>
-              </a:rPr>
-              <a:t>Sixth Outline Level</a:t>
-            </a:r>
-            <a:endParaRPr b="0" lang="en-US" sz="2000" spc="-1" strike="noStrike">
-              <a:solidFill>
-                <a:srgbClr val="000000"/>
-              </a:solidFill>
-              <a:uFill>
-                <a:solidFill>
-                  <a:srgbClr val="ffffff"/>
-                </a:solidFill>
-              </a:uFill>
-              <a:latin typeface="Perpetua"/>
-            </a:endParaRPr>
-          </a:p>
-          <a:p>
-            <a:pPr lvl="6" marL="3024000" indent="-216000">
-              <a:buClr>
-                <a:srgbClr val="000000"/>
-              </a:buClr>
-              <a:buSzPct val="45000"/>
-              <a:buFont typeface="Wingdings" charset="2"/>
-              <a:buChar char=""/>
-            </a:pPr>
-            <a:r>
-              <a:rPr b="0" lang="en-US" sz="2000" spc="-1" strike="noStrike">
-                <a:solidFill>
-                  <a:srgbClr val="000000"/>
-                </a:solidFill>
-                <a:uFill>
-                  <a:solidFill>
-                    <a:srgbClr val="ffffff"/>
-                  </a:solidFill>
-                </a:uFill>
-                <a:latin typeface="Perpetua"/>
+                <a:latin typeface="Arial"/>
               </a:rPr>
               <a:t>Seventh Outline Level</a:t>
             </a:r>
@@ -5184,7 +5050,7 @@
                   <a:srgbClr val="ffffff"/>
                 </a:solidFill>
               </a:uFill>
-              <a:latin typeface="Perpetua"/>
+              <a:latin typeface="Arial"/>
             </a:endParaRPr>
           </a:p>
         </p:txBody>
@@ -5235,14 +5101,14 @@
       </p:grpSpPr>
       <p:sp>
         <p:nvSpPr>
-          <p:cNvPr id="46" name="CustomShape 1"/>
+          <p:cNvPr id="43" name="CustomShape 1"/>
           <p:cNvSpPr/>
           <p:nvPr/>
         </p:nvSpPr>
         <p:spPr>
           <a:xfrm>
             <a:off x="0" y="0"/>
-            <a:ext cx="9143640" cy="6857640"/>
+            <a:ext cx="9143280" cy="6857280"/>
           </a:xfrm>
           <a:prstGeom prst="rect">
             <a:avLst/>
@@ -5269,14 +5135,14 @@
       </p:sp>
       <p:sp>
         <p:nvSpPr>
-          <p:cNvPr id="47" name="CustomShape 2"/>
+          <p:cNvPr id="44" name="CustomShape 2"/>
           <p:cNvSpPr/>
           <p:nvPr/>
         </p:nvSpPr>
         <p:spPr>
           <a:xfrm>
             <a:off x="64080" y="69840"/>
-            <a:ext cx="9012960" cy="6693120"/>
+            <a:ext cx="9012600" cy="6692760"/>
           </a:xfrm>
           <a:prstGeom prst="roundRect">
             <a:avLst>
@@ -5314,7 +5180,7 @@
       </p:sp>
       <p:sp>
         <p:nvSpPr>
-          <p:cNvPr id="48" name="PlaceHolder 3"/>
+          <p:cNvPr id="45" name="PlaceHolder 3"/>
           <p:cNvSpPr>
             <a:spLocks noGrp="1"/>
           </p:cNvSpPr>
@@ -5324,198 +5190,48 @@
         </p:nvSpPr>
         <p:spPr>
           <a:xfrm>
-            <a:off x="914400" y="274680"/>
-            <a:ext cx="7772040" cy="1142640"/>
-          </a:xfrm>
-          <a:prstGeom prst="rect">
-            <a:avLst/>
-          </a:prstGeom>
-        </p:spPr>
-        <p:txBody>
-          <a:bodyPr lIns="90000" rIns="90000" tIns="45000" bIns="91440" anchor="b"/>
-          <a:p>
-            <a:pPr>
-              <a:lnSpc>
-                <a:spcPct val="100000"/>
-              </a:lnSpc>
-            </a:pPr>
+            <a:off x="457200" y="273600"/>
+            <a:ext cx="8229240" cy="1144800"/>
+          </a:xfrm>
+          <a:prstGeom prst="rect">
+            <a:avLst/>
+          </a:prstGeom>
+        </p:spPr>
+        <p:txBody>
+          <a:bodyPr lIns="0" rIns="0" tIns="0" bIns="0" anchor="ctr"/>
+          <a:p>
+            <a:pPr algn="ctr"/>
             <a:r>
-              <a:rPr b="0" lang="en-US" sz="4000" spc="-1" strike="noStrike">
-                <a:solidFill>
-                  <a:srgbClr val="696464"/>
+              <a:rPr b="0" lang="en-US" sz="4400" spc="-1" strike="noStrike">
+                <a:solidFill>
+                  <a:srgbClr val="000000"/>
                 </a:solidFill>
                 <a:uFill>
                   <a:solidFill>
                     <a:srgbClr val="ffffff"/>
                   </a:solidFill>
                 </a:uFill>
-                <a:latin typeface="Franklin Gothic Book"/>
+                <a:latin typeface="Arial"/>
               </a:rPr>
-              <a:t>Click to edit Master title style</a:t>
+              <a:t>Click to edit the title text format</a:t>
             </a:r>
-            <a:endParaRPr b="0" lang="en-US" sz="1800" spc="-1" strike="noStrike">
-              <a:solidFill>
-                <a:srgbClr val="000000"/>
-              </a:solidFill>
-              <a:uFill>
-                <a:solidFill>
-                  <a:srgbClr val="ffffff"/>
-                </a:solidFill>
-              </a:uFill>
-              <a:latin typeface="Perpetua"/>
-            </a:endParaRPr>
-          </a:p>
-        </p:txBody>
-      </p:sp>
-      <p:sp>
-        <p:nvSpPr>
-          <p:cNvPr id="49" name="PlaceHolder 4"/>
-          <p:cNvSpPr>
-            <a:spLocks noGrp="1"/>
-          </p:cNvSpPr>
-          <p:nvPr>
-            <p:ph type="dt"/>
-          </p:nvPr>
-        </p:nvSpPr>
-        <p:spPr>
-          <a:xfrm>
-            <a:off x="6172200" y="6191280"/>
-            <a:ext cx="2476080" cy="475920"/>
-          </a:xfrm>
-          <a:prstGeom prst="rect">
-            <a:avLst/>
-          </a:prstGeom>
-        </p:spPr>
-        <p:txBody>
-          <a:bodyPr lIns="90000" rIns="90000" tIns="45000" bIns="45000" anchor="ctr"/>
-          <a:p>
-            <a:pPr algn="r">
-              <a:lnSpc>
-                <a:spcPct val="100000"/>
-              </a:lnSpc>
-            </a:pPr>
-            <a:r>
-              <a:rPr b="0" lang="en-US" sz="1400" spc="-1" strike="noStrike">
-                <a:solidFill>
-                  <a:srgbClr val="696464"/>
-                </a:solidFill>
-                <a:uFill>
-                  <a:solidFill>
-                    <a:srgbClr val="ffffff"/>
-                  </a:solidFill>
-                </a:uFill>
-                <a:latin typeface="Perpetua"/>
-              </a:rPr>
-              <a:t>3/17/19</a:t>
-            </a:r>
-            <a:endParaRPr b="0" lang="en-US" sz="1400" spc="-1" strike="noStrike">
-              <a:solidFill>
-                <a:srgbClr val="000000"/>
-              </a:solidFill>
-              <a:uFill>
-                <a:solidFill>
-                  <a:srgbClr val="ffffff"/>
-                </a:solidFill>
-              </a:uFill>
-              <a:latin typeface="Times New Roman"/>
-            </a:endParaRPr>
-          </a:p>
-        </p:txBody>
-      </p:sp>
-      <p:sp>
-        <p:nvSpPr>
-          <p:cNvPr id="50" name="PlaceHolder 5"/>
-          <p:cNvSpPr>
-            <a:spLocks noGrp="1"/>
-          </p:cNvSpPr>
-          <p:nvPr>
-            <p:ph type="ftr"/>
-          </p:nvPr>
-        </p:nvSpPr>
-        <p:spPr>
-          <a:xfrm>
-            <a:off x="914400" y="6172200"/>
-            <a:ext cx="3962160" cy="456840"/>
-          </a:xfrm>
-          <a:prstGeom prst="rect">
-            <a:avLst/>
-          </a:prstGeom>
-        </p:spPr>
-        <p:txBody>
-          <a:bodyPr lIns="90000" rIns="90000" tIns="45000" bIns="45000" anchor="ctr"/>
-          <a:p>
-            <a:endParaRPr b="0" lang="en-US" sz="2400" spc="-1" strike="noStrike">
-              <a:solidFill>
-                <a:srgbClr val="000000"/>
-              </a:solidFill>
-              <a:uFill>
-                <a:solidFill>
-                  <a:srgbClr val="ffffff"/>
-                </a:solidFill>
-              </a:uFill>
-              <a:latin typeface="Times New Roman"/>
-            </a:endParaRPr>
-          </a:p>
-        </p:txBody>
-      </p:sp>
-      <p:sp>
-        <p:nvSpPr>
-          <p:cNvPr id="51" name="PlaceHolder 6"/>
-          <p:cNvSpPr>
-            <a:spLocks noGrp="1"/>
-          </p:cNvSpPr>
-          <p:nvPr>
-            <p:ph type="sldNum"/>
-          </p:nvPr>
-        </p:nvSpPr>
-        <p:spPr>
-          <a:xfrm>
-            <a:off x="146160" y="6210360"/>
-            <a:ext cx="456840" cy="456840"/>
-          </a:xfrm>
-          <a:prstGeom prst="rect">
-            <a:avLst/>
-          </a:prstGeom>
-        </p:spPr>
-        <p:txBody>
-          <a:bodyPr lIns="0" rIns="0" tIns="0" bIns="0" anchor="ctr" anchorCtr="1"/>
-          <a:p>
-            <a:pPr algn="ctr">
-              <a:lnSpc>
-                <a:spcPct val="100000"/>
-              </a:lnSpc>
-            </a:pPr>
-            <a:fld id="{72BE0F2B-1771-416D-8FCB-49949C7CD133}" type="slidenum">
-              <a:rPr b="0" lang="en-US" sz="1400" spc="-1" strike="noStrike">
-                <a:solidFill>
-                  <a:srgbClr val="ffffff"/>
-                </a:solidFill>
-                <a:uFill>
-                  <a:solidFill>
-                    <a:srgbClr val="ffffff"/>
-                  </a:solidFill>
-                </a:uFill>
-                <a:latin typeface="Franklin Gothic Book"/>
-              </a:rPr>
-              <a:t>&lt;number&gt;</a:t>
-            </a:fld>
-            <a:endParaRPr b="0" lang="en-US" sz="1400" spc="-1" strike="noStrike">
-              <a:solidFill>
-                <a:srgbClr val="000000"/>
-              </a:solidFill>
-              <a:uFill>
-                <a:solidFill>
-                  <a:srgbClr val="ffffff"/>
-                </a:solidFill>
-              </a:uFill>
-              <a:latin typeface="Times New Roman"/>
-            </a:endParaRPr>
-          </a:p>
-        </p:txBody>
-      </p:sp>
-      <p:sp>
-        <p:nvSpPr>
-          <p:cNvPr id="52" name="PlaceHolder 7"/>
+            <a:endParaRPr b="0" lang="en-US" sz="4400" spc="-1" strike="noStrike">
+              <a:solidFill>
+                <a:srgbClr val="000000"/>
+              </a:solidFill>
+              <a:uFill>
+                <a:solidFill>
+                  <a:srgbClr val="ffffff"/>
+                </a:solidFill>
+              </a:uFill>
+              <a:latin typeface="Arial"/>
+            </a:endParaRPr>
+          </a:p>
+        </p:txBody>
+      </p:sp>
+      <p:sp>
+        <p:nvSpPr>
+          <p:cNvPr id="46" name="PlaceHolder 4"/>
           <p:cNvSpPr>
             <a:spLocks noGrp="1"/>
           </p:cNvSpPr>
@@ -5525,15 +5241,15 @@
         </p:nvSpPr>
         <p:spPr>
           <a:xfrm>
-            <a:off x="914400" y="1447920"/>
-            <a:ext cx="7772040" cy="4571640"/>
-          </a:xfrm>
-          <a:prstGeom prst="rect">
-            <a:avLst/>
-          </a:prstGeom>
-        </p:spPr>
-        <p:txBody>
-          <a:bodyPr lIns="90000" rIns="90000" tIns="45000" bIns="45000"/>
+            <a:off x="457200" y="1604520"/>
+            <a:ext cx="8229240" cy="3977280"/>
+          </a:xfrm>
+          <a:prstGeom prst="rect">
+            <a:avLst/>
+          </a:prstGeom>
+        </p:spPr>
+        <p:txBody>
+          <a:bodyPr lIns="0" rIns="0" tIns="0" bIns="0"/>
           <a:p>
             <a:pPr marL="432000" indent="-324000">
               <a:buClr>
@@ -5544,7 +5260,7 @@
               <a:buChar char=""/>
             </a:pPr>
             <a:r>
-              <a:rPr b="0" lang="en-US" sz="2600" spc="-1" strike="noStrike">
+              <a:rPr b="0" lang="en-US" sz="3200" spc="-1" strike="noStrike">
                 <a:solidFill>
                   <a:srgbClr val="000000"/>
                 </a:solidFill>
@@ -5553,20 +5269,20 @@
                     <a:srgbClr val="ffffff"/>
                   </a:solidFill>
                 </a:uFill>
-                <a:latin typeface="Perpetua"/>
+                <a:latin typeface="Arial"/>
               </a:rPr>
               <a:t>Click to edit the outline text format</a:t>
             </a:r>
-            <a:endParaRPr b="0" lang="en-US" sz="2600" spc="-1" strike="noStrike">
-              <a:solidFill>
-                <a:srgbClr val="000000"/>
-              </a:solidFill>
-              <a:uFill>
-                <a:solidFill>
-                  <a:srgbClr val="ffffff"/>
-                </a:solidFill>
-              </a:uFill>
-              <a:latin typeface="Perpetua"/>
+            <a:endParaRPr b="0" lang="en-US" sz="3200" spc="-1" strike="noStrike">
+              <a:solidFill>
+                <a:srgbClr val="000000"/>
+              </a:solidFill>
+              <a:uFill>
+                <a:solidFill>
+                  <a:srgbClr val="ffffff"/>
+                </a:solidFill>
+              </a:uFill>
+              <a:latin typeface="Arial"/>
             </a:endParaRPr>
           </a:p>
           <a:p>
@@ -5579,7 +5295,7 @@
               <a:buChar char=""/>
             </a:pPr>
             <a:r>
-              <a:rPr b="0" lang="en-US" sz="2600" spc="-1" strike="noStrike">
+              <a:rPr b="0" lang="en-US" sz="2800" spc="-1" strike="noStrike">
                 <a:solidFill>
                   <a:srgbClr val="000000"/>
                 </a:solidFill>
@@ -5588,20 +5304,20 @@
                     <a:srgbClr val="ffffff"/>
                   </a:solidFill>
                 </a:uFill>
-                <a:latin typeface="Perpetua"/>
+                <a:latin typeface="Arial"/>
               </a:rPr>
               <a:t>Second Outline Level</a:t>
             </a:r>
-            <a:endParaRPr b="0" lang="en-US" sz="2600" spc="-1" strike="noStrike">
-              <a:solidFill>
-                <a:srgbClr val="000000"/>
-              </a:solidFill>
-              <a:uFill>
-                <a:solidFill>
-                  <a:srgbClr val="ffffff"/>
-                </a:solidFill>
-              </a:uFill>
-              <a:latin typeface="Perpetua"/>
+            <a:endParaRPr b="0" lang="en-US" sz="2800" spc="-1" strike="noStrike">
+              <a:solidFill>
+                <a:srgbClr val="000000"/>
+              </a:solidFill>
+              <a:uFill>
+                <a:solidFill>
+                  <a:srgbClr val="ffffff"/>
+                </a:solidFill>
+              </a:uFill>
+              <a:latin typeface="Arial"/>
             </a:endParaRPr>
           </a:p>
           <a:p>
@@ -5614,7 +5330,7 @@
               <a:buChar char=""/>
             </a:pPr>
             <a:r>
-              <a:rPr b="0" lang="en-US" sz="2600" spc="-1" strike="noStrike">
+              <a:rPr b="0" lang="en-US" sz="2400" spc="-1" strike="noStrike">
                 <a:solidFill>
                   <a:srgbClr val="000000"/>
                 </a:solidFill>
@@ -5623,20 +5339,20 @@
                     <a:srgbClr val="ffffff"/>
                   </a:solidFill>
                 </a:uFill>
-                <a:latin typeface="Perpetua"/>
+                <a:latin typeface="Arial"/>
               </a:rPr>
               <a:t>Third Outline Level</a:t>
             </a:r>
-            <a:endParaRPr b="0" lang="en-US" sz="2600" spc="-1" strike="noStrike">
-              <a:solidFill>
-                <a:srgbClr val="000000"/>
-              </a:solidFill>
-              <a:uFill>
-                <a:solidFill>
-                  <a:srgbClr val="ffffff"/>
-                </a:solidFill>
-              </a:uFill>
-              <a:latin typeface="Perpetua"/>
+            <a:endParaRPr b="0" lang="en-US" sz="2400" spc="-1" strike="noStrike">
+              <a:solidFill>
+                <a:srgbClr val="000000"/>
+              </a:solidFill>
+              <a:uFill>
+                <a:solidFill>
+                  <a:srgbClr val="ffffff"/>
+                </a:solidFill>
+              </a:uFill>
+              <a:latin typeface="Arial"/>
             </a:endParaRPr>
           </a:p>
           <a:p>
@@ -5649,7 +5365,7 @@
               <a:buChar char=""/>
             </a:pPr>
             <a:r>
-              <a:rPr b="0" lang="en-US" sz="2600" spc="-1" strike="noStrike">
+              <a:rPr b="0" lang="en-US" sz="2000" spc="-1" strike="noStrike">
                 <a:solidFill>
                   <a:srgbClr val="000000"/>
                 </a:solidFill>
@@ -5658,20 +5374,20 @@
                     <a:srgbClr val="ffffff"/>
                   </a:solidFill>
                 </a:uFill>
-                <a:latin typeface="Perpetua"/>
+                <a:latin typeface="Arial"/>
               </a:rPr>
               <a:t>Fourth Outline Level</a:t>
             </a:r>
-            <a:endParaRPr b="0" lang="en-US" sz="2600" spc="-1" strike="noStrike">
-              <a:solidFill>
-                <a:srgbClr val="000000"/>
-              </a:solidFill>
-              <a:uFill>
-                <a:solidFill>
-                  <a:srgbClr val="ffffff"/>
-                </a:solidFill>
-              </a:uFill>
-              <a:latin typeface="Perpetua"/>
+            <a:endParaRPr b="0" lang="en-US" sz="2000" spc="-1" strike="noStrike">
+              <a:solidFill>
+                <a:srgbClr val="000000"/>
+              </a:solidFill>
+              <a:uFill>
+                <a:solidFill>
+                  <a:srgbClr val="ffffff"/>
+                </a:solidFill>
+              </a:uFill>
+              <a:latin typeface="Arial"/>
             </a:endParaRPr>
           </a:p>
           <a:p>
@@ -5684,7 +5400,7 @@
               <a:buChar char=""/>
             </a:pPr>
             <a:r>
-              <a:rPr b="0" lang="en-US" sz="2600" spc="-1" strike="noStrike">
+              <a:rPr b="0" lang="en-US" sz="2000" spc="-1" strike="noStrike">
                 <a:solidFill>
                   <a:srgbClr val="000000"/>
                 </a:solidFill>
@@ -5693,20 +5409,20 @@
                     <a:srgbClr val="ffffff"/>
                   </a:solidFill>
                 </a:uFill>
-                <a:latin typeface="Perpetua"/>
+                <a:latin typeface="Arial"/>
               </a:rPr>
               <a:t>Fifth Outline Level</a:t>
             </a:r>
-            <a:endParaRPr b="0" lang="en-US" sz="2600" spc="-1" strike="noStrike">
-              <a:solidFill>
-                <a:srgbClr val="000000"/>
-              </a:solidFill>
-              <a:uFill>
-                <a:solidFill>
-                  <a:srgbClr val="ffffff"/>
-                </a:solidFill>
-              </a:uFill>
-              <a:latin typeface="Perpetua"/>
+            <a:endParaRPr b="0" lang="en-US" sz="2000" spc="-1" strike="noStrike">
+              <a:solidFill>
+                <a:srgbClr val="000000"/>
+              </a:solidFill>
+              <a:uFill>
+                <a:solidFill>
+                  <a:srgbClr val="ffffff"/>
+                </a:solidFill>
+              </a:uFill>
+              <a:latin typeface="Arial"/>
             </a:endParaRPr>
           </a:p>
           <a:p>
@@ -5719,7 +5435,7 @@
               <a:buChar char=""/>
             </a:pPr>
             <a:r>
-              <a:rPr b="0" lang="en-US" sz="2600" spc="-1" strike="noStrike">
+              <a:rPr b="0" lang="en-US" sz="2000" spc="-1" strike="noStrike">
                 <a:solidFill>
                   <a:srgbClr val="000000"/>
                 </a:solidFill>
@@ -5728,36 +5444,33 @@
                     <a:srgbClr val="ffffff"/>
                   </a:solidFill>
                 </a:uFill>
-                <a:latin typeface="Perpetua"/>
+                <a:latin typeface="Arial"/>
               </a:rPr>
               <a:t>Sixth Outline Level</a:t>
             </a:r>
-            <a:endParaRPr b="0" lang="en-US" sz="2600" spc="-1" strike="noStrike">
-              <a:solidFill>
-                <a:srgbClr val="000000"/>
-              </a:solidFill>
-              <a:uFill>
-                <a:solidFill>
-                  <a:srgbClr val="ffffff"/>
-                </a:solidFill>
-              </a:uFill>
-              <a:latin typeface="Perpetua"/>
-            </a:endParaRPr>
-          </a:p>
-          <a:p>
-            <a:pPr marL="274320" indent="-273960">
-              <a:lnSpc>
-                <a:spcPct val="100000"/>
-              </a:lnSpc>
+            <a:endParaRPr b="0" lang="en-US" sz="2000" spc="-1" strike="noStrike">
+              <a:solidFill>
+                <a:srgbClr val="000000"/>
+              </a:solidFill>
+              <a:uFill>
+                <a:solidFill>
+                  <a:srgbClr val="ffffff"/>
+                </a:solidFill>
+              </a:uFill>
+              <a:latin typeface="Arial"/>
+            </a:endParaRPr>
+          </a:p>
+          <a:p>
+            <a:pPr lvl="6" marL="3024000" indent="-216000">
               <a:buClr>
-                <a:srgbClr val="d34817"/>
+                <a:srgbClr val="000000"/>
               </a:buClr>
-              <a:buSzPct val="85000"/>
-              <a:buFont typeface="Wingdings 2" charset="2"/>
-              <a:buChar char=""/>
+              <a:buSzPct val="45000"/>
+              <a:buFont typeface="Wingdings" charset="2"/>
+              <a:buChar char=""/>
             </a:pPr>
             <a:r>
-              <a:rPr b="0" lang="en-US" sz="2600" spc="-1" strike="noStrike">
+              <a:rPr b="0" lang="en-US" sz="2000" spc="-1" strike="noStrike">
                 <a:solidFill>
                   <a:srgbClr val="000000"/>
                 </a:solidFill>
@@ -5766,171 +5479,20 @@
                     <a:srgbClr val="ffffff"/>
                   </a:solidFill>
                 </a:uFill>
-                <a:latin typeface="Perpetua"/>
+                <a:latin typeface="Arial"/>
               </a:rPr>
-              <a:t>Seventh Outline LevelClick to edit Master text styles</a:t>
+              <a:t>Seventh Outline Level</a:t>
             </a:r>
-            <a:endParaRPr b="0" lang="en-US" sz="2600" spc="-1" strike="noStrike">
-              <a:solidFill>
-                <a:srgbClr val="000000"/>
-              </a:solidFill>
-              <a:uFill>
-                <a:solidFill>
-                  <a:srgbClr val="ffffff"/>
-                </a:solidFill>
-              </a:uFill>
-              <a:latin typeface="Perpetua"/>
-            </a:endParaRPr>
-          </a:p>
-          <a:p>
-            <a:pPr lvl="1" marL="548640" indent="-228240">
-              <a:lnSpc>
-                <a:spcPct val="100000"/>
-              </a:lnSpc>
-              <a:buClr>
-                <a:srgbClr val="9b2d1f"/>
-              </a:buClr>
-              <a:buSzPct val="85000"/>
-              <a:buFont typeface="Wingdings 2" charset="2"/>
-              <a:buChar char=""/>
-            </a:pPr>
-            <a:r>
-              <a:rPr b="0" lang="en-US" sz="2400" spc="-1" strike="noStrike">
-                <a:solidFill>
-                  <a:srgbClr val="000000"/>
-                </a:solidFill>
-                <a:uFill>
-                  <a:solidFill>
-                    <a:srgbClr val="ffffff"/>
-                  </a:solidFill>
-                </a:uFill>
-                <a:latin typeface="Perpetua"/>
-              </a:rPr>
-              <a:t>Second level</a:t>
-            </a:r>
-            <a:endParaRPr b="0" lang="en-US" sz="2600" spc="-1" strike="noStrike">
-              <a:solidFill>
-                <a:srgbClr val="000000"/>
-              </a:solidFill>
-              <a:uFill>
-                <a:solidFill>
-                  <a:srgbClr val="ffffff"/>
-                </a:solidFill>
-              </a:uFill>
-              <a:latin typeface="Perpetua"/>
-            </a:endParaRPr>
-          </a:p>
-          <a:p>
-            <a:pPr lvl="2" marL="822960" indent="-228240">
-              <a:lnSpc>
-                <a:spcPct val="100000"/>
-              </a:lnSpc>
-              <a:buClr>
-                <a:srgbClr val="e5b1ab"/>
-              </a:buClr>
-              <a:buSzPct val="85000"/>
-              <a:buFont typeface="Wingdings 2" charset="2"/>
-              <a:buChar char=""/>
-            </a:pPr>
-            <a:r>
-              <a:rPr b="0" lang="en-US" sz="2000" spc="-1" strike="noStrike">
-                <a:solidFill>
-                  <a:srgbClr val="000000"/>
-                </a:solidFill>
-                <a:uFill>
-                  <a:solidFill>
-                    <a:srgbClr val="ffffff"/>
-                  </a:solidFill>
-                </a:uFill>
-                <a:latin typeface="Perpetua"/>
-              </a:rPr>
-              <a:t>Third level</a:t>
-            </a:r>
-            <a:endParaRPr b="0" lang="en-US" sz="2600" spc="-1" strike="noStrike">
-              <a:solidFill>
-                <a:srgbClr val="000000"/>
-              </a:solidFill>
-              <a:uFill>
-                <a:solidFill>
-                  <a:srgbClr val="ffffff"/>
-                </a:solidFill>
-              </a:uFill>
-              <a:latin typeface="Perpetua"/>
-            </a:endParaRPr>
-          </a:p>
-          <a:p>
-            <a:pPr lvl="3" marL="1097280" indent="-228240">
-              <a:lnSpc>
-                <a:spcPct val="100000"/>
-              </a:lnSpc>
-              <a:buClr>
-                <a:srgbClr val="a28e6a"/>
-              </a:buClr>
-              <a:buSzPct val="80000"/>
-              <a:buFont typeface="Wingdings 2" charset="2"/>
-              <a:buChar char=""/>
-            </a:pPr>
-            <a:r>
-              <a:rPr b="0" lang="en-US" sz="2000" spc="-1" strike="noStrike">
-                <a:solidFill>
-                  <a:srgbClr val="000000"/>
-                </a:solidFill>
-                <a:uFill>
-                  <a:solidFill>
-                    <a:srgbClr val="ffffff"/>
-                  </a:solidFill>
-                </a:uFill>
-                <a:latin typeface="Perpetua"/>
-              </a:rPr>
-              <a:t>Fourth level</a:t>
-            </a:r>
-            <a:endParaRPr b="0" lang="en-US" sz="2600" spc="-1" strike="noStrike">
-              <a:solidFill>
-                <a:srgbClr val="000000"/>
-              </a:solidFill>
-              <a:uFill>
-                <a:solidFill>
-                  <a:srgbClr val="ffffff"/>
-                </a:solidFill>
-              </a:uFill>
-              <a:latin typeface="Perpetua"/>
-            </a:endParaRPr>
-          </a:p>
-          <a:p>
-            <a:pPr lvl="4" marL="1371600" indent="-228240">
-              <a:lnSpc>
-                <a:spcPct val="100000"/>
-              </a:lnSpc>
-              <a:buClr>
-                <a:srgbClr val="a28e6a"/>
-              </a:buClr>
-              <a:buFont typeface="StarSymbol"/>
-              <a:buChar char="o"/>
-            </a:pPr>
-            <a:r>
-              <a:rPr b="0" lang="en-US" sz="2000" spc="-1" strike="noStrike">
-                <a:solidFill>
-                  <a:srgbClr val="000000"/>
-                </a:solidFill>
-                <a:uFill>
-                  <a:solidFill>
-                    <a:srgbClr val="ffffff"/>
-                  </a:solidFill>
-                </a:uFill>
-                <a:latin typeface="Perpetua"/>
-              </a:rPr>
-              <a:t>Fifth level</a:t>
-            </a:r>
-            <a:endParaRPr b="0" lang="en-US" sz="2600" spc="-1" strike="noStrike">
-              <a:solidFill>
-                <a:srgbClr val="000000"/>
-              </a:solidFill>
-              <a:uFill>
-                <a:solidFill>
-                  <a:srgbClr val="ffffff"/>
-                </a:solidFill>
-              </a:uFill>
-              <a:latin typeface="Perpetua"/>
+            <a:endParaRPr b="0" lang="en-US" sz="2000" spc="-1" strike="noStrike">
+              <a:solidFill>
+                <a:srgbClr val="000000"/>
+              </a:solidFill>
+              <a:uFill>
+                <a:solidFill>
+                  <a:srgbClr val="ffffff"/>
+                </a:solidFill>
+              </a:uFill>
+              <a:latin typeface="Arial"/>
             </a:endParaRPr>
           </a:p>
         </p:txBody>
@@ -5981,14 +5543,14 @@
       </p:grpSpPr>
       <p:sp>
         <p:nvSpPr>
-          <p:cNvPr id="87" name="CustomShape 1"/>
+          <p:cNvPr id="81" name="CustomShape 1"/>
           <p:cNvSpPr/>
           <p:nvPr/>
         </p:nvSpPr>
         <p:spPr>
           <a:xfrm>
             <a:off x="0" y="0"/>
-            <a:ext cx="9143640" cy="6857640"/>
+            <a:ext cx="9143280" cy="6857280"/>
           </a:xfrm>
           <a:prstGeom prst="rect">
             <a:avLst/>
@@ -6015,14 +5577,14 @@
       </p:sp>
       <p:sp>
         <p:nvSpPr>
-          <p:cNvPr id="88" name="CustomShape 2"/>
+          <p:cNvPr id="82" name="CustomShape 2"/>
           <p:cNvSpPr/>
           <p:nvPr/>
         </p:nvSpPr>
         <p:spPr>
           <a:xfrm>
             <a:off x="64080" y="69840"/>
-            <a:ext cx="9012960" cy="6693120"/>
+            <a:ext cx="9012600" cy="6692760"/>
           </a:xfrm>
           <a:prstGeom prst="roundRect">
             <a:avLst>
@@ -6060,203 +5622,58 @@
       </p:sp>
       <p:sp>
         <p:nvSpPr>
-          <p:cNvPr id="89" name="PlaceHolder 3"/>
-          <p:cNvSpPr>
-            <a:spLocks noGrp="1"/>
-          </p:cNvSpPr>
-          <p:nvPr>
-            <p:ph type="dt"/>
-          </p:nvPr>
-        </p:nvSpPr>
-        <p:spPr>
-          <a:xfrm>
-            <a:off x="6172200" y="6191280"/>
-            <a:ext cx="2476080" cy="475920"/>
-          </a:xfrm>
-          <a:prstGeom prst="rect">
-            <a:avLst/>
-          </a:prstGeom>
-        </p:spPr>
-        <p:txBody>
-          <a:bodyPr lIns="90000" rIns="90000" tIns="45000" bIns="45000" anchor="ctr"/>
-          <a:p>
-            <a:pPr algn="r">
-              <a:lnSpc>
-                <a:spcPct val="100000"/>
-              </a:lnSpc>
-            </a:pPr>
+          <p:cNvPr id="83" name="PlaceHolder 3"/>
+          <p:cNvSpPr>
+            <a:spLocks noGrp="1"/>
+          </p:cNvSpPr>
+          <p:nvPr>
+            <p:ph type="title"/>
+          </p:nvPr>
+        </p:nvSpPr>
+        <p:spPr>
+          <a:xfrm>
+            <a:off x="457200" y="273600"/>
+            <a:ext cx="8229240" cy="1144800"/>
+          </a:xfrm>
+          <a:prstGeom prst="rect">
+            <a:avLst/>
+          </a:prstGeom>
+        </p:spPr>
+        <p:txBody>
+          <a:bodyPr lIns="0" rIns="0" tIns="0" bIns="0" anchor="ctr"/>
+          <a:p>
+            <a:pPr algn="ctr"/>
             <a:r>
-              <a:rPr b="0" lang="en-US" sz="1400" spc="-1" strike="noStrike">
-                <a:solidFill>
-                  <a:srgbClr val="696464"/>
+              <a:rPr b="0" lang="en-US" sz="4400" spc="-1" strike="noStrike">
+                <a:solidFill>
+                  <a:srgbClr val="000000"/>
                 </a:solidFill>
                 <a:uFill>
                   <a:solidFill>
                     <a:srgbClr val="ffffff"/>
                   </a:solidFill>
                 </a:uFill>
-                <a:latin typeface="Perpetua"/>
-              </a:rPr>
-              <a:t>3/17/19</a:t>
-            </a:r>
-            <a:endParaRPr b="0" lang="en-US" sz="1400" spc="-1" strike="noStrike">
-              <a:solidFill>
-                <a:srgbClr val="000000"/>
-              </a:solidFill>
-              <a:uFill>
-                <a:solidFill>
-                  <a:srgbClr val="ffffff"/>
-                </a:solidFill>
-              </a:uFill>
-              <a:latin typeface="Times New Roman"/>
-            </a:endParaRPr>
-          </a:p>
-        </p:txBody>
-      </p:sp>
-      <p:sp>
-        <p:nvSpPr>
-          <p:cNvPr id="90" name="PlaceHolder 4"/>
-          <p:cNvSpPr>
-            <a:spLocks noGrp="1"/>
-          </p:cNvSpPr>
-          <p:nvPr>
-            <p:ph type="ftr"/>
-          </p:nvPr>
-        </p:nvSpPr>
-        <p:spPr>
-          <a:xfrm>
-            <a:off x="914400" y="6172200"/>
-            <a:ext cx="3962160" cy="456840"/>
-          </a:xfrm>
-          <a:prstGeom prst="rect">
-            <a:avLst/>
-          </a:prstGeom>
-        </p:spPr>
-        <p:txBody>
-          <a:bodyPr lIns="90000" rIns="90000" tIns="45000" bIns="45000" anchor="ctr"/>
-          <a:p>
-            <a:endParaRPr b="0" lang="en-US" sz="2400" spc="-1" strike="noStrike">
-              <a:solidFill>
-                <a:srgbClr val="000000"/>
-              </a:solidFill>
-              <a:uFill>
-                <a:solidFill>
-                  <a:srgbClr val="ffffff"/>
-                </a:solidFill>
-              </a:uFill>
-              <a:latin typeface="Times New Roman"/>
-            </a:endParaRPr>
-          </a:p>
-        </p:txBody>
-      </p:sp>
-      <p:sp>
-        <p:nvSpPr>
-          <p:cNvPr id="91" name="PlaceHolder 5"/>
-          <p:cNvSpPr>
-            <a:spLocks noGrp="1"/>
-          </p:cNvSpPr>
-          <p:nvPr>
-            <p:ph type="sldNum"/>
-          </p:nvPr>
-        </p:nvSpPr>
-        <p:spPr>
-          <a:xfrm>
-            <a:off x="146160" y="6210360"/>
-            <a:ext cx="456840" cy="456840"/>
-          </a:xfrm>
-          <a:prstGeom prst="rect">
-            <a:avLst/>
-          </a:prstGeom>
-        </p:spPr>
-        <p:txBody>
-          <a:bodyPr lIns="0" rIns="0" tIns="0" bIns="0" anchor="ctr" anchorCtr="1"/>
-          <a:p>
-            <a:pPr algn="ctr">
-              <a:lnSpc>
-                <a:spcPct val="100000"/>
-              </a:lnSpc>
-            </a:pPr>
-            <a:fld id="{C2305BC5-103E-4B05-8B5F-DAE9606ABD70}" type="slidenum">
-              <a:rPr b="0" lang="en-US" sz="1400" spc="-1" strike="noStrike">
-                <a:solidFill>
-                  <a:srgbClr val="ffffff"/>
-                </a:solidFill>
-                <a:uFill>
-                  <a:solidFill>
-                    <a:srgbClr val="ffffff"/>
-                  </a:solidFill>
-                </a:uFill>
-                <a:latin typeface="Franklin Gothic Book"/>
-              </a:rPr>
-              <a:t>&lt;number&gt;</a:t>
-            </a:fld>
-            <a:endParaRPr b="0" lang="en-US" sz="1400" spc="-1" strike="noStrike">
-              <a:solidFill>
-                <a:srgbClr val="000000"/>
-              </a:solidFill>
-              <a:uFill>
-                <a:solidFill>
-                  <a:srgbClr val="ffffff"/>
-                </a:solidFill>
-              </a:uFill>
-              <a:latin typeface="Times New Roman"/>
-            </a:endParaRPr>
-          </a:p>
-        </p:txBody>
-      </p:sp>
-      <p:sp>
-        <p:nvSpPr>
-          <p:cNvPr id="92" name="PlaceHolder 6"/>
-          <p:cNvSpPr>
-            <a:spLocks noGrp="1"/>
-          </p:cNvSpPr>
-          <p:nvPr>
-            <p:ph type="title"/>
-          </p:nvPr>
-        </p:nvSpPr>
-        <p:spPr>
-          <a:xfrm>
-            <a:off x="457200" y="273600"/>
-            <a:ext cx="8229240" cy="1144800"/>
-          </a:xfrm>
-          <a:prstGeom prst="rect">
-            <a:avLst/>
-          </a:prstGeom>
-        </p:spPr>
-        <p:txBody>
-          <a:bodyPr lIns="0" rIns="0" tIns="0" bIns="0" anchor="ctr"/>
-          <a:p>
-            <a:r>
-              <a:rPr b="0" lang="en-US" sz="1800" spc="-1" strike="noStrike">
-                <a:solidFill>
-                  <a:srgbClr val="000000"/>
-                </a:solidFill>
-                <a:uFill>
-                  <a:solidFill>
-                    <a:srgbClr val="ffffff"/>
-                  </a:solidFill>
-                </a:uFill>
-                <a:latin typeface="Perpetua"/>
+                <a:latin typeface="Arial"/>
               </a:rPr>
               <a:t>Click to edit the title text format</a:t>
             </a:r>
-            <a:endParaRPr b="0" lang="en-US" sz="1800" spc="-1" strike="noStrike">
-              <a:solidFill>
-                <a:srgbClr val="000000"/>
-              </a:solidFill>
-              <a:uFill>
-                <a:solidFill>
-                  <a:srgbClr val="ffffff"/>
-                </a:solidFill>
-              </a:uFill>
-              <a:latin typeface="Perpetua"/>
-            </a:endParaRPr>
-          </a:p>
-        </p:txBody>
-      </p:sp>
-      <p:sp>
-        <p:nvSpPr>
-          <p:cNvPr id="93" name="PlaceHolder 7"/>
+            <a:endParaRPr b="0" lang="en-US" sz="4400" spc="-1" strike="noStrike">
+              <a:solidFill>
+                <a:srgbClr val="000000"/>
+              </a:solidFill>
+              <a:uFill>
+                <a:solidFill>
+                  <a:srgbClr val="ffffff"/>
+                </a:solidFill>
+              </a:uFill>
+              <a:latin typeface="Arial"/>
+            </a:endParaRPr>
+          </a:p>
+        </p:txBody>
+      </p:sp>
+      <p:sp>
+        <p:nvSpPr>
+          <p:cNvPr id="84" name="PlaceHolder 4"/>
           <p:cNvSpPr>
             <a:spLocks noGrp="1"/>
           </p:cNvSpPr>
@@ -6285,7 +5702,7 @@
               <a:buChar char=""/>
             </a:pPr>
             <a:r>
-              <a:rPr b="0" lang="en-US" sz="2600" spc="-1" strike="noStrike">
+              <a:rPr b="0" lang="en-US" sz="3200" spc="-1" strike="noStrike">
                 <a:solidFill>
                   <a:srgbClr val="000000"/>
                 </a:solidFill>
@@ -6294,24 +5711,94 @@
                     <a:srgbClr val="ffffff"/>
                   </a:solidFill>
                 </a:uFill>
-                <a:latin typeface="Perpetua"/>
+                <a:latin typeface="Arial"/>
               </a:rPr>
               <a:t>Click to edit the outline text format</a:t>
             </a:r>
-            <a:endParaRPr b="0" lang="en-US" sz="2600" spc="-1" strike="noStrike">
-              <a:solidFill>
-                <a:srgbClr val="000000"/>
-              </a:solidFill>
-              <a:uFill>
-                <a:solidFill>
-                  <a:srgbClr val="ffffff"/>
-                </a:solidFill>
-              </a:uFill>
-              <a:latin typeface="Perpetua"/>
+            <a:endParaRPr b="0" lang="en-US" sz="3200" spc="-1" strike="noStrike">
+              <a:solidFill>
+                <a:srgbClr val="000000"/>
+              </a:solidFill>
+              <a:uFill>
+                <a:solidFill>
+                  <a:srgbClr val="ffffff"/>
+                </a:solidFill>
+              </a:uFill>
+              <a:latin typeface="Arial"/>
             </a:endParaRPr>
           </a:p>
           <a:p>
             <a:pPr lvl="1" marL="864000" indent="-324000">
+              <a:buClr>
+                <a:srgbClr val="000000"/>
+              </a:buClr>
+              <a:buSzPct val="75000"/>
+              <a:buFont typeface="Symbol" charset="2"/>
+              <a:buChar char=""/>
+            </a:pPr>
+            <a:r>
+              <a:rPr b="0" lang="en-US" sz="2800" spc="-1" strike="noStrike">
+                <a:solidFill>
+                  <a:srgbClr val="000000"/>
+                </a:solidFill>
+                <a:uFill>
+                  <a:solidFill>
+                    <a:srgbClr val="ffffff"/>
+                  </a:solidFill>
+                </a:uFill>
+                <a:latin typeface="Arial"/>
+              </a:rPr>
+              <a:t>Second Outline Level</a:t>
+            </a:r>
+            <a:endParaRPr b="0" lang="en-US" sz="2800" spc="-1" strike="noStrike">
+              <a:solidFill>
+                <a:srgbClr val="000000"/>
+              </a:solidFill>
+              <a:uFill>
+                <a:solidFill>
+                  <a:srgbClr val="ffffff"/>
+                </a:solidFill>
+              </a:uFill>
+              <a:latin typeface="Arial"/>
+            </a:endParaRPr>
+          </a:p>
+          <a:p>
+            <a:pPr lvl="2" marL="1296000" indent="-288000">
+              <a:buClr>
+                <a:srgbClr val="000000"/>
+              </a:buClr>
+              <a:buSzPct val="45000"/>
+              <a:buFont typeface="Wingdings" charset="2"/>
+              <a:buChar char=""/>
+            </a:pPr>
+            <a:r>
+              <a:rPr b="0" lang="en-US" sz="2400" spc="-1" strike="noStrike">
+                <a:solidFill>
+                  <a:srgbClr val="000000"/>
+                </a:solidFill>
+                <a:uFill>
+                  <a:solidFill>
+                    <a:srgbClr val="ffffff"/>
+                  </a:solidFill>
+                </a:uFill>
+                <a:latin typeface="Arial"/>
+              </a:rPr>
+              <a:t>Third Outline Level</a:t>
+            </a:r>
+            <a:endParaRPr b="0" lang="en-US" sz="2400" spc="-1" strike="noStrike">
+              <a:solidFill>
+                <a:srgbClr val="000000"/>
+              </a:solidFill>
+              <a:uFill>
+                <a:solidFill>
+                  <a:srgbClr val="ffffff"/>
+                </a:solidFill>
+              </a:uFill>
+              <a:latin typeface="Arial"/>
+            </a:endParaRPr>
+          </a:p>
+          <a:p>
+            <a:pPr lvl="3" marL="1728000" indent="-216000">
               <a:buClr>
                 <a:srgbClr val="000000"/>
               </a:buClr>
@@ -6329,9 +5816,9 @@
                     <a:srgbClr val="ffffff"/>
                   </a:solidFill>
                 </a:uFill>
-                <a:latin typeface="Perpetua"/>
+                <a:latin typeface="Arial"/>
               </a:rPr>
-              <a:t>Second Outline Level</a:t>
+              <a:t>Fourth Outline Level</a:t>
             </a:r>
             <a:endParaRPr b="0" lang="en-US" sz="2000" spc="-1" strike="noStrike">
               <a:solidFill>
@@ -6342,11 +5829,11 @@
                   <a:srgbClr val="ffffff"/>
                 </a:solidFill>
               </a:uFill>
-              <a:latin typeface="Perpetua"/>
-            </a:endParaRPr>
-          </a:p>
-          <a:p>
-            <a:pPr lvl="2" marL="1296000" indent="-288000">
+              <a:latin typeface="Arial"/>
+            </a:endParaRPr>
+          </a:p>
+          <a:p>
+            <a:pPr lvl="4" marL="2160000" indent="-216000">
               <a:buClr>
                 <a:srgbClr val="000000"/>
               </a:buClr>
@@ -6364,9 +5851,9 @@
                     <a:srgbClr val="ffffff"/>
                   </a:solidFill>
                 </a:uFill>
-                <a:latin typeface="Perpetua"/>
+                <a:latin typeface="Arial"/>
               </a:rPr>
-              <a:t>Third Outline Level</a:t>
+              <a:t>Fifth Outline Level</a:t>
             </a:r>
             <a:endParaRPr b="0" lang="en-US" sz="2000" spc="-1" strike="noStrike">
               <a:solidFill>
@@ -6377,46 +5864,11 @@
                   <a:srgbClr val="ffffff"/>
                 </a:solidFill>
               </a:uFill>
-              <a:latin typeface="Perpetua"/>
-            </a:endParaRPr>
-          </a:p>
-          <a:p>
-            <a:pPr lvl="3" marL="1728000" indent="-216000">
-              <a:buClr>
-                <a:srgbClr val="000000"/>
-              </a:buClr>
-              <a:buSzPct val="75000"/>
-              <a:buFont typeface="Symbol" charset="2"/>
-              <a:buChar char=""/>
-            </a:pPr>
-            <a:r>
-              <a:rPr b="0" lang="en-US" sz="2000" spc="-1" strike="noStrike">
-                <a:solidFill>
-                  <a:srgbClr val="000000"/>
-                </a:solidFill>
-                <a:uFill>
-                  <a:solidFill>
-                    <a:srgbClr val="ffffff"/>
-                  </a:solidFill>
-                </a:uFill>
-                <a:latin typeface="Perpetua"/>
-              </a:rPr>
-              <a:t>Fourth Outline Level</a:t>
-            </a:r>
-            <a:endParaRPr b="0" lang="en-US" sz="2000" spc="-1" strike="noStrike">
-              <a:solidFill>
-                <a:srgbClr val="000000"/>
-              </a:solidFill>
-              <a:uFill>
-                <a:solidFill>
-                  <a:srgbClr val="ffffff"/>
-                </a:solidFill>
-              </a:uFill>
-              <a:latin typeface="Perpetua"/>
-            </a:endParaRPr>
-          </a:p>
-          <a:p>
-            <a:pPr lvl="4" marL="2160000" indent="-216000">
+              <a:latin typeface="Arial"/>
+            </a:endParaRPr>
+          </a:p>
+          <a:p>
+            <a:pPr lvl="5" marL="2592000" indent="-216000">
               <a:buClr>
                 <a:srgbClr val="000000"/>
               </a:buClr>
@@ -6434,9 +5886,9 @@
                     <a:srgbClr val="ffffff"/>
                   </a:solidFill>
                 </a:uFill>
-                <a:latin typeface="Perpetua"/>
+                <a:latin typeface="Arial"/>
               </a:rPr>
-              <a:t>Fifth Outline Level</a:t>
+              <a:t>Sixth Outline Level</a:t>
             </a:r>
             <a:endParaRPr b="0" lang="en-US" sz="2000" spc="-1" strike="noStrike">
               <a:solidFill>
@@ -6447,11 +5899,11 @@
                   <a:srgbClr val="ffffff"/>
                 </a:solidFill>
               </a:uFill>
-              <a:latin typeface="Perpetua"/>
-            </a:endParaRPr>
-          </a:p>
-          <a:p>
-            <a:pPr lvl="5" marL="2592000" indent="-216000">
+              <a:latin typeface="Arial"/>
+            </a:endParaRPr>
+          </a:p>
+          <a:p>
+            <a:pPr lvl="6" marL="3024000" indent="-216000">
               <a:buClr>
                 <a:srgbClr val="000000"/>
               </a:buClr>
@@ -6469,42 +5921,7 @@
                     <a:srgbClr val="ffffff"/>
                   </a:solidFill>
                 </a:uFill>
-                <a:latin typeface="Perpetua"/>
-              </a:rPr>
-              <a:t>Sixth Outline Level</a:t>
-            </a:r>
-            <a:endParaRPr b="0" lang="en-US" sz="2000" spc="-1" strike="noStrike">
-              <a:solidFill>
-                <a:srgbClr val="000000"/>
-              </a:solidFill>
-              <a:uFill>
-                <a:solidFill>
-                  <a:srgbClr val="ffffff"/>
-                </a:solidFill>
-              </a:uFill>
-              <a:latin typeface="Perpetua"/>
-            </a:endParaRPr>
-          </a:p>
-          <a:p>
-            <a:pPr lvl="6" marL="3024000" indent="-216000">
-              <a:buClr>
-                <a:srgbClr val="000000"/>
-              </a:buClr>
-              <a:buSzPct val="45000"/>
-              <a:buFont typeface="Wingdings" charset="2"/>
-              <a:buChar char=""/>
-            </a:pPr>
-            <a:r>
-              <a:rPr b="0" lang="en-US" sz="2000" spc="-1" strike="noStrike">
-                <a:solidFill>
-                  <a:srgbClr val="000000"/>
-                </a:solidFill>
-                <a:uFill>
-                  <a:solidFill>
-                    <a:srgbClr val="ffffff"/>
-                  </a:solidFill>
-                </a:uFill>
-                <a:latin typeface="Perpetua"/>
+                <a:latin typeface="Arial"/>
               </a:rPr>
               <a:t>Seventh Outline Level</a:t>
             </a:r>
@@ -6517,7 +5934,7 @@
                   <a:srgbClr val="ffffff"/>
                 </a:solidFill>
               </a:uFill>
-              <a:latin typeface="Perpetua"/>
+              <a:latin typeface="Arial"/>
             </a:endParaRPr>
           </a:p>
         </p:txBody>
@@ -6561,14 +5978,14 @@
       </p:grpSpPr>
       <p:sp>
         <p:nvSpPr>
-          <p:cNvPr id="128" name="TextShape 1"/>
-          <p:cNvSpPr txBox="1"/>
+          <p:cNvPr id="119" name="CustomShape 1"/>
+          <p:cNvSpPr/>
           <p:nvPr/>
         </p:nvSpPr>
         <p:spPr>
           <a:xfrm>
             <a:off x="1571760" y="3571920"/>
-            <a:ext cx="6171840" cy="1371240"/>
+            <a:ext cx="6171480" cy="1370880"/>
           </a:xfrm>
           <a:prstGeom prst="rect">
             <a:avLst/>
@@ -6578,6 +5995,12 @@
             <a:noFill/>
           </a:ln>
         </p:spPr>
+        <p:style>
+          <a:lnRef idx="0"/>
+          <a:fillRef idx="0"/>
+          <a:effectRef idx="0"/>
+          <a:fontRef idx="minor"/>
+        </p:style>
         <p:txBody>
           <a:bodyPr lIns="90000" rIns="90000" tIns="45000" bIns="45000"/>
           <a:p>
@@ -6600,30 +6023,30 @@
               </a:rPr>
               <a:t>Отбор: Лольо Пинчер</a:t>
             </a:r>
-            <a:endParaRPr b="0" lang="en-US" sz="3200" spc="-1" strike="noStrike">
-              <a:solidFill>
-                <a:srgbClr val="000000"/>
-              </a:solidFill>
-              <a:uFill>
-                <a:solidFill>
-                  <a:srgbClr val="ffffff"/>
-                </a:solidFill>
-              </a:uFill>
-              <a:latin typeface="Arial"/>
-            </a:endParaRPr>
-          </a:p>
-        </p:txBody>
-      </p:sp>
-      <p:sp>
-        <p:nvSpPr>
-          <p:cNvPr id="129" name="TextShape 2"/>
-          <p:cNvSpPr txBox="1"/>
+            <a:endParaRPr b="0" lang="en-US" sz="1800" spc="-1" strike="noStrike">
+              <a:solidFill>
+                <a:srgbClr val="000000"/>
+              </a:solidFill>
+              <a:uFill>
+                <a:solidFill>
+                  <a:srgbClr val="ffffff"/>
+                </a:solidFill>
+              </a:uFill>
+              <a:latin typeface="Arial"/>
+            </a:endParaRPr>
+          </a:p>
+        </p:txBody>
+      </p:sp>
+      <p:sp>
+        <p:nvSpPr>
+          <p:cNvPr id="120" name="CustomShape 2"/>
+          <p:cNvSpPr/>
           <p:nvPr/>
         </p:nvSpPr>
         <p:spPr>
           <a:xfrm>
             <a:off x="1643040" y="1357200"/>
-            <a:ext cx="6171840" cy="1893960"/>
+            <a:ext cx="6171480" cy="1893600"/>
           </a:xfrm>
           <a:prstGeom prst="rect">
             <a:avLst/>
@@ -6633,6 +6056,12 @@
             <a:noFill/>
           </a:ln>
         </p:spPr>
+        <p:style>
+          <a:lnRef idx="0"/>
+          <a:fillRef idx="0"/>
+          <a:effectRef idx="0"/>
+          <a:fontRef idx="minor"/>
+        </p:style>
         <p:txBody>
           <a:bodyPr lIns="90000" rIns="90000" tIns="45000" bIns="91440" anchor="ctr"/>
           <a:p>
@@ -6664,7 +6093,7 @@
                   <a:srgbClr val="ffffff"/>
                 </a:solidFill>
               </a:uFill>
-              <a:latin typeface="Perpetua"/>
+              <a:latin typeface="Arial"/>
             </a:endParaRPr>
           </a:p>
         </p:txBody>
@@ -6720,14 +6149,14 @@
       </p:grpSpPr>
       <p:sp>
         <p:nvSpPr>
-          <p:cNvPr id="130" name="TextShape 1"/>
-          <p:cNvSpPr txBox="1"/>
+          <p:cNvPr id="121" name="CustomShape 1"/>
+          <p:cNvSpPr/>
           <p:nvPr/>
         </p:nvSpPr>
         <p:spPr>
           <a:xfrm>
             <a:off x="914400" y="274680"/>
-            <a:ext cx="7772040" cy="1142640"/>
+            <a:ext cx="7771680" cy="1142280"/>
           </a:xfrm>
           <a:prstGeom prst="rect">
             <a:avLst/>
@@ -6737,6 +6166,12 @@
             <a:noFill/>
           </a:ln>
         </p:spPr>
+        <p:style>
+          <a:lnRef idx="0"/>
+          <a:fillRef idx="0"/>
+          <a:effectRef idx="0"/>
+          <a:fontRef idx="minor"/>
+        </p:style>
         <p:txBody>
           <a:bodyPr lIns="90000" rIns="90000" tIns="45000" bIns="91440" anchor="b"/>
           <a:p>
@@ -6768,21 +6203,21 @@
                   <a:srgbClr val="ffffff"/>
                 </a:solidFill>
               </a:uFill>
-              <a:latin typeface="Perpetua"/>
-            </a:endParaRPr>
-          </a:p>
-        </p:txBody>
-      </p:sp>
-      <p:sp>
-        <p:nvSpPr>
-          <p:cNvPr id="131" name="TextShape 2"/>
-          <p:cNvSpPr txBox="1"/>
+              <a:latin typeface="Arial"/>
+            </a:endParaRPr>
+          </a:p>
+        </p:txBody>
+      </p:sp>
+      <p:sp>
+        <p:nvSpPr>
+          <p:cNvPr id="122" name="CustomShape 2"/>
+          <p:cNvSpPr/>
           <p:nvPr/>
         </p:nvSpPr>
         <p:spPr>
           <a:xfrm>
             <a:off x="914760" y="1737720"/>
-            <a:ext cx="7772040" cy="4571640"/>
+            <a:ext cx="7771680" cy="4571280"/>
           </a:xfrm>
           <a:prstGeom prst="rect">
             <a:avLst/>
@@ -6792,10 +6227,19 @@
             <a:noFill/>
           </a:ln>
         </p:spPr>
+        <p:style>
+          <a:lnRef idx="0"/>
+          <a:fillRef idx="0"/>
+          <a:effectRef idx="0"/>
+          <a:fontRef idx="minor"/>
+        </p:style>
         <p:txBody>
           <a:bodyPr lIns="90000" rIns="90000" tIns="45000" bIns="45000"/>
           <a:p>
-            <a:pPr marL="432000" indent="-324000">
+            <a:pPr marL="432000" indent="-323640">
+              <a:lnSpc>
+                <a:spcPct val="100000"/>
+              </a:lnSpc>
               <a:buClr>
                 <a:srgbClr val="000000"/>
               </a:buClr>
@@ -6817,27 +6261,6 @@
               </a:rPr>
               <a:t> </a:t>
             </a:r>
-            <a:endParaRPr b="0" lang="en-US" sz="2600" spc="-1" strike="noStrike">
-              <a:solidFill>
-                <a:srgbClr val="000000"/>
-              </a:solidFill>
-              <a:uFill>
-                <a:solidFill>
-                  <a:srgbClr val="ffffff"/>
-                </a:solidFill>
-              </a:uFill>
-              <a:latin typeface="Perpetua"/>
-            </a:endParaRPr>
-          </a:p>
-          <a:p>
-            <a:pPr marL="432000" indent="-324000">
-              <a:buClr>
-                <a:srgbClr val="000000"/>
-              </a:buClr>
-              <a:buSzPct val="45000"/>
-              <a:buFont typeface="Wingdings" charset="2"/>
-              <a:buChar char=""/>
-            </a:pPr>
             <a:r>
               <a:rPr b="0" lang="en-US" sz="2600" spc="-1" strike="noStrike">
                 <a:solidFill>
@@ -6852,20 +6275,61 @@
               </a:rPr>
               <a:t>Създаване на връзка между домовете за сираци и дарителите чрез пунктове, създадени от нас. Това ще подобри сигурността и доверието между дарители и домове. </a:t>
             </a:r>
-            <a:endParaRPr b="0" lang="en-US" sz="2600" spc="-1" strike="noStrike">
-              <a:solidFill>
-                <a:srgbClr val="000000"/>
-              </a:solidFill>
-              <a:uFill>
-                <a:solidFill>
-                  <a:srgbClr val="ffffff"/>
-                </a:solidFill>
-              </a:uFill>
-              <a:latin typeface="Perpetua"/>
-            </a:endParaRPr>
-          </a:p>
-          <a:p>
-            <a:pPr marL="432000" indent="-324000">
+            <a:endParaRPr b="0" lang="en-US" sz="1800" spc="-1" strike="noStrike">
+              <a:solidFill>
+                <a:srgbClr val="000000"/>
+              </a:solidFill>
+              <a:uFill>
+                <a:solidFill>
+                  <a:srgbClr val="ffffff"/>
+                </a:solidFill>
+              </a:uFill>
+              <a:latin typeface="Arial"/>
+            </a:endParaRPr>
+          </a:p>
+          <a:p>
+            <a:pPr marL="432000" indent="-323640">
+              <a:lnSpc>
+                <a:spcPct val="100000"/>
+              </a:lnSpc>
+              <a:buClr>
+                <a:srgbClr val="000000"/>
+              </a:buClr>
+              <a:buSzPct val="45000"/>
+              <a:buFont typeface="Wingdings" charset="2"/>
+              <a:buChar char=""/>
+            </a:pPr>
+            <a:r>
+              <a:rPr b="0" lang="en-US" sz="2600" spc="-1" strike="noStrike">
+                <a:solidFill>
+                  <a:srgbClr val="000000"/>
+                </a:solidFill>
+                <a:uFill>
+                  <a:solidFill>
+                    <a:srgbClr val="ffffff"/>
+                  </a:solidFill>
+                </a:uFill>
+                <a:latin typeface="Perpetua"/>
+              </a:rPr>
+              <a:t> </a:t>
+            </a:r>
+            <a:endParaRPr b="0" lang="en-US" sz="1800" spc="-1" strike="noStrike">
+              <a:solidFill>
+                <a:srgbClr val="000000"/>
+              </a:solidFill>
+              <a:uFill>
+                <a:solidFill>
+                  <a:srgbClr val="ffffff"/>
+                </a:solidFill>
+              </a:uFill>
+              <a:latin typeface="Arial"/>
+            </a:endParaRPr>
+          </a:p>
+          <a:p>
+            <a:pPr marL="432000" indent="-323640">
+              <a:lnSpc>
+                <a:spcPct val="100000"/>
+              </a:lnSpc>
               <a:buClr>
                 <a:srgbClr val="000000"/>
               </a:buClr>
@@ -6887,16 +6351,16 @@
               </a:rPr>
               <a:t>Желанието ни е да развием идеята, като изградим глобална мрежа от пунктове</a:t>
             </a:r>
-            <a:endParaRPr b="0" lang="en-US" sz="2600" spc="-1" strike="noStrike">
-              <a:solidFill>
-                <a:srgbClr val="000000"/>
-              </a:solidFill>
-              <a:uFill>
-                <a:solidFill>
-                  <a:srgbClr val="ffffff"/>
-                </a:solidFill>
-              </a:uFill>
-              <a:latin typeface="Perpetua"/>
+            <a:endParaRPr b="0" lang="en-US" sz="1800" spc="-1" strike="noStrike">
+              <a:solidFill>
+                <a:srgbClr val="000000"/>
+              </a:solidFill>
+              <a:uFill>
+                <a:solidFill>
+                  <a:srgbClr val="ffffff"/>
+                </a:solidFill>
+              </a:uFill>
+              <a:latin typeface="Arial"/>
             </a:endParaRPr>
           </a:p>
         </p:txBody>
@@ -6952,7 +6416,7 @@
       </p:grpSpPr>
       <p:pic>
         <p:nvPicPr>
-          <p:cNvPr id="132" name="Picture 2" descr=""/>
+          <p:cNvPr id="123" name="Picture 2" descr=""/>
           <p:cNvPicPr/>
           <p:nvPr/>
         </p:nvPicPr>
@@ -6963,7 +6427,7 @@
         <p:spPr>
           <a:xfrm>
             <a:off x="142920" y="428760"/>
-            <a:ext cx="8857800" cy="5359320"/>
+            <a:ext cx="8857440" cy="5358960"/>
           </a:xfrm>
           <a:prstGeom prst="rect">
             <a:avLst/>
@@ -7024,7 +6488,7 @@
       </p:grpSpPr>
       <p:pic>
         <p:nvPicPr>
-          <p:cNvPr id="133" name="Picture 2" descr=""/>
+          <p:cNvPr id="124" name="Picture 2" descr=""/>
           <p:cNvPicPr/>
           <p:nvPr/>
         </p:nvPicPr>
@@ -7035,7 +6499,7 @@
         <p:spPr>
           <a:xfrm>
             <a:off x="142920" y="571320"/>
-            <a:ext cx="8857800" cy="5643360"/>
+            <a:ext cx="8857440" cy="5643000"/>
           </a:xfrm>
           <a:prstGeom prst="rect">
             <a:avLst/>
@@ -7047,7 +6511,7 @@
       </p:pic>
       <p:pic>
         <p:nvPicPr>
-          <p:cNvPr id="134" name="Picture 3" descr=""/>
+          <p:cNvPr id="125" name="Picture 3" descr=""/>
           <p:cNvPicPr/>
           <p:nvPr/>
         </p:nvPicPr>
@@ -7058,7 +6522,7 @@
         <p:spPr>
           <a:xfrm>
             <a:off x="5476320" y="571320"/>
-            <a:ext cx="3499560" cy="2785680"/>
+            <a:ext cx="3499200" cy="2785320"/>
           </a:xfrm>
           <a:prstGeom prst="rect">
             <a:avLst/>
@@ -7119,7 +6583,7 @@
       </p:grpSpPr>
       <p:pic>
         <p:nvPicPr>
-          <p:cNvPr id="135" name="Picture 2" descr=""/>
+          <p:cNvPr id="126" name="Picture 2" descr=""/>
           <p:cNvPicPr/>
           <p:nvPr/>
         </p:nvPicPr>
@@ -7130,7 +6594,7 @@
         <p:spPr>
           <a:xfrm>
             <a:off x="428760" y="1071720"/>
-            <a:ext cx="4969440" cy="4428720"/>
+            <a:ext cx="4969080" cy="4428360"/>
           </a:xfrm>
           <a:prstGeom prst="rect">
             <a:avLst/>
@@ -7142,7 +6606,7 @@
       </p:pic>
       <p:pic>
         <p:nvPicPr>
-          <p:cNvPr id="136" name="Picture 3" descr=""/>
+          <p:cNvPr id="127" name="Picture 3" descr=""/>
           <p:cNvPicPr/>
           <p:nvPr/>
         </p:nvPicPr>
@@ -7153,7 +6617,7 @@
         <p:spPr>
           <a:xfrm>
             <a:off x="5357880" y="285840"/>
-            <a:ext cx="2790360" cy="6357600"/>
+            <a:ext cx="2790000" cy="6357240"/>
           </a:xfrm>
           <a:prstGeom prst="rect">
             <a:avLst/>
